--- a/靠著祢寶血.pptx
+++ b/靠著祢寶血.pptx
@@ -2,7 +2,7 @@
 <file path=ppt/presentation.xml><?xml version="1.0" encoding="utf-8"?>
 <p:presentation xmlns:a="http://schemas.openxmlformats.org/drawingml/2006/main" xmlns:r="http://schemas.openxmlformats.org/officeDocument/2006/relationships" xmlns:p="http://schemas.openxmlformats.org/presentationml/2006/main" saveSubsetFonts="1">
   <p:sldMasterIdLst>
-    <p:sldMasterId id="2147483648" r:id="rId1"/>
+    <p:sldMasterId id="2147483660" r:id="rId1"/>
   </p:sldMasterIdLst>
   <p:sldIdLst>
     <p:sldId id="256" r:id="rId2"/>
@@ -11,8 +11,22 @@
     <p:sldId id="259" r:id="rId5"/>
     <p:sldId id="260" r:id="rId6"/>
     <p:sldId id="261" r:id="rId7"/>
+    <p:sldId id="262" r:id="rId8"/>
+    <p:sldId id="263" r:id="rId9"/>
+    <p:sldId id="264" r:id="rId10"/>
+    <p:sldId id="265" r:id="rId11"/>
+    <p:sldId id="266" r:id="rId12"/>
+    <p:sldId id="267" r:id="rId13"/>
+    <p:sldId id="268" r:id="rId14"/>
+    <p:sldId id="269" r:id="rId15"/>
+    <p:sldId id="270" r:id="rId16"/>
+    <p:sldId id="271" r:id="rId17"/>
+    <p:sldId id="272" r:id="rId18"/>
+    <p:sldId id="273" r:id="rId19"/>
+    <p:sldId id="274" r:id="rId20"/>
+    <p:sldId id="275" r:id="rId21"/>
   </p:sldIdLst>
-  <p:sldSz cx="9144000" cy="6858000" type="screen4x3"/>
+  <p:sldSz cx="12192000" cy="6858000"/>
   <p:notesSz cx="6858000" cy="9144000"/>
   <p:defaultTextStyle>
     <a:defPPr>
@@ -109,6 +123,22 @@
       </a:defRPr>
     </a:lvl9pPr>
   </p:defaultTextStyle>
+  <p:extLst>
+    <p:ext uri="{EFAFB233-063F-42B5-8137-9DF3F51BA10A}">
+      <p15:sldGuideLst xmlns:p15="http://schemas.microsoft.com/office/powerpoint/2012/main">
+        <p15:guide id="1" orient="horz" pos="2160" userDrawn="1">
+          <p15:clr>
+            <a:srgbClr val="A4A3A4"/>
+          </p15:clr>
+        </p15:guide>
+        <p15:guide id="2" pos="3840" userDrawn="1">
+          <p15:clr>
+            <a:srgbClr val="A4A3A4"/>
+          </p15:clr>
+        </p15:guide>
+      </p15:sldGuideLst>
+    </p:ext>
+  </p:extLst>
 </p:presentation>
 </file>
 
@@ -141,8 +171,8 @@
         </p:nvSpPr>
         <p:spPr>
           <a:xfrm>
-            <a:off x="685800" y="2130425"/>
-            <a:ext cx="7772400" cy="1470025"/>
+            <a:off x="914400" y="2130428"/>
+            <a:ext cx="10363200" cy="1470025"/>
           </a:xfrm>
         </p:spPr>
         <p:txBody>
@@ -150,8 +180,8 @@
           <a:lstStyle/>
           <a:p>
             <a:r>
-              <a:rPr lang="zh-TW" altLang="en-US" smtClean="0"/>
-              <a:t>按一下以編輯母片標題樣式</a:t>
+              <a:rPr lang="en-US" altLang="zh-TW" smtClean="0"/>
+              <a:t>Click to edit Master title style</a:t>
             </a:r>
             <a:endParaRPr lang="zh-TW" altLang="en-US"/>
           </a:p>
@@ -169,8 +199,8 @@
         </p:nvSpPr>
         <p:spPr>
           <a:xfrm>
-            <a:off x="1371600" y="3886200"/>
-            <a:ext cx="6400800" cy="1752600"/>
+            <a:off x="1828800" y="3886200"/>
+            <a:ext cx="8534400" cy="1752600"/>
           </a:xfrm>
         </p:spPr>
         <p:txBody>
@@ -186,7 +216,7 @@
                 </a:solidFill>
               </a:defRPr>
             </a:lvl1pPr>
-            <a:lvl2pPr marL="457200" indent="0" algn="ctr">
+            <a:lvl2pPr marL="457189" indent="0" algn="ctr">
               <a:buNone/>
               <a:defRPr>
                 <a:solidFill>
@@ -196,7 +226,7 @@
                 </a:solidFill>
               </a:defRPr>
             </a:lvl2pPr>
-            <a:lvl3pPr marL="914400" indent="0" algn="ctr">
+            <a:lvl3pPr marL="914378" indent="0" algn="ctr">
               <a:buNone/>
               <a:defRPr>
                 <a:solidFill>
@@ -206,7 +236,7 @@
                 </a:solidFill>
               </a:defRPr>
             </a:lvl3pPr>
-            <a:lvl4pPr marL="1371600" indent="0" algn="ctr">
+            <a:lvl4pPr marL="1371566" indent="0" algn="ctr">
               <a:buNone/>
               <a:defRPr>
                 <a:solidFill>
@@ -216,7 +246,7 @@
                 </a:solidFill>
               </a:defRPr>
             </a:lvl4pPr>
-            <a:lvl5pPr marL="1828800" indent="0" algn="ctr">
+            <a:lvl5pPr marL="1828754" indent="0" algn="ctr">
               <a:buNone/>
               <a:defRPr>
                 <a:solidFill>
@@ -226,7 +256,7 @@
                 </a:solidFill>
               </a:defRPr>
             </a:lvl5pPr>
-            <a:lvl6pPr marL="2286000" indent="0" algn="ctr">
+            <a:lvl6pPr marL="2285943" indent="0" algn="ctr">
               <a:buNone/>
               <a:defRPr>
                 <a:solidFill>
@@ -236,7 +266,7 @@
                 </a:solidFill>
               </a:defRPr>
             </a:lvl6pPr>
-            <a:lvl7pPr marL="2743200" indent="0" algn="ctr">
+            <a:lvl7pPr marL="2743132" indent="0" algn="ctr">
               <a:buNone/>
               <a:defRPr>
                 <a:solidFill>
@@ -246,7 +276,7 @@
                 </a:solidFill>
               </a:defRPr>
             </a:lvl7pPr>
-            <a:lvl8pPr marL="3200400" indent="0" algn="ctr">
+            <a:lvl8pPr marL="3200320" indent="0" algn="ctr">
               <a:buNone/>
               <a:defRPr>
                 <a:solidFill>
@@ -256,7 +286,7 @@
                 </a:solidFill>
               </a:defRPr>
             </a:lvl8pPr>
-            <a:lvl9pPr marL="3657600" indent="0" algn="ctr">
+            <a:lvl9pPr marL="3657509" indent="0" algn="ctr">
               <a:buNone/>
               <a:defRPr>
                 <a:solidFill>
@@ -269,8 +299,8 @@
           </a:lstStyle>
           <a:p>
             <a:r>
-              <a:rPr lang="zh-TW" altLang="en-US" smtClean="0"/>
-              <a:t>按一下以編輯母片副標題樣式</a:t>
+              <a:rPr lang="en-US" altLang="zh-TW" smtClean="0"/>
+              <a:t>Click to edit Master subtitle style</a:t>
             </a:r>
             <a:endParaRPr lang="zh-TW" altLang="en-US"/>
           </a:p>
@@ -293,7 +323,7 @@
           <a:p>
             <a:fld id="{02224A09-BDB4-4D78-827C-B220829DDCD1}" type="datetimeFigureOut">
               <a:rPr lang="zh-TW" altLang="en-US" smtClean="0"/>
-              <a:t>2017/6/13</a:t>
+              <a:t>2020/10/30</a:t>
             </a:fld>
             <a:endParaRPr lang="zh-TW" altLang="en-US"/>
           </a:p>
@@ -342,6 +372,11 @@
         </p:txBody>
       </p:sp>
     </p:spTree>
+    <p:extLst>
+      <p:ext uri="{BB962C8B-B14F-4D97-AF65-F5344CB8AC3E}">
+        <p14:creationId xmlns:p14="http://schemas.microsoft.com/office/powerpoint/2010/main" val="1876323528"/>
+      </p:ext>
+    </p:extLst>
   </p:cSld>
   <p:clrMapOvr>
     <a:masterClrMapping/>
@@ -382,8 +417,8 @@
           <a:lstStyle/>
           <a:p>
             <a:r>
-              <a:rPr lang="zh-TW" altLang="en-US" smtClean="0"/>
-              <a:t>按一下以編輯母片標題樣式</a:t>
+              <a:rPr lang="en-US" altLang="zh-TW" smtClean="0"/>
+              <a:t>Click to edit Master title style</a:t>
             </a:r>
             <a:endParaRPr lang="zh-TW" altLang="en-US"/>
           </a:p>
@@ -406,36 +441,36 @@
           <a:p>
             <a:pPr lvl="0"/>
             <a:r>
-              <a:rPr lang="zh-TW" altLang="en-US" smtClean="0"/>
-              <a:t>按一下以編輯母片文字樣式</a:t>
+              <a:rPr lang="en-US" altLang="zh-TW" smtClean="0"/>
+              <a:t>Edit Master text styles</a:t>
             </a:r>
           </a:p>
           <a:p>
             <a:pPr lvl="1"/>
             <a:r>
-              <a:rPr lang="zh-TW" altLang="en-US" smtClean="0"/>
-              <a:t>第二層</a:t>
+              <a:rPr lang="en-US" altLang="zh-TW" smtClean="0"/>
+              <a:t>Second level</a:t>
             </a:r>
           </a:p>
           <a:p>
             <a:pPr lvl="2"/>
             <a:r>
-              <a:rPr lang="zh-TW" altLang="en-US" smtClean="0"/>
-              <a:t>第三層</a:t>
+              <a:rPr lang="en-US" altLang="zh-TW" smtClean="0"/>
+              <a:t>Third level</a:t>
             </a:r>
           </a:p>
           <a:p>
             <a:pPr lvl="3"/>
             <a:r>
-              <a:rPr lang="zh-TW" altLang="en-US" smtClean="0"/>
-              <a:t>第四層</a:t>
+              <a:rPr lang="en-US" altLang="zh-TW" smtClean="0"/>
+              <a:t>Fourth level</a:t>
             </a:r>
           </a:p>
           <a:p>
             <a:pPr lvl="4"/>
             <a:r>
-              <a:rPr lang="zh-TW" altLang="en-US" smtClean="0"/>
-              <a:t>第五層</a:t>
+              <a:rPr lang="en-US" altLang="zh-TW" smtClean="0"/>
+              <a:t>Fifth level</a:t>
             </a:r>
             <a:endParaRPr lang="zh-TW" altLang="en-US"/>
           </a:p>
@@ -458,7 +493,7 @@
           <a:p>
             <a:fld id="{02224A09-BDB4-4D78-827C-B220829DDCD1}" type="datetimeFigureOut">
               <a:rPr lang="zh-TW" altLang="en-US" smtClean="0"/>
-              <a:t>2017/6/13</a:t>
+              <a:t>2020/10/30</a:t>
             </a:fld>
             <a:endParaRPr lang="zh-TW" altLang="en-US"/>
           </a:p>
@@ -507,6 +542,11 @@
         </p:txBody>
       </p:sp>
     </p:spTree>
+    <p:extLst>
+      <p:ext uri="{BB962C8B-B14F-4D97-AF65-F5344CB8AC3E}">
+        <p14:creationId xmlns:p14="http://schemas.microsoft.com/office/powerpoint/2010/main" val="879430903"/>
+      </p:ext>
+    </p:extLst>
   </p:cSld>
   <p:clrMapOvr>
     <a:masterClrMapping/>
@@ -543,8 +583,8 @@
         </p:nvSpPr>
         <p:spPr>
           <a:xfrm>
-            <a:off x="6629400" y="274638"/>
-            <a:ext cx="2057400" cy="5851525"/>
+            <a:off x="8839200" y="274641"/>
+            <a:ext cx="2743200" cy="5851525"/>
           </a:xfrm>
         </p:spPr>
         <p:txBody>
@@ -552,8 +592,8 @@
           <a:lstStyle/>
           <a:p>
             <a:r>
-              <a:rPr lang="zh-TW" altLang="en-US" smtClean="0"/>
-              <a:t>按一下以編輯母片標題樣式</a:t>
+              <a:rPr lang="en-US" altLang="zh-TW" smtClean="0"/>
+              <a:t>Click to edit Master title style</a:t>
             </a:r>
             <a:endParaRPr lang="zh-TW" altLang="en-US"/>
           </a:p>
@@ -571,8 +611,8 @@
         </p:nvSpPr>
         <p:spPr>
           <a:xfrm>
-            <a:off x="457200" y="274638"/>
-            <a:ext cx="6019800" cy="5851525"/>
+            <a:off x="609600" y="274641"/>
+            <a:ext cx="8026400" cy="5851525"/>
           </a:xfrm>
         </p:spPr>
         <p:txBody>
@@ -581,36 +621,36 @@
           <a:p>
             <a:pPr lvl="0"/>
             <a:r>
-              <a:rPr lang="zh-TW" altLang="en-US" smtClean="0"/>
-              <a:t>按一下以編輯母片文字樣式</a:t>
+              <a:rPr lang="en-US" altLang="zh-TW" smtClean="0"/>
+              <a:t>Edit Master text styles</a:t>
             </a:r>
           </a:p>
           <a:p>
             <a:pPr lvl="1"/>
             <a:r>
-              <a:rPr lang="zh-TW" altLang="en-US" smtClean="0"/>
-              <a:t>第二層</a:t>
+              <a:rPr lang="en-US" altLang="zh-TW" smtClean="0"/>
+              <a:t>Second level</a:t>
             </a:r>
           </a:p>
           <a:p>
             <a:pPr lvl="2"/>
             <a:r>
-              <a:rPr lang="zh-TW" altLang="en-US" smtClean="0"/>
-              <a:t>第三層</a:t>
+              <a:rPr lang="en-US" altLang="zh-TW" smtClean="0"/>
+              <a:t>Third level</a:t>
             </a:r>
           </a:p>
           <a:p>
             <a:pPr lvl="3"/>
             <a:r>
-              <a:rPr lang="zh-TW" altLang="en-US" smtClean="0"/>
-              <a:t>第四層</a:t>
+              <a:rPr lang="en-US" altLang="zh-TW" smtClean="0"/>
+              <a:t>Fourth level</a:t>
             </a:r>
           </a:p>
           <a:p>
             <a:pPr lvl="4"/>
             <a:r>
-              <a:rPr lang="zh-TW" altLang="en-US" smtClean="0"/>
-              <a:t>第五層</a:t>
+              <a:rPr lang="en-US" altLang="zh-TW" smtClean="0"/>
+              <a:t>Fifth level</a:t>
             </a:r>
             <a:endParaRPr lang="zh-TW" altLang="en-US"/>
           </a:p>
@@ -633,7 +673,7 @@
           <a:p>
             <a:fld id="{02224A09-BDB4-4D78-827C-B220829DDCD1}" type="datetimeFigureOut">
               <a:rPr lang="zh-TW" altLang="en-US" smtClean="0"/>
-              <a:t>2017/6/13</a:t>
+              <a:t>2020/10/30</a:t>
             </a:fld>
             <a:endParaRPr lang="zh-TW" altLang="en-US"/>
           </a:p>
@@ -682,6 +722,11 @@
         </p:txBody>
       </p:sp>
     </p:spTree>
+    <p:extLst>
+      <p:ext uri="{BB962C8B-B14F-4D97-AF65-F5344CB8AC3E}">
+        <p14:creationId xmlns:p14="http://schemas.microsoft.com/office/powerpoint/2010/main" val="1644295492"/>
+      </p:ext>
+    </p:extLst>
   </p:cSld>
   <p:clrMapOvr>
     <a:masterClrMapping/>
@@ -722,8 +767,8 @@
           <a:lstStyle/>
           <a:p>
             <a:r>
-              <a:rPr lang="zh-TW" altLang="en-US" smtClean="0"/>
-              <a:t>按一下以編輯母片標題樣式</a:t>
+              <a:rPr lang="en-US" altLang="zh-TW" smtClean="0"/>
+              <a:t>Click to edit Master title style</a:t>
             </a:r>
             <a:endParaRPr lang="zh-TW" altLang="en-US"/>
           </a:p>
@@ -746,36 +791,36 @@
           <a:p>
             <a:pPr lvl="0"/>
             <a:r>
-              <a:rPr lang="zh-TW" altLang="en-US" smtClean="0"/>
-              <a:t>按一下以編輯母片文字樣式</a:t>
+              <a:rPr lang="en-US" altLang="zh-TW" smtClean="0"/>
+              <a:t>Edit Master text styles</a:t>
             </a:r>
           </a:p>
           <a:p>
             <a:pPr lvl="1"/>
             <a:r>
-              <a:rPr lang="zh-TW" altLang="en-US" smtClean="0"/>
-              <a:t>第二層</a:t>
+              <a:rPr lang="en-US" altLang="zh-TW" smtClean="0"/>
+              <a:t>Second level</a:t>
             </a:r>
           </a:p>
           <a:p>
             <a:pPr lvl="2"/>
             <a:r>
-              <a:rPr lang="zh-TW" altLang="en-US" smtClean="0"/>
-              <a:t>第三層</a:t>
+              <a:rPr lang="en-US" altLang="zh-TW" smtClean="0"/>
+              <a:t>Third level</a:t>
             </a:r>
           </a:p>
           <a:p>
             <a:pPr lvl="3"/>
             <a:r>
-              <a:rPr lang="zh-TW" altLang="en-US" smtClean="0"/>
-              <a:t>第四層</a:t>
+              <a:rPr lang="en-US" altLang="zh-TW" smtClean="0"/>
+              <a:t>Fourth level</a:t>
             </a:r>
           </a:p>
           <a:p>
             <a:pPr lvl="4"/>
             <a:r>
-              <a:rPr lang="zh-TW" altLang="en-US" smtClean="0"/>
-              <a:t>第五層</a:t>
+              <a:rPr lang="en-US" altLang="zh-TW" smtClean="0"/>
+              <a:t>Fifth level</a:t>
             </a:r>
             <a:endParaRPr lang="zh-TW" altLang="en-US"/>
           </a:p>
@@ -798,7 +843,7 @@
           <a:p>
             <a:fld id="{02224A09-BDB4-4D78-827C-B220829DDCD1}" type="datetimeFigureOut">
               <a:rPr lang="zh-TW" altLang="en-US" smtClean="0"/>
-              <a:t>2017/6/13</a:t>
+              <a:t>2020/10/30</a:t>
             </a:fld>
             <a:endParaRPr lang="zh-TW" altLang="en-US"/>
           </a:p>
@@ -847,6 +892,11 @@
         </p:txBody>
       </p:sp>
     </p:spTree>
+    <p:extLst>
+      <p:ext uri="{BB962C8B-B14F-4D97-AF65-F5344CB8AC3E}">
+        <p14:creationId xmlns:p14="http://schemas.microsoft.com/office/powerpoint/2010/main" val="1753052707"/>
+      </p:ext>
+    </p:extLst>
   </p:cSld>
   <p:clrMapOvr>
     <a:masterClrMapping/>
@@ -883,8 +933,8 @@
         </p:nvSpPr>
         <p:spPr>
           <a:xfrm>
-            <a:off x="722313" y="4406900"/>
-            <a:ext cx="7772400" cy="1362075"/>
+            <a:off x="963084" y="4406903"/>
+            <a:ext cx="10363200" cy="1362075"/>
           </a:xfrm>
         </p:spPr>
         <p:txBody>
@@ -896,8 +946,8 @@
           </a:lstStyle>
           <a:p>
             <a:r>
-              <a:rPr lang="zh-TW" altLang="en-US" smtClean="0"/>
-              <a:t>按一下以編輯母片標題樣式</a:t>
+              <a:rPr lang="en-US" altLang="zh-TW" smtClean="0"/>
+              <a:t>Click to edit Master title style</a:t>
             </a:r>
             <a:endParaRPr lang="zh-TW" altLang="en-US"/>
           </a:p>
@@ -915,8 +965,8 @@
         </p:nvSpPr>
         <p:spPr>
           <a:xfrm>
-            <a:off x="722313" y="2906713"/>
-            <a:ext cx="7772400" cy="1500187"/>
+            <a:off x="963084" y="2906713"/>
+            <a:ext cx="10363200" cy="1500187"/>
           </a:xfrm>
         </p:spPr>
         <p:txBody>
@@ -932,7 +982,7 @@
                 </a:solidFill>
               </a:defRPr>
             </a:lvl1pPr>
-            <a:lvl2pPr marL="457200" indent="0">
+            <a:lvl2pPr marL="457189" indent="0">
               <a:buNone/>
               <a:defRPr sz="1800">
                 <a:solidFill>
@@ -942,7 +992,7 @@
                 </a:solidFill>
               </a:defRPr>
             </a:lvl2pPr>
-            <a:lvl3pPr marL="914400" indent="0">
+            <a:lvl3pPr marL="914378" indent="0">
               <a:buNone/>
               <a:defRPr sz="1600">
                 <a:solidFill>
@@ -952,7 +1002,7 @@
                 </a:solidFill>
               </a:defRPr>
             </a:lvl3pPr>
-            <a:lvl4pPr marL="1371600" indent="0">
+            <a:lvl4pPr marL="1371566" indent="0">
               <a:buNone/>
               <a:defRPr sz="1400">
                 <a:solidFill>
@@ -962,7 +1012,7 @@
                 </a:solidFill>
               </a:defRPr>
             </a:lvl4pPr>
-            <a:lvl5pPr marL="1828800" indent="0">
+            <a:lvl5pPr marL="1828754" indent="0">
               <a:buNone/>
               <a:defRPr sz="1400">
                 <a:solidFill>
@@ -972,7 +1022,7 @@
                 </a:solidFill>
               </a:defRPr>
             </a:lvl5pPr>
-            <a:lvl6pPr marL="2286000" indent="0">
+            <a:lvl6pPr marL="2285943" indent="0">
               <a:buNone/>
               <a:defRPr sz="1400">
                 <a:solidFill>
@@ -982,7 +1032,7 @@
                 </a:solidFill>
               </a:defRPr>
             </a:lvl6pPr>
-            <a:lvl7pPr marL="2743200" indent="0">
+            <a:lvl7pPr marL="2743132" indent="0">
               <a:buNone/>
               <a:defRPr sz="1400">
                 <a:solidFill>
@@ -992,7 +1042,7 @@
                 </a:solidFill>
               </a:defRPr>
             </a:lvl7pPr>
-            <a:lvl8pPr marL="3200400" indent="0">
+            <a:lvl8pPr marL="3200320" indent="0">
               <a:buNone/>
               <a:defRPr sz="1400">
                 <a:solidFill>
@@ -1002,7 +1052,7 @@
                 </a:solidFill>
               </a:defRPr>
             </a:lvl8pPr>
-            <a:lvl9pPr marL="3657600" indent="0">
+            <a:lvl9pPr marL="3657509" indent="0">
               <a:buNone/>
               <a:defRPr sz="1400">
                 <a:solidFill>
@@ -1016,8 +1066,8 @@
           <a:p>
             <a:pPr lvl="0"/>
             <a:r>
-              <a:rPr lang="zh-TW" altLang="en-US" smtClean="0"/>
-              <a:t>按一下以編輯母片文字樣式</a:t>
+              <a:rPr lang="en-US" altLang="zh-TW" smtClean="0"/>
+              <a:t>Edit Master text styles</a:t>
             </a:r>
           </a:p>
         </p:txBody>
@@ -1039,7 +1089,7 @@
           <a:p>
             <a:fld id="{02224A09-BDB4-4D78-827C-B220829DDCD1}" type="datetimeFigureOut">
               <a:rPr lang="zh-TW" altLang="en-US" smtClean="0"/>
-              <a:t>2017/6/13</a:t>
+              <a:t>2020/10/30</a:t>
             </a:fld>
             <a:endParaRPr lang="zh-TW" altLang="en-US"/>
           </a:p>
@@ -1088,6 +1138,11 @@
         </p:txBody>
       </p:sp>
     </p:spTree>
+    <p:extLst>
+      <p:ext uri="{BB962C8B-B14F-4D97-AF65-F5344CB8AC3E}">
+        <p14:creationId xmlns:p14="http://schemas.microsoft.com/office/powerpoint/2010/main" val="1806471651"/>
+      </p:ext>
+    </p:extLst>
   </p:cSld>
   <p:clrMapOvr>
     <a:masterClrMapping/>
@@ -1128,8 +1183,8 @@
           <a:lstStyle/>
           <a:p>
             <a:r>
-              <a:rPr lang="zh-TW" altLang="en-US" smtClean="0"/>
-              <a:t>按一下以編輯母片標題樣式</a:t>
+              <a:rPr lang="en-US" altLang="zh-TW" smtClean="0"/>
+              <a:t>Click to edit Master title style</a:t>
             </a:r>
             <a:endParaRPr lang="zh-TW" altLang="en-US"/>
           </a:p>
@@ -1147,8 +1202,8 @@
         </p:nvSpPr>
         <p:spPr>
           <a:xfrm>
-            <a:off x="457200" y="1600200"/>
-            <a:ext cx="4038600" cy="4525963"/>
+            <a:off x="609600" y="1600203"/>
+            <a:ext cx="5384800" cy="4525963"/>
           </a:xfrm>
         </p:spPr>
         <p:txBody>
@@ -1185,36 +1240,36 @@
           <a:p>
             <a:pPr lvl="0"/>
             <a:r>
-              <a:rPr lang="zh-TW" altLang="en-US" smtClean="0"/>
-              <a:t>按一下以編輯母片文字樣式</a:t>
+              <a:rPr lang="en-US" altLang="zh-TW" smtClean="0"/>
+              <a:t>Edit Master text styles</a:t>
             </a:r>
           </a:p>
           <a:p>
             <a:pPr lvl="1"/>
             <a:r>
-              <a:rPr lang="zh-TW" altLang="en-US" smtClean="0"/>
-              <a:t>第二層</a:t>
+              <a:rPr lang="en-US" altLang="zh-TW" smtClean="0"/>
+              <a:t>Second level</a:t>
             </a:r>
           </a:p>
           <a:p>
             <a:pPr lvl="2"/>
             <a:r>
-              <a:rPr lang="zh-TW" altLang="en-US" smtClean="0"/>
-              <a:t>第三層</a:t>
+              <a:rPr lang="en-US" altLang="zh-TW" smtClean="0"/>
+              <a:t>Third level</a:t>
             </a:r>
           </a:p>
           <a:p>
             <a:pPr lvl="3"/>
             <a:r>
-              <a:rPr lang="zh-TW" altLang="en-US" smtClean="0"/>
-              <a:t>第四層</a:t>
+              <a:rPr lang="en-US" altLang="zh-TW" smtClean="0"/>
+              <a:t>Fourth level</a:t>
             </a:r>
           </a:p>
           <a:p>
             <a:pPr lvl="4"/>
             <a:r>
-              <a:rPr lang="zh-TW" altLang="en-US" smtClean="0"/>
-              <a:t>第五層</a:t>
+              <a:rPr lang="en-US" altLang="zh-TW" smtClean="0"/>
+              <a:t>Fifth level</a:t>
             </a:r>
             <a:endParaRPr lang="zh-TW" altLang="en-US"/>
           </a:p>
@@ -1232,8 +1287,8 @@
         </p:nvSpPr>
         <p:spPr>
           <a:xfrm>
-            <a:off x="4648200" y="1600200"/>
-            <a:ext cx="4038600" cy="4525963"/>
+            <a:off x="6197600" y="1600203"/>
+            <a:ext cx="5384800" cy="4525963"/>
           </a:xfrm>
         </p:spPr>
         <p:txBody>
@@ -1270,36 +1325,36 @@
           <a:p>
             <a:pPr lvl="0"/>
             <a:r>
-              <a:rPr lang="zh-TW" altLang="en-US" smtClean="0"/>
-              <a:t>按一下以編輯母片文字樣式</a:t>
+              <a:rPr lang="en-US" altLang="zh-TW" smtClean="0"/>
+              <a:t>Edit Master text styles</a:t>
             </a:r>
           </a:p>
           <a:p>
             <a:pPr lvl="1"/>
             <a:r>
-              <a:rPr lang="zh-TW" altLang="en-US" smtClean="0"/>
-              <a:t>第二層</a:t>
+              <a:rPr lang="en-US" altLang="zh-TW" smtClean="0"/>
+              <a:t>Second level</a:t>
             </a:r>
           </a:p>
           <a:p>
             <a:pPr lvl="2"/>
             <a:r>
-              <a:rPr lang="zh-TW" altLang="en-US" smtClean="0"/>
-              <a:t>第三層</a:t>
+              <a:rPr lang="en-US" altLang="zh-TW" smtClean="0"/>
+              <a:t>Third level</a:t>
             </a:r>
           </a:p>
           <a:p>
             <a:pPr lvl="3"/>
             <a:r>
-              <a:rPr lang="zh-TW" altLang="en-US" smtClean="0"/>
-              <a:t>第四層</a:t>
+              <a:rPr lang="en-US" altLang="zh-TW" smtClean="0"/>
+              <a:t>Fourth level</a:t>
             </a:r>
           </a:p>
           <a:p>
             <a:pPr lvl="4"/>
             <a:r>
-              <a:rPr lang="zh-TW" altLang="en-US" smtClean="0"/>
-              <a:t>第五層</a:t>
+              <a:rPr lang="en-US" altLang="zh-TW" smtClean="0"/>
+              <a:t>Fifth level</a:t>
             </a:r>
             <a:endParaRPr lang="zh-TW" altLang="en-US"/>
           </a:p>
@@ -1322,7 +1377,7 @@
           <a:p>
             <a:fld id="{02224A09-BDB4-4D78-827C-B220829DDCD1}" type="datetimeFigureOut">
               <a:rPr lang="zh-TW" altLang="en-US" smtClean="0"/>
-              <a:t>2017/6/13</a:t>
+              <a:t>2020/10/30</a:t>
             </a:fld>
             <a:endParaRPr lang="zh-TW" altLang="en-US"/>
           </a:p>
@@ -1371,6 +1426,11 @@
         </p:txBody>
       </p:sp>
     </p:spTree>
+    <p:extLst>
+      <p:ext uri="{BB962C8B-B14F-4D97-AF65-F5344CB8AC3E}">
+        <p14:creationId xmlns:p14="http://schemas.microsoft.com/office/powerpoint/2010/main" val="1451235597"/>
+      </p:ext>
+    </p:extLst>
   </p:cSld>
   <p:clrMapOvr>
     <a:masterClrMapping/>
@@ -1415,8 +1475,8 @@
           </a:lstStyle>
           <a:p>
             <a:r>
-              <a:rPr lang="zh-TW" altLang="en-US" smtClean="0"/>
-              <a:t>按一下以編輯母片標題樣式</a:t>
+              <a:rPr lang="en-US" altLang="zh-TW" smtClean="0"/>
+              <a:t>Click to edit Master title style</a:t>
             </a:r>
             <a:endParaRPr lang="zh-TW" altLang="en-US"/>
           </a:p>
@@ -1434,8 +1494,8 @@
         </p:nvSpPr>
         <p:spPr>
           <a:xfrm>
-            <a:off x="457200" y="1535113"/>
-            <a:ext cx="4040188" cy="639762"/>
+            <a:off x="609600" y="1535115"/>
+            <a:ext cx="5386917" cy="639763"/>
           </a:xfrm>
         </p:spPr>
         <p:txBody>
@@ -1445,35 +1505,35 @@
               <a:buNone/>
               <a:defRPr sz="2400" b="1"/>
             </a:lvl1pPr>
-            <a:lvl2pPr marL="457200" indent="0">
+            <a:lvl2pPr marL="457189" indent="0">
               <a:buNone/>
               <a:defRPr sz="2000" b="1"/>
             </a:lvl2pPr>
-            <a:lvl3pPr marL="914400" indent="0">
+            <a:lvl3pPr marL="914378" indent="0">
               <a:buNone/>
               <a:defRPr sz="1800" b="1"/>
             </a:lvl3pPr>
-            <a:lvl4pPr marL="1371600" indent="0">
+            <a:lvl4pPr marL="1371566" indent="0">
               <a:buNone/>
               <a:defRPr sz="1600" b="1"/>
             </a:lvl4pPr>
-            <a:lvl5pPr marL="1828800" indent="0">
+            <a:lvl5pPr marL="1828754" indent="0">
               <a:buNone/>
               <a:defRPr sz="1600" b="1"/>
             </a:lvl5pPr>
-            <a:lvl6pPr marL="2286000" indent="0">
+            <a:lvl6pPr marL="2285943" indent="0">
               <a:buNone/>
               <a:defRPr sz="1600" b="1"/>
             </a:lvl6pPr>
-            <a:lvl7pPr marL="2743200" indent="0">
+            <a:lvl7pPr marL="2743132" indent="0">
               <a:buNone/>
               <a:defRPr sz="1600" b="1"/>
             </a:lvl7pPr>
-            <a:lvl8pPr marL="3200400" indent="0">
+            <a:lvl8pPr marL="3200320" indent="0">
               <a:buNone/>
               <a:defRPr sz="1600" b="1"/>
             </a:lvl8pPr>
-            <a:lvl9pPr marL="3657600" indent="0">
+            <a:lvl9pPr marL="3657509" indent="0">
               <a:buNone/>
               <a:defRPr sz="1600" b="1"/>
             </a:lvl9pPr>
@@ -1481,8 +1541,8 @@
           <a:p>
             <a:pPr lvl="0"/>
             <a:r>
-              <a:rPr lang="zh-TW" altLang="en-US" smtClean="0"/>
-              <a:t>按一下以編輯母片文字樣式</a:t>
+              <a:rPr lang="en-US" altLang="zh-TW" smtClean="0"/>
+              <a:t>Edit Master text styles</a:t>
             </a:r>
           </a:p>
         </p:txBody>
@@ -1499,8 +1559,8 @@
         </p:nvSpPr>
         <p:spPr>
           <a:xfrm>
-            <a:off x="457200" y="2174875"/>
-            <a:ext cx="4040188" cy="3951288"/>
+            <a:off x="609600" y="2174875"/>
+            <a:ext cx="5386917" cy="3951288"/>
           </a:xfrm>
         </p:spPr>
         <p:txBody>
@@ -1537,36 +1597,36 @@
           <a:p>
             <a:pPr lvl="0"/>
             <a:r>
-              <a:rPr lang="zh-TW" altLang="en-US" smtClean="0"/>
-              <a:t>按一下以編輯母片文字樣式</a:t>
+              <a:rPr lang="en-US" altLang="zh-TW" smtClean="0"/>
+              <a:t>Edit Master text styles</a:t>
             </a:r>
           </a:p>
           <a:p>
             <a:pPr lvl="1"/>
             <a:r>
-              <a:rPr lang="zh-TW" altLang="en-US" smtClean="0"/>
-              <a:t>第二層</a:t>
+              <a:rPr lang="en-US" altLang="zh-TW" smtClean="0"/>
+              <a:t>Second level</a:t>
             </a:r>
           </a:p>
           <a:p>
             <a:pPr lvl="2"/>
             <a:r>
-              <a:rPr lang="zh-TW" altLang="en-US" smtClean="0"/>
-              <a:t>第三層</a:t>
+              <a:rPr lang="en-US" altLang="zh-TW" smtClean="0"/>
+              <a:t>Third level</a:t>
             </a:r>
           </a:p>
           <a:p>
             <a:pPr lvl="3"/>
             <a:r>
-              <a:rPr lang="zh-TW" altLang="en-US" smtClean="0"/>
-              <a:t>第四層</a:t>
+              <a:rPr lang="en-US" altLang="zh-TW" smtClean="0"/>
+              <a:t>Fourth level</a:t>
             </a:r>
           </a:p>
           <a:p>
             <a:pPr lvl="4"/>
             <a:r>
-              <a:rPr lang="zh-TW" altLang="en-US" smtClean="0"/>
-              <a:t>第五層</a:t>
+              <a:rPr lang="en-US" altLang="zh-TW" smtClean="0"/>
+              <a:t>Fifth level</a:t>
             </a:r>
             <a:endParaRPr lang="zh-TW" altLang="en-US"/>
           </a:p>
@@ -1584,8 +1644,8 @@
         </p:nvSpPr>
         <p:spPr>
           <a:xfrm>
-            <a:off x="4645025" y="1535113"/>
-            <a:ext cx="4041775" cy="639762"/>
+            <a:off x="6193370" y="1535115"/>
+            <a:ext cx="5389033" cy="639763"/>
           </a:xfrm>
         </p:spPr>
         <p:txBody>
@@ -1595,35 +1655,35 @@
               <a:buNone/>
               <a:defRPr sz="2400" b="1"/>
             </a:lvl1pPr>
-            <a:lvl2pPr marL="457200" indent="0">
+            <a:lvl2pPr marL="457189" indent="0">
               <a:buNone/>
               <a:defRPr sz="2000" b="1"/>
             </a:lvl2pPr>
-            <a:lvl3pPr marL="914400" indent="0">
+            <a:lvl3pPr marL="914378" indent="0">
               <a:buNone/>
               <a:defRPr sz="1800" b="1"/>
             </a:lvl3pPr>
-            <a:lvl4pPr marL="1371600" indent="0">
+            <a:lvl4pPr marL="1371566" indent="0">
               <a:buNone/>
               <a:defRPr sz="1600" b="1"/>
             </a:lvl4pPr>
-            <a:lvl5pPr marL="1828800" indent="0">
+            <a:lvl5pPr marL="1828754" indent="0">
               <a:buNone/>
               <a:defRPr sz="1600" b="1"/>
             </a:lvl5pPr>
-            <a:lvl6pPr marL="2286000" indent="0">
+            <a:lvl6pPr marL="2285943" indent="0">
               <a:buNone/>
               <a:defRPr sz="1600" b="1"/>
             </a:lvl6pPr>
-            <a:lvl7pPr marL="2743200" indent="0">
+            <a:lvl7pPr marL="2743132" indent="0">
               <a:buNone/>
               <a:defRPr sz="1600" b="1"/>
             </a:lvl7pPr>
-            <a:lvl8pPr marL="3200400" indent="0">
+            <a:lvl8pPr marL="3200320" indent="0">
               <a:buNone/>
               <a:defRPr sz="1600" b="1"/>
             </a:lvl8pPr>
-            <a:lvl9pPr marL="3657600" indent="0">
+            <a:lvl9pPr marL="3657509" indent="0">
               <a:buNone/>
               <a:defRPr sz="1600" b="1"/>
             </a:lvl9pPr>
@@ -1631,8 +1691,8 @@
           <a:p>
             <a:pPr lvl="0"/>
             <a:r>
-              <a:rPr lang="zh-TW" altLang="en-US" smtClean="0"/>
-              <a:t>按一下以編輯母片文字樣式</a:t>
+              <a:rPr lang="en-US" altLang="zh-TW" smtClean="0"/>
+              <a:t>Edit Master text styles</a:t>
             </a:r>
           </a:p>
         </p:txBody>
@@ -1649,8 +1709,8 @@
         </p:nvSpPr>
         <p:spPr>
           <a:xfrm>
-            <a:off x="4645025" y="2174875"/>
-            <a:ext cx="4041775" cy="3951288"/>
+            <a:off x="6193370" y="2174875"/>
+            <a:ext cx="5389033" cy="3951288"/>
           </a:xfrm>
         </p:spPr>
         <p:txBody>
@@ -1687,36 +1747,36 @@
           <a:p>
             <a:pPr lvl="0"/>
             <a:r>
-              <a:rPr lang="zh-TW" altLang="en-US" smtClean="0"/>
-              <a:t>按一下以編輯母片文字樣式</a:t>
+              <a:rPr lang="en-US" altLang="zh-TW" smtClean="0"/>
+              <a:t>Edit Master text styles</a:t>
             </a:r>
           </a:p>
           <a:p>
             <a:pPr lvl="1"/>
             <a:r>
-              <a:rPr lang="zh-TW" altLang="en-US" smtClean="0"/>
-              <a:t>第二層</a:t>
+              <a:rPr lang="en-US" altLang="zh-TW" smtClean="0"/>
+              <a:t>Second level</a:t>
             </a:r>
           </a:p>
           <a:p>
             <a:pPr lvl="2"/>
             <a:r>
-              <a:rPr lang="zh-TW" altLang="en-US" smtClean="0"/>
-              <a:t>第三層</a:t>
+              <a:rPr lang="en-US" altLang="zh-TW" smtClean="0"/>
+              <a:t>Third level</a:t>
             </a:r>
           </a:p>
           <a:p>
             <a:pPr lvl="3"/>
             <a:r>
-              <a:rPr lang="zh-TW" altLang="en-US" smtClean="0"/>
-              <a:t>第四層</a:t>
+              <a:rPr lang="en-US" altLang="zh-TW" smtClean="0"/>
+              <a:t>Fourth level</a:t>
             </a:r>
           </a:p>
           <a:p>
             <a:pPr lvl="4"/>
             <a:r>
-              <a:rPr lang="zh-TW" altLang="en-US" smtClean="0"/>
-              <a:t>第五層</a:t>
+              <a:rPr lang="en-US" altLang="zh-TW" smtClean="0"/>
+              <a:t>Fifth level</a:t>
             </a:r>
             <a:endParaRPr lang="zh-TW" altLang="en-US"/>
           </a:p>
@@ -1739,7 +1799,7 @@
           <a:p>
             <a:fld id="{02224A09-BDB4-4D78-827C-B220829DDCD1}" type="datetimeFigureOut">
               <a:rPr lang="zh-TW" altLang="en-US" smtClean="0"/>
-              <a:t>2017/6/13</a:t>
+              <a:t>2020/10/30</a:t>
             </a:fld>
             <a:endParaRPr lang="zh-TW" altLang="en-US"/>
           </a:p>
@@ -1788,6 +1848,11 @@
         </p:txBody>
       </p:sp>
     </p:spTree>
+    <p:extLst>
+      <p:ext uri="{BB962C8B-B14F-4D97-AF65-F5344CB8AC3E}">
+        <p14:creationId xmlns:p14="http://schemas.microsoft.com/office/powerpoint/2010/main" val="955535947"/>
+      </p:ext>
+    </p:extLst>
   </p:cSld>
   <p:clrMapOvr>
     <a:masterClrMapping/>
@@ -1828,8 +1893,8 @@
           <a:lstStyle/>
           <a:p>
             <a:r>
-              <a:rPr lang="zh-TW" altLang="en-US" smtClean="0"/>
-              <a:t>按一下以編輯母片標題樣式</a:t>
+              <a:rPr lang="en-US" altLang="zh-TW" smtClean="0"/>
+              <a:t>Click to edit Master title style</a:t>
             </a:r>
             <a:endParaRPr lang="zh-TW" altLang="en-US"/>
           </a:p>
@@ -1852,7 +1917,7 @@
           <a:p>
             <a:fld id="{02224A09-BDB4-4D78-827C-B220829DDCD1}" type="datetimeFigureOut">
               <a:rPr lang="zh-TW" altLang="en-US" smtClean="0"/>
-              <a:t>2017/6/13</a:t>
+              <a:t>2020/10/30</a:t>
             </a:fld>
             <a:endParaRPr lang="zh-TW" altLang="en-US"/>
           </a:p>
@@ -1901,6 +1966,11 @@
         </p:txBody>
       </p:sp>
     </p:spTree>
+    <p:extLst>
+      <p:ext uri="{BB962C8B-B14F-4D97-AF65-F5344CB8AC3E}">
+        <p14:creationId xmlns:p14="http://schemas.microsoft.com/office/powerpoint/2010/main" val="475292025"/>
+      </p:ext>
+    </p:extLst>
   </p:cSld>
   <p:clrMapOvr>
     <a:masterClrMapping/>
@@ -1942,7 +2012,7 @@
           <a:p>
             <a:fld id="{02224A09-BDB4-4D78-827C-B220829DDCD1}" type="datetimeFigureOut">
               <a:rPr lang="zh-TW" altLang="en-US" smtClean="0"/>
-              <a:t>2017/6/13</a:t>
+              <a:t>2020/10/30</a:t>
             </a:fld>
             <a:endParaRPr lang="zh-TW" altLang="en-US"/>
           </a:p>
@@ -1991,6 +2061,11 @@
         </p:txBody>
       </p:sp>
     </p:spTree>
+    <p:extLst>
+      <p:ext uri="{BB962C8B-B14F-4D97-AF65-F5344CB8AC3E}">
+        <p14:creationId xmlns:p14="http://schemas.microsoft.com/office/powerpoint/2010/main" val="2454662320"/>
+      </p:ext>
+    </p:extLst>
   </p:cSld>
   <p:clrMapOvr>
     <a:masterClrMapping/>
@@ -2027,8 +2102,8 @@
         </p:nvSpPr>
         <p:spPr>
           <a:xfrm>
-            <a:off x="457200" y="273050"/>
-            <a:ext cx="3008313" cy="1162050"/>
+            <a:off x="609603" y="273051"/>
+            <a:ext cx="4011084" cy="1162051"/>
           </a:xfrm>
         </p:spPr>
         <p:txBody>
@@ -2040,8 +2115,8 @@
           </a:lstStyle>
           <a:p>
             <a:r>
-              <a:rPr lang="zh-TW" altLang="en-US" smtClean="0"/>
-              <a:t>按一下以編輯母片標題樣式</a:t>
+              <a:rPr lang="en-US" altLang="zh-TW" smtClean="0"/>
+              <a:t>Click to edit Master title style</a:t>
             </a:r>
             <a:endParaRPr lang="zh-TW" altLang="en-US"/>
           </a:p>
@@ -2059,8 +2134,8 @@
         </p:nvSpPr>
         <p:spPr>
           <a:xfrm>
-            <a:off x="3575050" y="273050"/>
-            <a:ext cx="5111750" cy="5853113"/>
+            <a:off x="4766733" y="273054"/>
+            <a:ext cx="6815667" cy="5853113"/>
           </a:xfrm>
         </p:spPr>
         <p:txBody>
@@ -2097,36 +2172,36 @@
           <a:p>
             <a:pPr lvl="0"/>
             <a:r>
-              <a:rPr lang="zh-TW" altLang="en-US" smtClean="0"/>
-              <a:t>按一下以編輯母片文字樣式</a:t>
+              <a:rPr lang="en-US" altLang="zh-TW" smtClean="0"/>
+              <a:t>Edit Master text styles</a:t>
             </a:r>
           </a:p>
           <a:p>
             <a:pPr lvl="1"/>
             <a:r>
-              <a:rPr lang="zh-TW" altLang="en-US" smtClean="0"/>
-              <a:t>第二層</a:t>
+              <a:rPr lang="en-US" altLang="zh-TW" smtClean="0"/>
+              <a:t>Second level</a:t>
             </a:r>
           </a:p>
           <a:p>
             <a:pPr lvl="2"/>
             <a:r>
-              <a:rPr lang="zh-TW" altLang="en-US" smtClean="0"/>
-              <a:t>第三層</a:t>
+              <a:rPr lang="en-US" altLang="zh-TW" smtClean="0"/>
+              <a:t>Third level</a:t>
             </a:r>
           </a:p>
           <a:p>
             <a:pPr lvl="3"/>
             <a:r>
-              <a:rPr lang="zh-TW" altLang="en-US" smtClean="0"/>
-              <a:t>第四層</a:t>
+              <a:rPr lang="en-US" altLang="zh-TW" smtClean="0"/>
+              <a:t>Fourth level</a:t>
             </a:r>
           </a:p>
           <a:p>
             <a:pPr lvl="4"/>
             <a:r>
-              <a:rPr lang="zh-TW" altLang="en-US" smtClean="0"/>
-              <a:t>第五層</a:t>
+              <a:rPr lang="en-US" altLang="zh-TW" smtClean="0"/>
+              <a:t>Fifth level</a:t>
             </a:r>
             <a:endParaRPr lang="zh-TW" altLang="en-US"/>
           </a:p>
@@ -2144,8 +2219,8 @@
         </p:nvSpPr>
         <p:spPr>
           <a:xfrm>
-            <a:off x="457200" y="1435100"/>
-            <a:ext cx="3008313" cy="4691063"/>
+            <a:off x="609603" y="1435103"/>
+            <a:ext cx="4011084" cy="4691063"/>
           </a:xfrm>
         </p:spPr>
         <p:txBody>
@@ -2155,35 +2230,35 @@
               <a:buNone/>
               <a:defRPr sz="1400"/>
             </a:lvl1pPr>
-            <a:lvl2pPr marL="457200" indent="0">
+            <a:lvl2pPr marL="457189" indent="0">
               <a:buNone/>
               <a:defRPr sz="1200"/>
             </a:lvl2pPr>
-            <a:lvl3pPr marL="914400" indent="0">
+            <a:lvl3pPr marL="914378" indent="0">
               <a:buNone/>
               <a:defRPr sz="1000"/>
             </a:lvl3pPr>
-            <a:lvl4pPr marL="1371600" indent="0">
+            <a:lvl4pPr marL="1371566" indent="0">
               <a:buNone/>
               <a:defRPr sz="900"/>
             </a:lvl4pPr>
-            <a:lvl5pPr marL="1828800" indent="0">
+            <a:lvl5pPr marL="1828754" indent="0">
               <a:buNone/>
               <a:defRPr sz="900"/>
             </a:lvl5pPr>
-            <a:lvl6pPr marL="2286000" indent="0">
+            <a:lvl6pPr marL="2285943" indent="0">
               <a:buNone/>
               <a:defRPr sz="900"/>
             </a:lvl6pPr>
-            <a:lvl7pPr marL="2743200" indent="0">
+            <a:lvl7pPr marL="2743132" indent="0">
               <a:buNone/>
               <a:defRPr sz="900"/>
             </a:lvl7pPr>
-            <a:lvl8pPr marL="3200400" indent="0">
+            <a:lvl8pPr marL="3200320" indent="0">
               <a:buNone/>
               <a:defRPr sz="900"/>
             </a:lvl8pPr>
-            <a:lvl9pPr marL="3657600" indent="0">
+            <a:lvl9pPr marL="3657509" indent="0">
               <a:buNone/>
               <a:defRPr sz="900"/>
             </a:lvl9pPr>
@@ -2191,8 +2266,8 @@
           <a:p>
             <a:pPr lvl="0"/>
             <a:r>
-              <a:rPr lang="zh-TW" altLang="en-US" smtClean="0"/>
-              <a:t>按一下以編輯母片文字樣式</a:t>
+              <a:rPr lang="en-US" altLang="zh-TW" smtClean="0"/>
+              <a:t>Edit Master text styles</a:t>
             </a:r>
           </a:p>
         </p:txBody>
@@ -2214,7 +2289,7 @@
           <a:p>
             <a:fld id="{02224A09-BDB4-4D78-827C-B220829DDCD1}" type="datetimeFigureOut">
               <a:rPr lang="zh-TW" altLang="en-US" smtClean="0"/>
-              <a:t>2017/6/13</a:t>
+              <a:t>2020/10/30</a:t>
             </a:fld>
             <a:endParaRPr lang="zh-TW" altLang="en-US"/>
           </a:p>
@@ -2263,6 +2338,11 @@
         </p:txBody>
       </p:sp>
     </p:spTree>
+    <p:extLst>
+      <p:ext uri="{BB962C8B-B14F-4D97-AF65-F5344CB8AC3E}">
+        <p14:creationId xmlns:p14="http://schemas.microsoft.com/office/powerpoint/2010/main" val="33133455"/>
+      </p:ext>
+    </p:extLst>
   </p:cSld>
   <p:clrMapOvr>
     <a:masterClrMapping/>
@@ -2299,8 +2379,8 @@
         </p:nvSpPr>
         <p:spPr>
           <a:xfrm>
-            <a:off x="1792288" y="4800600"/>
-            <a:ext cx="5486400" cy="566738"/>
+            <a:off x="2389717" y="4800602"/>
+            <a:ext cx="7315200" cy="566739"/>
           </a:xfrm>
         </p:spPr>
         <p:txBody>
@@ -2312,8 +2392,8 @@
           </a:lstStyle>
           <a:p>
             <a:r>
-              <a:rPr lang="zh-TW" altLang="en-US" smtClean="0"/>
-              <a:t>按一下以編輯母片標題樣式</a:t>
+              <a:rPr lang="en-US" altLang="zh-TW" smtClean="0"/>
+              <a:t>Click to edit Master title style</a:t>
             </a:r>
             <a:endParaRPr lang="zh-TW" altLang="en-US"/>
           </a:p>
@@ -2331,8 +2411,8 @@
         </p:nvSpPr>
         <p:spPr>
           <a:xfrm>
-            <a:off x="1792288" y="612775"/>
-            <a:ext cx="5486400" cy="4114800"/>
+            <a:off x="2389717" y="612775"/>
+            <a:ext cx="7315200" cy="4114800"/>
           </a:xfrm>
         </p:spPr>
         <p:txBody>
@@ -2342,40 +2422,44 @@
               <a:buNone/>
               <a:defRPr sz="3200"/>
             </a:lvl1pPr>
-            <a:lvl2pPr marL="457200" indent="0">
+            <a:lvl2pPr marL="457189" indent="0">
               <a:buNone/>
               <a:defRPr sz="2800"/>
             </a:lvl2pPr>
-            <a:lvl3pPr marL="914400" indent="0">
+            <a:lvl3pPr marL="914378" indent="0">
               <a:buNone/>
               <a:defRPr sz="2400"/>
             </a:lvl3pPr>
-            <a:lvl4pPr marL="1371600" indent="0">
+            <a:lvl4pPr marL="1371566" indent="0">
               <a:buNone/>
               <a:defRPr sz="2000"/>
             </a:lvl4pPr>
-            <a:lvl5pPr marL="1828800" indent="0">
+            <a:lvl5pPr marL="1828754" indent="0">
               <a:buNone/>
               <a:defRPr sz="2000"/>
             </a:lvl5pPr>
-            <a:lvl6pPr marL="2286000" indent="0">
+            <a:lvl6pPr marL="2285943" indent="0">
               <a:buNone/>
               <a:defRPr sz="2000"/>
             </a:lvl6pPr>
-            <a:lvl7pPr marL="2743200" indent="0">
+            <a:lvl7pPr marL="2743132" indent="0">
               <a:buNone/>
               <a:defRPr sz="2000"/>
             </a:lvl7pPr>
-            <a:lvl8pPr marL="3200400" indent="0">
+            <a:lvl8pPr marL="3200320" indent="0">
               <a:buNone/>
               <a:defRPr sz="2000"/>
             </a:lvl8pPr>
-            <a:lvl9pPr marL="3657600" indent="0">
+            <a:lvl9pPr marL="3657509" indent="0">
               <a:buNone/>
               <a:defRPr sz="2000"/>
             </a:lvl9pPr>
           </a:lstStyle>
           <a:p>
+            <a:r>
+              <a:rPr lang="en-US" altLang="zh-TW" smtClean="0"/>
+              <a:t>Click icon to add picture</a:t>
+            </a:r>
             <a:endParaRPr lang="zh-TW" altLang="en-US"/>
           </a:p>
         </p:txBody>
@@ -2392,8 +2476,8 @@
         </p:nvSpPr>
         <p:spPr>
           <a:xfrm>
-            <a:off x="1792288" y="5367338"/>
-            <a:ext cx="5486400" cy="804862"/>
+            <a:off x="2389717" y="5367340"/>
+            <a:ext cx="7315200" cy="804863"/>
           </a:xfrm>
         </p:spPr>
         <p:txBody>
@@ -2403,35 +2487,35 @@
               <a:buNone/>
               <a:defRPr sz="1400"/>
             </a:lvl1pPr>
-            <a:lvl2pPr marL="457200" indent="0">
+            <a:lvl2pPr marL="457189" indent="0">
               <a:buNone/>
               <a:defRPr sz="1200"/>
             </a:lvl2pPr>
-            <a:lvl3pPr marL="914400" indent="0">
+            <a:lvl3pPr marL="914378" indent="0">
               <a:buNone/>
               <a:defRPr sz="1000"/>
             </a:lvl3pPr>
-            <a:lvl4pPr marL="1371600" indent="0">
+            <a:lvl4pPr marL="1371566" indent="0">
               <a:buNone/>
               <a:defRPr sz="900"/>
             </a:lvl4pPr>
-            <a:lvl5pPr marL="1828800" indent="0">
+            <a:lvl5pPr marL="1828754" indent="0">
               <a:buNone/>
               <a:defRPr sz="900"/>
             </a:lvl5pPr>
-            <a:lvl6pPr marL="2286000" indent="0">
+            <a:lvl6pPr marL="2285943" indent="0">
               <a:buNone/>
               <a:defRPr sz="900"/>
             </a:lvl6pPr>
-            <a:lvl7pPr marL="2743200" indent="0">
+            <a:lvl7pPr marL="2743132" indent="0">
               <a:buNone/>
               <a:defRPr sz="900"/>
             </a:lvl7pPr>
-            <a:lvl8pPr marL="3200400" indent="0">
+            <a:lvl8pPr marL="3200320" indent="0">
               <a:buNone/>
               <a:defRPr sz="900"/>
             </a:lvl8pPr>
-            <a:lvl9pPr marL="3657600" indent="0">
+            <a:lvl9pPr marL="3657509" indent="0">
               <a:buNone/>
               <a:defRPr sz="900"/>
             </a:lvl9pPr>
@@ -2439,8 +2523,8 @@
           <a:p>
             <a:pPr lvl="0"/>
             <a:r>
-              <a:rPr lang="zh-TW" altLang="en-US" smtClean="0"/>
-              <a:t>按一下以編輯母片文字樣式</a:t>
+              <a:rPr lang="en-US" altLang="zh-TW" smtClean="0"/>
+              <a:t>Edit Master text styles</a:t>
             </a:r>
           </a:p>
         </p:txBody>
@@ -2462,7 +2546,7 @@
           <a:p>
             <a:fld id="{02224A09-BDB4-4D78-827C-B220829DDCD1}" type="datetimeFigureOut">
               <a:rPr lang="zh-TW" altLang="en-US" smtClean="0"/>
-              <a:t>2017/6/13</a:t>
+              <a:t>2020/10/30</a:t>
             </a:fld>
             <a:endParaRPr lang="zh-TW" altLang="en-US"/>
           </a:p>
@@ -2511,6 +2595,11 @@
         </p:txBody>
       </p:sp>
     </p:spTree>
+    <p:extLst>
+      <p:ext uri="{BB962C8B-B14F-4D97-AF65-F5344CB8AC3E}">
+        <p14:creationId xmlns:p14="http://schemas.microsoft.com/office/powerpoint/2010/main" val="2963137248"/>
+      </p:ext>
+    </p:extLst>
   </p:cSld>
   <p:clrMapOvr>
     <a:masterClrMapping/>
@@ -2522,9 +2611,14 @@
 <p:sldMaster xmlns:a="http://schemas.openxmlformats.org/drawingml/2006/main" xmlns:r="http://schemas.openxmlformats.org/officeDocument/2006/relationships" xmlns:p="http://schemas.openxmlformats.org/presentationml/2006/main">
   <p:cSld>
     <p:bg>
-      <p:bgRef idx="1001">
-        <a:schemeClr val="bg1"/>
-      </p:bgRef>
+      <p:bgPr>
+        <a:blipFill dpi="0" rotWithShape="1">
+          <a:blip r:embed="rId13"/>
+          <a:srcRect/>
+          <a:tile tx="0" ty="0" sx="100000" sy="100000" flip="none" algn="tl"/>
+        </a:blipFill>
+        <a:effectLst/>
+      </p:bgPr>
     </p:bg>
     <p:spTree>
       <p:nvGrpSpPr>
@@ -2552,8 +2646,8 @@
         </p:nvSpPr>
         <p:spPr>
           <a:xfrm>
-            <a:off x="457200" y="274638"/>
-            <a:ext cx="8229600" cy="1143000"/>
+            <a:off x="609600" y="274639"/>
+            <a:ext cx="10972800" cy="1143000"/>
           </a:xfrm>
           <a:prstGeom prst="rect">
             <a:avLst/>
@@ -2585,8 +2679,8 @@
         </p:nvSpPr>
         <p:spPr>
           <a:xfrm>
-            <a:off x="457200" y="1600200"/>
-            <a:ext cx="8229600" cy="4525963"/>
+            <a:off x="609600" y="1600203"/>
+            <a:ext cx="10972800" cy="4525963"/>
           </a:xfrm>
           <a:prstGeom prst="rect">
             <a:avLst/>
@@ -2647,8 +2741,8 @@
         </p:nvSpPr>
         <p:spPr>
           <a:xfrm>
-            <a:off x="457200" y="6356350"/>
-            <a:ext cx="2133600" cy="365125"/>
+            <a:off x="609600" y="6356353"/>
+            <a:ext cx="2844800" cy="365125"/>
           </a:xfrm>
           <a:prstGeom prst="rect">
             <a:avLst/>
@@ -2670,7 +2764,7 @@
           <a:p>
             <a:fld id="{02224A09-BDB4-4D78-827C-B220829DDCD1}" type="datetimeFigureOut">
               <a:rPr lang="zh-TW" altLang="en-US" smtClean="0"/>
-              <a:t>2017/6/13</a:t>
+              <a:t>2020/10/30</a:t>
             </a:fld>
             <a:endParaRPr lang="zh-TW" altLang="en-US"/>
           </a:p>
@@ -2688,8 +2782,8 @@
         </p:nvSpPr>
         <p:spPr>
           <a:xfrm>
-            <a:off x="3124200" y="6356350"/>
-            <a:ext cx="2895600" cy="365125"/>
+            <a:off x="4165600" y="6356353"/>
+            <a:ext cx="3860800" cy="365125"/>
           </a:xfrm>
           <a:prstGeom prst="rect">
             <a:avLst/>
@@ -2725,8 +2819,8 @@
         </p:nvSpPr>
         <p:spPr>
           <a:xfrm>
-            <a:off x="6553200" y="6356350"/>
-            <a:ext cx="2133600" cy="365125"/>
+            <a:off x="8737600" y="6356353"/>
+            <a:ext cx="2844800" cy="365125"/>
           </a:xfrm>
           <a:prstGeom prst="rect">
             <a:avLst/>
@@ -2755,24 +2849,29 @@
         </p:txBody>
       </p:sp>
     </p:spTree>
+    <p:extLst>
+      <p:ext uri="{BB962C8B-B14F-4D97-AF65-F5344CB8AC3E}">
+        <p14:creationId xmlns:p14="http://schemas.microsoft.com/office/powerpoint/2010/main" val="1688174232"/>
+      </p:ext>
+    </p:extLst>
   </p:cSld>
   <p:clrMap bg1="lt1" tx1="dk1" bg2="lt2" tx2="dk2" accent1="accent1" accent2="accent2" accent3="accent3" accent4="accent4" accent5="accent5" accent6="accent6" hlink="hlink" folHlink="folHlink"/>
   <p:sldLayoutIdLst>
-    <p:sldLayoutId id="2147483649" r:id="rId1"/>
-    <p:sldLayoutId id="2147483650" r:id="rId2"/>
-    <p:sldLayoutId id="2147483651" r:id="rId3"/>
-    <p:sldLayoutId id="2147483652" r:id="rId4"/>
-    <p:sldLayoutId id="2147483653" r:id="rId5"/>
-    <p:sldLayoutId id="2147483654" r:id="rId6"/>
-    <p:sldLayoutId id="2147483655" r:id="rId7"/>
-    <p:sldLayoutId id="2147483656" r:id="rId8"/>
-    <p:sldLayoutId id="2147483657" r:id="rId9"/>
-    <p:sldLayoutId id="2147483658" r:id="rId10"/>
-    <p:sldLayoutId id="2147483659" r:id="rId11"/>
+    <p:sldLayoutId id="2147483661" r:id="rId1"/>
+    <p:sldLayoutId id="2147483662" r:id="rId2"/>
+    <p:sldLayoutId id="2147483663" r:id="rId3"/>
+    <p:sldLayoutId id="2147483664" r:id="rId4"/>
+    <p:sldLayoutId id="2147483665" r:id="rId5"/>
+    <p:sldLayoutId id="2147483666" r:id="rId6"/>
+    <p:sldLayoutId id="2147483667" r:id="rId7"/>
+    <p:sldLayoutId id="2147483668" r:id="rId8"/>
+    <p:sldLayoutId id="2147483669" r:id="rId9"/>
+    <p:sldLayoutId id="2147483670" r:id="rId10"/>
+    <p:sldLayoutId id="2147483671" r:id="rId11"/>
   </p:sldLayoutIdLst>
   <p:txStyles>
     <p:titleStyle>
-      <a:lvl1pPr algn="ctr" defTabSz="914400" rtl="0" eaLnBrk="1" latinLnBrk="0" hangingPunct="1">
+      <a:lvl1pPr algn="ctr" defTabSz="914378" rtl="0" eaLnBrk="1" latinLnBrk="0" hangingPunct="1">
         <a:spcBef>
           <a:spcPct val="0"/>
         </a:spcBef>
@@ -2788,7 +2887,7 @@
       </a:lvl1pPr>
     </p:titleStyle>
     <p:bodyStyle>
-      <a:lvl1pPr marL="342900" indent="-342900" algn="l" defTabSz="914400" rtl="0" eaLnBrk="1" latinLnBrk="0" hangingPunct="1">
+      <a:lvl1pPr marL="342892" indent="-342892" algn="l" defTabSz="914378" rtl="0" eaLnBrk="1" latinLnBrk="0" hangingPunct="1">
         <a:spcBef>
           <a:spcPct val="20000"/>
         </a:spcBef>
@@ -2803,7 +2902,7 @@
           <a:cs typeface="+mn-cs"/>
         </a:defRPr>
       </a:lvl1pPr>
-      <a:lvl2pPr marL="742950" indent="-285750" algn="l" defTabSz="914400" rtl="0" eaLnBrk="1" latinLnBrk="0" hangingPunct="1">
+      <a:lvl2pPr marL="742931" indent="-285743" algn="l" defTabSz="914378" rtl="0" eaLnBrk="1" latinLnBrk="0" hangingPunct="1">
         <a:spcBef>
           <a:spcPct val="20000"/>
         </a:spcBef>
@@ -2818,7 +2917,7 @@
           <a:cs typeface="+mn-cs"/>
         </a:defRPr>
       </a:lvl2pPr>
-      <a:lvl3pPr marL="1143000" indent="-228600" algn="l" defTabSz="914400" rtl="0" eaLnBrk="1" latinLnBrk="0" hangingPunct="1">
+      <a:lvl3pPr marL="1142972" indent="-228594" algn="l" defTabSz="914378" rtl="0" eaLnBrk="1" latinLnBrk="0" hangingPunct="1">
         <a:spcBef>
           <a:spcPct val="20000"/>
         </a:spcBef>
@@ -2833,7 +2932,7 @@
           <a:cs typeface="+mn-cs"/>
         </a:defRPr>
       </a:lvl3pPr>
-      <a:lvl4pPr marL="1600200" indent="-228600" algn="l" defTabSz="914400" rtl="0" eaLnBrk="1" latinLnBrk="0" hangingPunct="1">
+      <a:lvl4pPr marL="1600160" indent="-228594" algn="l" defTabSz="914378" rtl="0" eaLnBrk="1" latinLnBrk="0" hangingPunct="1">
         <a:spcBef>
           <a:spcPct val="20000"/>
         </a:spcBef>
@@ -2848,7 +2947,7 @@
           <a:cs typeface="+mn-cs"/>
         </a:defRPr>
       </a:lvl4pPr>
-      <a:lvl5pPr marL="2057400" indent="-228600" algn="l" defTabSz="914400" rtl="0" eaLnBrk="1" latinLnBrk="0" hangingPunct="1">
+      <a:lvl5pPr marL="2057348" indent="-228594" algn="l" defTabSz="914378" rtl="0" eaLnBrk="1" latinLnBrk="0" hangingPunct="1">
         <a:spcBef>
           <a:spcPct val="20000"/>
         </a:spcBef>
@@ -2863,7 +2962,7 @@
           <a:cs typeface="+mn-cs"/>
         </a:defRPr>
       </a:lvl5pPr>
-      <a:lvl6pPr marL="2514600" indent="-228600" algn="l" defTabSz="914400" rtl="0" eaLnBrk="1" latinLnBrk="0" hangingPunct="1">
+      <a:lvl6pPr marL="2514537" indent="-228594" algn="l" defTabSz="914378" rtl="0" eaLnBrk="1" latinLnBrk="0" hangingPunct="1">
         <a:spcBef>
           <a:spcPct val="20000"/>
         </a:spcBef>
@@ -2878,7 +2977,7 @@
           <a:cs typeface="+mn-cs"/>
         </a:defRPr>
       </a:lvl6pPr>
-      <a:lvl7pPr marL="2971800" indent="-228600" algn="l" defTabSz="914400" rtl="0" eaLnBrk="1" latinLnBrk="0" hangingPunct="1">
+      <a:lvl7pPr marL="2971726" indent="-228594" algn="l" defTabSz="914378" rtl="0" eaLnBrk="1" latinLnBrk="0" hangingPunct="1">
         <a:spcBef>
           <a:spcPct val="20000"/>
         </a:spcBef>
@@ -2893,7 +2992,7 @@
           <a:cs typeface="+mn-cs"/>
         </a:defRPr>
       </a:lvl7pPr>
-      <a:lvl8pPr marL="3429000" indent="-228600" algn="l" defTabSz="914400" rtl="0" eaLnBrk="1" latinLnBrk="0" hangingPunct="1">
+      <a:lvl8pPr marL="3428915" indent="-228594" algn="l" defTabSz="914378" rtl="0" eaLnBrk="1" latinLnBrk="0" hangingPunct="1">
         <a:spcBef>
           <a:spcPct val="20000"/>
         </a:spcBef>
@@ -2908,7 +3007,7 @@
           <a:cs typeface="+mn-cs"/>
         </a:defRPr>
       </a:lvl8pPr>
-      <a:lvl9pPr marL="3886200" indent="-228600" algn="l" defTabSz="914400" rtl="0" eaLnBrk="1" latinLnBrk="0" hangingPunct="1">
+      <a:lvl9pPr marL="3886103" indent="-228594" algn="l" defTabSz="914378" rtl="0" eaLnBrk="1" latinLnBrk="0" hangingPunct="1">
         <a:spcBef>
           <a:spcPct val="20000"/>
         </a:spcBef>
@@ -2928,7 +3027,7 @@
       <a:defPPr>
         <a:defRPr lang="zh-TW"/>
       </a:defPPr>
-      <a:lvl1pPr marL="0" algn="l" defTabSz="914400" rtl="0" eaLnBrk="1" latinLnBrk="0" hangingPunct="1">
+      <a:lvl1pPr marL="0" algn="l" defTabSz="914378" rtl="0" eaLnBrk="1" latinLnBrk="0" hangingPunct="1">
         <a:defRPr sz="1800" kern="1200">
           <a:solidFill>
             <a:schemeClr val="tx1"/>
@@ -2938,7 +3037,7 @@
           <a:cs typeface="+mn-cs"/>
         </a:defRPr>
       </a:lvl1pPr>
-      <a:lvl2pPr marL="457200" algn="l" defTabSz="914400" rtl="0" eaLnBrk="1" latinLnBrk="0" hangingPunct="1">
+      <a:lvl2pPr marL="457189" algn="l" defTabSz="914378" rtl="0" eaLnBrk="1" latinLnBrk="0" hangingPunct="1">
         <a:defRPr sz="1800" kern="1200">
           <a:solidFill>
             <a:schemeClr val="tx1"/>
@@ -2948,7 +3047,7 @@
           <a:cs typeface="+mn-cs"/>
         </a:defRPr>
       </a:lvl2pPr>
-      <a:lvl3pPr marL="914400" algn="l" defTabSz="914400" rtl="0" eaLnBrk="1" latinLnBrk="0" hangingPunct="1">
+      <a:lvl3pPr marL="914378" algn="l" defTabSz="914378" rtl="0" eaLnBrk="1" latinLnBrk="0" hangingPunct="1">
         <a:defRPr sz="1800" kern="1200">
           <a:solidFill>
             <a:schemeClr val="tx1"/>
@@ -2958,7 +3057,7 @@
           <a:cs typeface="+mn-cs"/>
         </a:defRPr>
       </a:lvl3pPr>
-      <a:lvl4pPr marL="1371600" algn="l" defTabSz="914400" rtl="0" eaLnBrk="1" latinLnBrk="0" hangingPunct="1">
+      <a:lvl4pPr marL="1371566" algn="l" defTabSz="914378" rtl="0" eaLnBrk="1" latinLnBrk="0" hangingPunct="1">
         <a:defRPr sz="1800" kern="1200">
           <a:solidFill>
             <a:schemeClr val="tx1"/>
@@ -2968,7 +3067,7 @@
           <a:cs typeface="+mn-cs"/>
         </a:defRPr>
       </a:lvl4pPr>
-      <a:lvl5pPr marL="1828800" algn="l" defTabSz="914400" rtl="0" eaLnBrk="1" latinLnBrk="0" hangingPunct="1">
+      <a:lvl5pPr marL="1828754" algn="l" defTabSz="914378" rtl="0" eaLnBrk="1" latinLnBrk="0" hangingPunct="1">
         <a:defRPr sz="1800" kern="1200">
           <a:solidFill>
             <a:schemeClr val="tx1"/>
@@ -2978,7 +3077,7 @@
           <a:cs typeface="+mn-cs"/>
         </a:defRPr>
       </a:lvl5pPr>
-      <a:lvl6pPr marL="2286000" algn="l" defTabSz="914400" rtl="0" eaLnBrk="1" latinLnBrk="0" hangingPunct="1">
+      <a:lvl6pPr marL="2285943" algn="l" defTabSz="914378" rtl="0" eaLnBrk="1" latinLnBrk="0" hangingPunct="1">
         <a:defRPr sz="1800" kern="1200">
           <a:solidFill>
             <a:schemeClr val="tx1"/>
@@ -2988,7 +3087,7 @@
           <a:cs typeface="+mn-cs"/>
         </a:defRPr>
       </a:lvl6pPr>
-      <a:lvl7pPr marL="2743200" algn="l" defTabSz="914400" rtl="0" eaLnBrk="1" latinLnBrk="0" hangingPunct="1">
+      <a:lvl7pPr marL="2743132" algn="l" defTabSz="914378" rtl="0" eaLnBrk="1" latinLnBrk="0" hangingPunct="1">
         <a:defRPr sz="1800" kern="1200">
           <a:solidFill>
             <a:schemeClr val="tx1"/>
@@ -2998,7 +3097,7 @@
           <a:cs typeface="+mn-cs"/>
         </a:defRPr>
       </a:lvl7pPr>
-      <a:lvl8pPr marL="3200400" algn="l" defTabSz="914400" rtl="0" eaLnBrk="1" latinLnBrk="0" hangingPunct="1">
+      <a:lvl8pPr marL="3200320" algn="l" defTabSz="914378" rtl="0" eaLnBrk="1" latinLnBrk="0" hangingPunct="1">
         <a:defRPr sz="1800" kern="1200">
           <a:solidFill>
             <a:schemeClr val="tx1"/>
@@ -3008,7 +3107,7 @@
           <a:cs typeface="+mn-cs"/>
         </a:defRPr>
       </a:lvl8pPr>
-      <a:lvl9pPr marL="3657600" algn="l" defTabSz="914400" rtl="0" eaLnBrk="1" latinLnBrk="0" hangingPunct="1">
+      <a:lvl9pPr marL="3657509" algn="l" defTabSz="914378" rtl="0" eaLnBrk="1" latinLnBrk="0" hangingPunct="1">
         <a:defRPr sz="1800" kern="1200">
           <a:solidFill>
             <a:schemeClr val="tx1"/>
@@ -3042,51 +3141,18 @@
       </p:grpSpPr>
       <p:sp>
         <p:nvSpPr>
-          <p:cNvPr id="2" name="標題 1"/>
-          <p:cNvSpPr>
-            <a:spLocks noGrp="1"/>
-          </p:cNvSpPr>
-          <p:nvPr>
-            <p:ph type="ctrTitle"/>
+          <p:cNvPr id="4" name="標題 3"/>
+          <p:cNvSpPr>
+            <a:spLocks noGrp="1"/>
+          </p:cNvSpPr>
+          <p:nvPr>
+            <p:ph type="title"/>
           </p:nvPr>
         </p:nvSpPr>
         <p:spPr>
           <a:xfrm>
-            <a:off x="642910" y="-285776"/>
-            <a:ext cx="7772400" cy="1470025"/>
-          </a:xfrm>
-        </p:spPr>
-        <p:txBody>
-          <a:bodyPr>
-            <a:normAutofit/>
-          </a:bodyPr>
-          <a:lstStyle/>
-          <a:p>
-            <a:r>
-              <a:rPr lang="zh-TW" altLang="en-US" sz="3600" b="1" u="sng" dirty="0">
-                <a:solidFill>
-                  <a:srgbClr val="002060"/>
-                </a:solidFill>
-              </a:rPr>
-              <a:t>靠著祢寶血 </a:t>
-            </a:r>
-          </a:p>
-        </p:txBody>
-      </p:sp>
-      <p:sp>
-        <p:nvSpPr>
-          <p:cNvPr id="3" name="副標題 2"/>
-          <p:cNvSpPr>
-            <a:spLocks noGrp="1"/>
-          </p:cNvSpPr>
-          <p:nvPr>
-            <p:ph type="subTitle" idx="1"/>
-          </p:nvPr>
-        </p:nvSpPr>
-        <p:spPr>
-          <a:xfrm>
-            <a:off x="0" y="1176334"/>
-            <a:ext cx="9144000" cy="1752600"/>
+            <a:off x="0" y="2857513"/>
+            <a:ext cx="12192000" cy="1143000"/>
           </a:xfrm>
         </p:spPr>
         <p:txBody>
@@ -3095,217 +3161,1143 @@
           </a:bodyPr>
           <a:lstStyle/>
           <a:p>
-            <a:pPr marL="742950" indent="-742950"/>
-            <a:r>
-              <a:rPr lang="zh-TW" altLang="en-US" sz="4400" b="1" dirty="0">
-                <a:solidFill>
-                  <a:srgbClr val="002060"/>
-                </a:solidFill>
-                <a:latin typeface="+mn-ea"/>
-              </a:rPr>
-              <a:t>如何能除掉我罪 </a:t>
-            </a:r>
-            <a:endParaRPr lang="en-US" altLang="zh-TW" sz="4400" b="1" dirty="0" smtClean="0">
-              <a:solidFill>
-                <a:srgbClr val="002060"/>
-              </a:solidFill>
-              <a:latin typeface="+mn-ea"/>
-            </a:endParaRPr>
-          </a:p>
-          <a:p>
-            <a:pPr marL="742950" indent="-742950"/>
-            <a:r>
-              <a:rPr lang="zh-TW" altLang="en-US" sz="4400" b="1" dirty="0" smtClean="0">
-                <a:solidFill>
-                  <a:srgbClr val="002060"/>
-                </a:solidFill>
-                <a:latin typeface="+mn-ea"/>
+            <a:r>
+              <a:rPr lang="zh-TW" altLang="en-US" sz="7200" b="1" i="1" dirty="0">
+                <a:solidFill>
+                  <a:srgbClr val="000066"/>
+                </a:solidFill>
+                <a:effectLst>
+                  <a:outerShdw blurRad="38100" dist="38100" dir="2700000" algn="tl">
+                    <a:srgbClr val="000000">
+                      <a:alpha val="43137"/>
+                    </a:srgbClr>
+                  </a:outerShdw>
+                </a:effectLst>
+                <a:latin typeface="微軟正黑體" pitchFamily="34" charset="-120"/>
+                <a:ea typeface="微軟正黑體" pitchFamily="34" charset="-120"/>
               </a:rPr>
               <a:t>靠</a:t>
             </a:r>
             <a:r>
-              <a:rPr lang="zh-TW" altLang="en-US" sz="4400" b="1" dirty="0">
-                <a:solidFill>
-                  <a:srgbClr val="002060"/>
-                </a:solidFill>
-                <a:latin typeface="+mn-ea"/>
-              </a:rPr>
-              <a:t>我救主基督寶</a:t>
-            </a:r>
-            <a:r>
-              <a:rPr lang="zh-TW" altLang="en-US" sz="4400" b="1" dirty="0" smtClean="0">
-                <a:solidFill>
-                  <a:srgbClr val="002060"/>
-                </a:solidFill>
-                <a:latin typeface="+mn-ea"/>
-              </a:rPr>
-              <a:t>血</a:t>
-            </a:r>
-            <a:endParaRPr lang="en-US" altLang="zh-TW" sz="4400" b="1" dirty="0">
-              <a:solidFill>
-                <a:srgbClr val="002060"/>
-              </a:solidFill>
-              <a:latin typeface="+mn-ea"/>
-            </a:endParaRPr>
-          </a:p>
-          <a:p>
-            <a:pPr marL="742950" indent="-742950"/>
-            <a:r>
-              <a:rPr lang="zh-TW" altLang="en-US" sz="4400" b="1" dirty="0" smtClean="0">
-                <a:solidFill>
-                  <a:srgbClr val="002060"/>
-                </a:solidFill>
-                <a:latin typeface="+mn-ea"/>
-              </a:rPr>
-              <a:t>如何</a:t>
-            </a:r>
-            <a:r>
-              <a:rPr lang="zh-TW" altLang="en-US" sz="4400" b="1" dirty="0">
-                <a:solidFill>
-                  <a:srgbClr val="002060"/>
-                </a:solidFill>
-                <a:latin typeface="+mn-ea"/>
-              </a:rPr>
-              <a:t>能重造生命 </a:t>
-            </a:r>
-            <a:endParaRPr lang="en-US" altLang="zh-TW" sz="4400" b="1" dirty="0" smtClean="0">
-              <a:solidFill>
-                <a:srgbClr val="002060"/>
-              </a:solidFill>
-              <a:latin typeface="+mn-ea"/>
-            </a:endParaRPr>
-          </a:p>
-          <a:p>
-            <a:pPr marL="742950" indent="-742950"/>
-            <a:r>
-              <a:rPr lang="zh-TW" altLang="en-US" sz="4400" b="1" dirty="0" smtClean="0">
-                <a:solidFill>
-                  <a:srgbClr val="002060"/>
-                </a:solidFill>
-                <a:latin typeface="+mn-ea"/>
-              </a:rPr>
-              <a:t>靠</a:t>
-            </a:r>
-            <a:r>
-              <a:rPr lang="zh-TW" altLang="en-US" sz="4400" b="1" dirty="0">
-                <a:solidFill>
-                  <a:srgbClr val="002060"/>
-                </a:solidFill>
-                <a:latin typeface="+mn-ea"/>
-              </a:rPr>
-              <a:t>我救主基督寶</a:t>
-            </a:r>
-            <a:r>
-              <a:rPr lang="zh-TW" altLang="en-US" sz="4400" b="1" dirty="0" smtClean="0">
-                <a:solidFill>
-                  <a:srgbClr val="002060"/>
-                </a:solidFill>
-                <a:latin typeface="+mn-ea"/>
-              </a:rPr>
-              <a:t>血</a:t>
-            </a:r>
-            <a:endParaRPr lang="en-US" altLang="zh-TW" sz="4400" b="1" dirty="0" smtClean="0">
-              <a:solidFill>
-                <a:srgbClr val="002060"/>
-              </a:solidFill>
-              <a:latin typeface="+mn-ea"/>
-            </a:endParaRPr>
-          </a:p>
-          <a:p>
-            <a:r>
-              <a:rPr lang="zh-TW" altLang="en-US" sz="4400" b="1" dirty="0">
-                <a:solidFill>
-                  <a:srgbClr val="002060"/>
-                </a:solidFill>
-                <a:latin typeface="+mj-ea"/>
-                <a:ea typeface="+mj-ea"/>
-              </a:rPr>
-              <a:t>主被懸十架上 洒寶血全然為</a:t>
-            </a:r>
-            <a:r>
-              <a:rPr lang="zh-TW" altLang="en-US" sz="4400" b="1" dirty="0" smtClean="0">
-                <a:solidFill>
-                  <a:srgbClr val="002060"/>
-                </a:solidFill>
-                <a:latin typeface="+mj-ea"/>
-                <a:ea typeface="+mj-ea"/>
-              </a:rPr>
-              <a:t>我</a:t>
-            </a:r>
-            <a:endParaRPr lang="en-US" altLang="zh-TW" sz="4400" b="1" dirty="0" smtClean="0">
-              <a:solidFill>
-                <a:srgbClr val="002060"/>
-              </a:solidFill>
-              <a:latin typeface="+mj-ea"/>
-              <a:ea typeface="+mj-ea"/>
-            </a:endParaRPr>
-          </a:p>
-          <a:p>
-            <a:r>
-              <a:rPr lang="zh-TW" altLang="en-US" sz="4400" b="1" dirty="0" smtClean="0">
-                <a:solidFill>
-                  <a:srgbClr val="002060"/>
-                </a:solidFill>
-                <a:latin typeface="+mj-ea"/>
-                <a:ea typeface="+mj-ea"/>
-              </a:rPr>
-              <a:t>今使</a:t>
-            </a:r>
-            <a:r>
-              <a:rPr lang="zh-TW" altLang="en-US" sz="4400" b="1" dirty="0">
-                <a:solidFill>
-                  <a:srgbClr val="002060"/>
-                </a:solidFill>
-                <a:latin typeface="+mj-ea"/>
-                <a:ea typeface="+mj-ea"/>
-              </a:rPr>
-              <a:t>我像雪白 靠我救主基督寶血</a:t>
-            </a:r>
-          </a:p>
-        </p:txBody>
-      </p:sp>
-      <p:sp>
-        <p:nvSpPr>
-          <p:cNvPr id="4" name="文字方塊 3"/>
-          <p:cNvSpPr txBox="1"/>
-          <p:nvPr/>
-        </p:nvSpPr>
-        <p:spPr>
-          <a:xfrm>
-            <a:off x="8429652" y="142852"/>
-            <a:ext cx="614271" cy="461665"/>
-          </a:xfrm>
-          <a:prstGeom prst="rect">
-            <a:avLst/>
-          </a:prstGeom>
-          <a:noFill/>
-        </p:spPr>
-        <p:txBody>
-          <a:bodyPr wrap="none" rtlCol="0">
-            <a:spAutoFit/>
-          </a:bodyPr>
-          <a:lstStyle/>
-          <a:p>
-            <a:r>
-              <a:rPr lang="en-US" altLang="zh-TW" sz="2400" dirty="0" smtClean="0"/>
-              <a:t>1/3</a:t>
-            </a:r>
-            <a:endParaRPr lang="zh-TW" altLang="en-US" sz="2400" dirty="0"/>
+              <a:rPr lang="zh-TW" altLang="en-US" sz="7200" b="1" i="1" dirty="0">
+                <a:solidFill>
+                  <a:srgbClr val="000066"/>
+                </a:solidFill>
+                <a:effectLst>
+                  <a:outerShdw blurRad="38100" dist="38100" dir="2700000" algn="tl">
+                    <a:srgbClr val="000000">
+                      <a:alpha val="43137"/>
+                    </a:srgbClr>
+                  </a:outerShdw>
+                </a:effectLst>
+                <a:latin typeface="微軟正黑體" pitchFamily="34" charset="-120"/>
+                <a:ea typeface="微軟正黑體" pitchFamily="34" charset="-120"/>
+              </a:rPr>
+              <a:t>著祢寶血</a:t>
+            </a:r>
           </a:p>
         </p:txBody>
       </p:sp>
     </p:spTree>
+    <p:extLst>
+      <p:ext uri="{BB962C8B-B14F-4D97-AF65-F5344CB8AC3E}">
+        <p14:creationId xmlns:p14="http://schemas.microsoft.com/office/powerpoint/2010/main" val="960697568"/>
+      </p:ext>
+    </p:extLst>
   </p:cSld>
   <p:clrMapOvr>
     <a:masterClrMapping/>
   </p:clrMapOvr>
-  <p:timing>
-    <p:tnLst>
-      <p:par>
-        <p:cTn id="1" dur="indefinite" restart="never" nodeType="tmRoot"/>
-      </p:par>
-    </p:tnLst>
-  </p:timing>
+</p:sld>
+</file>
+
+<file path=ppt/slides/slide10.xml><?xml version="1.0" encoding="utf-8"?>
+<p:sld xmlns:a="http://schemas.openxmlformats.org/drawingml/2006/main" xmlns:r="http://schemas.openxmlformats.org/officeDocument/2006/relationships" xmlns:p="http://schemas.openxmlformats.org/presentationml/2006/main">
+  <p:cSld>
+    <p:spTree>
+      <p:nvGrpSpPr>
+        <p:cNvPr id="1" name=""/>
+        <p:cNvGrpSpPr/>
+        <p:nvPr/>
+      </p:nvGrpSpPr>
+      <p:grpSpPr>
+        <a:xfrm>
+          <a:off x="0" y="0"/>
+          <a:ext cx="0" cy="0"/>
+          <a:chOff x="0" y="0"/>
+          <a:chExt cx="0" cy="0"/>
+        </a:xfrm>
+      </p:grpSpPr>
+      <p:sp>
+        <p:nvSpPr>
+          <p:cNvPr id="5" name="內容版面配置區 4"/>
+          <p:cNvSpPr>
+            <a:spLocks noGrp="1"/>
+          </p:cNvSpPr>
+          <p:nvPr>
+            <p:ph idx="1"/>
+          </p:nvPr>
+        </p:nvSpPr>
+        <p:spPr>
+          <a:xfrm>
+            <a:off x="0" y="2084851"/>
+            <a:ext cx="12192000" cy="2404863"/>
+          </a:xfrm>
+        </p:spPr>
+        <p:txBody>
+          <a:bodyPr anchor="ctr">
+            <a:normAutofit/>
+          </a:bodyPr>
+          <a:lstStyle/>
+          <a:p>
+            <a:pPr marL="0" indent="0" algn="ctr">
+              <a:buNone/>
+            </a:pPr>
+            <a:r>
+              <a:rPr lang="zh-TW" altLang="en-US" sz="6400" b="1" dirty="0">
+                <a:solidFill>
+                  <a:srgbClr val="000066"/>
+                </a:solidFill>
+                <a:latin typeface="微軟正黑體" pitchFamily="34" charset="-120"/>
+                <a:ea typeface="微軟正黑體" pitchFamily="34" charset="-120"/>
+              </a:rPr>
+              <a:t>賜予我無盡豐盛 </a:t>
+            </a:r>
+            <a:endParaRPr lang="en-US" altLang="zh-TW" sz="6400" b="1" dirty="0">
+              <a:solidFill>
+                <a:srgbClr val="000066"/>
+              </a:solidFill>
+              <a:latin typeface="微軟正黑體" pitchFamily="34" charset="-120"/>
+              <a:ea typeface="微軟正黑體" pitchFamily="34" charset="-120"/>
+            </a:endParaRPr>
+          </a:p>
+          <a:p>
+            <a:pPr marL="0" indent="0" algn="ctr">
+              <a:buNone/>
+            </a:pPr>
+            <a:r>
+              <a:rPr lang="zh-TW" altLang="en-US" sz="6400" b="1" dirty="0">
+                <a:solidFill>
+                  <a:srgbClr val="000066"/>
+                </a:solidFill>
+                <a:latin typeface="微軟正黑體" pitchFamily="34" charset="-120"/>
+                <a:ea typeface="微軟正黑體" pitchFamily="34" charset="-120"/>
+              </a:rPr>
+              <a:t>靠我救主基督寶血</a:t>
+            </a:r>
+            <a:endParaRPr lang="en-US" altLang="zh-TW" sz="6400" b="1" dirty="0">
+              <a:solidFill>
+                <a:srgbClr val="000066"/>
+              </a:solidFill>
+              <a:latin typeface="微軟正黑體" pitchFamily="34" charset="-120"/>
+              <a:ea typeface="微軟正黑體" pitchFamily="34" charset="-120"/>
+            </a:endParaRPr>
+          </a:p>
+        </p:txBody>
+      </p:sp>
+    </p:spTree>
+    <p:extLst>
+      <p:ext uri="{BB962C8B-B14F-4D97-AF65-F5344CB8AC3E}">
+        <p14:creationId xmlns:p14="http://schemas.microsoft.com/office/powerpoint/2010/main" val="1304077504"/>
+      </p:ext>
+    </p:extLst>
+  </p:cSld>
+  <p:clrMapOvr>
+    <a:masterClrMapping/>
+  </p:clrMapOvr>
+</p:sld>
+</file>
+
+<file path=ppt/slides/slide11.xml><?xml version="1.0" encoding="utf-8"?>
+<p:sld xmlns:a="http://schemas.openxmlformats.org/drawingml/2006/main" xmlns:r="http://schemas.openxmlformats.org/officeDocument/2006/relationships" xmlns:p="http://schemas.openxmlformats.org/presentationml/2006/main">
+  <p:cSld>
+    <p:spTree>
+      <p:nvGrpSpPr>
+        <p:cNvPr id="1" name=""/>
+        <p:cNvGrpSpPr/>
+        <p:nvPr/>
+      </p:nvGrpSpPr>
+      <p:grpSpPr>
+        <a:xfrm>
+          <a:off x="0" y="0"/>
+          <a:ext cx="0" cy="0"/>
+          <a:chOff x="0" y="0"/>
+          <a:chExt cx="0" cy="0"/>
+        </a:xfrm>
+      </p:grpSpPr>
+      <p:sp>
+        <p:nvSpPr>
+          <p:cNvPr id="5" name="內容版面配置區 4"/>
+          <p:cNvSpPr>
+            <a:spLocks noGrp="1"/>
+          </p:cNvSpPr>
+          <p:nvPr>
+            <p:ph idx="1"/>
+          </p:nvPr>
+        </p:nvSpPr>
+        <p:spPr>
+          <a:xfrm>
+            <a:off x="0" y="2084851"/>
+            <a:ext cx="12192000" cy="2404863"/>
+          </a:xfrm>
+        </p:spPr>
+        <p:txBody>
+          <a:bodyPr anchor="ctr">
+            <a:normAutofit/>
+          </a:bodyPr>
+          <a:lstStyle/>
+          <a:p>
+            <a:pPr marL="0" indent="0" algn="ctr">
+              <a:buNone/>
+            </a:pPr>
+            <a:r>
+              <a:rPr lang="zh-TW" altLang="en-US" sz="6400" b="1" dirty="0">
+                <a:solidFill>
+                  <a:srgbClr val="000066"/>
+                </a:solidFill>
+                <a:latin typeface="微軟正黑體" pitchFamily="34" charset="-120"/>
+                <a:ea typeface="微軟正黑體" pitchFamily="34" charset="-120"/>
+              </a:rPr>
+              <a:t>賜予我能力盼望 </a:t>
+            </a:r>
+            <a:endParaRPr lang="en-US" altLang="zh-TW" sz="6400" b="1" dirty="0">
+              <a:solidFill>
+                <a:srgbClr val="000066"/>
+              </a:solidFill>
+              <a:latin typeface="微軟正黑體" pitchFamily="34" charset="-120"/>
+              <a:ea typeface="微軟正黑體" pitchFamily="34" charset="-120"/>
+            </a:endParaRPr>
+          </a:p>
+          <a:p>
+            <a:pPr marL="0" indent="0" algn="ctr">
+              <a:buNone/>
+            </a:pPr>
+            <a:r>
+              <a:rPr lang="zh-TW" altLang="en-US" sz="6400" b="1" dirty="0">
+                <a:solidFill>
+                  <a:srgbClr val="000066"/>
+                </a:solidFill>
+                <a:latin typeface="微軟正黑體" pitchFamily="34" charset="-120"/>
+                <a:ea typeface="微軟正黑體" pitchFamily="34" charset="-120"/>
+              </a:rPr>
+              <a:t>靠我救主基督寶血</a:t>
+            </a:r>
+            <a:endParaRPr lang="en-US" altLang="zh-TW" sz="6400" b="1" dirty="0">
+              <a:solidFill>
+                <a:srgbClr val="000066"/>
+              </a:solidFill>
+              <a:latin typeface="微軟正黑體" pitchFamily="34" charset="-120"/>
+              <a:ea typeface="微軟正黑體" pitchFamily="34" charset="-120"/>
+            </a:endParaRPr>
+          </a:p>
+        </p:txBody>
+      </p:sp>
+    </p:spTree>
+    <p:extLst>
+      <p:ext uri="{BB962C8B-B14F-4D97-AF65-F5344CB8AC3E}">
+        <p14:creationId xmlns:p14="http://schemas.microsoft.com/office/powerpoint/2010/main" val="2932379927"/>
+      </p:ext>
+    </p:extLst>
+  </p:cSld>
+  <p:clrMapOvr>
+    <a:masterClrMapping/>
+  </p:clrMapOvr>
+</p:sld>
+</file>
+
+<file path=ppt/slides/slide12.xml><?xml version="1.0" encoding="utf-8"?>
+<p:sld xmlns:a="http://schemas.openxmlformats.org/drawingml/2006/main" xmlns:r="http://schemas.openxmlformats.org/officeDocument/2006/relationships" xmlns:p="http://schemas.openxmlformats.org/presentationml/2006/main">
+  <p:cSld>
+    <p:spTree>
+      <p:nvGrpSpPr>
+        <p:cNvPr id="1" name=""/>
+        <p:cNvGrpSpPr/>
+        <p:nvPr/>
+      </p:nvGrpSpPr>
+      <p:grpSpPr>
+        <a:xfrm>
+          <a:off x="0" y="0"/>
+          <a:ext cx="0" cy="0"/>
+          <a:chOff x="0" y="0"/>
+          <a:chExt cx="0" cy="0"/>
+        </a:xfrm>
+      </p:grpSpPr>
+      <p:sp>
+        <p:nvSpPr>
+          <p:cNvPr id="5" name="內容版面配置區 4"/>
+          <p:cNvSpPr>
+            <a:spLocks noGrp="1"/>
+          </p:cNvSpPr>
+          <p:nvPr>
+            <p:ph idx="1"/>
+          </p:nvPr>
+        </p:nvSpPr>
+        <p:spPr>
+          <a:xfrm>
+            <a:off x="0" y="2084851"/>
+            <a:ext cx="12192000" cy="2404863"/>
+          </a:xfrm>
+        </p:spPr>
+        <p:txBody>
+          <a:bodyPr anchor="ctr">
+            <a:normAutofit/>
+          </a:bodyPr>
+          <a:lstStyle/>
+          <a:p>
+            <a:pPr marL="0" indent="0" algn="ctr">
+              <a:buNone/>
+            </a:pPr>
+            <a:r>
+              <a:rPr lang="zh-TW" altLang="en-US" sz="6400" b="1" dirty="0">
+                <a:solidFill>
+                  <a:srgbClr val="000066"/>
+                </a:solidFill>
+                <a:latin typeface="微軟正黑體" pitchFamily="34" charset="-120"/>
+                <a:ea typeface="微軟正黑體" pitchFamily="34" charset="-120"/>
+              </a:rPr>
+              <a:t>靠著祢寶血我得自</a:t>
+            </a:r>
+            <a:r>
+              <a:rPr lang="zh-TW" altLang="en-US" sz="6400" b="1" dirty="0">
+                <a:solidFill>
+                  <a:srgbClr val="000066"/>
+                </a:solidFill>
+                <a:latin typeface="微軟正黑體" pitchFamily="34" charset="-120"/>
+                <a:ea typeface="微軟正黑體" pitchFamily="34" charset="-120"/>
+              </a:rPr>
+              <a:t>由</a:t>
+            </a:r>
+            <a:endParaRPr lang="en-US" altLang="zh-TW" sz="6400" b="1" dirty="0">
+              <a:solidFill>
+                <a:srgbClr val="000066"/>
+              </a:solidFill>
+              <a:latin typeface="微軟正黑體" pitchFamily="34" charset="-120"/>
+              <a:ea typeface="微軟正黑體" pitchFamily="34" charset="-120"/>
+            </a:endParaRPr>
+          </a:p>
+          <a:p>
+            <a:pPr marL="0" indent="0" algn="ctr">
+              <a:buNone/>
+            </a:pPr>
+            <a:r>
+              <a:rPr lang="zh-TW" altLang="en-US" sz="6400" b="1" dirty="0">
+                <a:solidFill>
+                  <a:srgbClr val="000066"/>
+                </a:solidFill>
+                <a:latin typeface="微軟正黑體" pitchFamily="34" charset="-120"/>
+                <a:ea typeface="微軟正黑體" pitchFamily="34" charset="-120"/>
+              </a:rPr>
+              <a:t>靠</a:t>
+            </a:r>
+            <a:r>
+              <a:rPr lang="zh-TW" altLang="en-US" sz="6400" b="1" dirty="0">
+                <a:solidFill>
+                  <a:srgbClr val="000066"/>
+                </a:solidFill>
+                <a:latin typeface="微軟正黑體" pitchFamily="34" charset="-120"/>
+                <a:ea typeface="微軟正黑體" pitchFamily="34" charset="-120"/>
+              </a:rPr>
+              <a:t>著祢寶血救贖我得釋放</a:t>
+            </a:r>
+            <a:endParaRPr lang="en-US" altLang="zh-TW" sz="6400" b="1" dirty="0">
+              <a:solidFill>
+                <a:srgbClr val="000066"/>
+              </a:solidFill>
+              <a:latin typeface="微軟正黑體" pitchFamily="34" charset="-120"/>
+              <a:ea typeface="微軟正黑體" pitchFamily="34" charset="-120"/>
+            </a:endParaRPr>
+          </a:p>
+        </p:txBody>
+      </p:sp>
+    </p:spTree>
+    <p:extLst>
+      <p:ext uri="{BB962C8B-B14F-4D97-AF65-F5344CB8AC3E}">
+        <p14:creationId xmlns:p14="http://schemas.microsoft.com/office/powerpoint/2010/main" val="4236733269"/>
+      </p:ext>
+    </p:extLst>
+  </p:cSld>
+  <p:clrMapOvr>
+    <a:masterClrMapping/>
+  </p:clrMapOvr>
+</p:sld>
+</file>
+
+<file path=ppt/slides/slide13.xml><?xml version="1.0" encoding="utf-8"?>
+<p:sld xmlns:a="http://schemas.openxmlformats.org/drawingml/2006/main" xmlns:r="http://schemas.openxmlformats.org/officeDocument/2006/relationships" xmlns:p="http://schemas.openxmlformats.org/presentationml/2006/main">
+  <p:cSld>
+    <p:spTree>
+      <p:nvGrpSpPr>
+        <p:cNvPr id="1" name=""/>
+        <p:cNvGrpSpPr/>
+        <p:nvPr/>
+      </p:nvGrpSpPr>
+      <p:grpSpPr>
+        <a:xfrm>
+          <a:off x="0" y="0"/>
+          <a:ext cx="0" cy="0"/>
+          <a:chOff x="0" y="0"/>
+          <a:chExt cx="0" cy="0"/>
+        </a:xfrm>
+      </p:grpSpPr>
+      <p:sp>
+        <p:nvSpPr>
+          <p:cNvPr id="5" name="內容版面配置區 4"/>
+          <p:cNvSpPr>
+            <a:spLocks noGrp="1"/>
+          </p:cNvSpPr>
+          <p:nvPr>
+            <p:ph idx="1"/>
+          </p:nvPr>
+        </p:nvSpPr>
+        <p:spPr>
+          <a:xfrm>
+            <a:off x="0" y="2084851"/>
+            <a:ext cx="12192000" cy="2404863"/>
+          </a:xfrm>
+        </p:spPr>
+        <p:txBody>
+          <a:bodyPr anchor="ctr">
+            <a:normAutofit/>
+          </a:bodyPr>
+          <a:lstStyle/>
+          <a:p>
+            <a:pPr marL="0" indent="0" algn="ctr">
+              <a:buNone/>
+            </a:pPr>
+            <a:r>
+              <a:rPr lang="zh-TW" altLang="en-US" sz="6400" b="1" dirty="0">
+                <a:solidFill>
+                  <a:srgbClr val="000066"/>
+                </a:solidFill>
+                <a:latin typeface="微軟正黑體" pitchFamily="34" charset="-120"/>
+                <a:ea typeface="微軟正黑體" pitchFamily="34" charset="-120"/>
+              </a:rPr>
+              <a:t>祢十架甘心犧牲的</a:t>
+            </a:r>
+            <a:r>
+              <a:rPr lang="zh-TW" altLang="en-US" sz="6400" b="1" dirty="0">
+                <a:solidFill>
+                  <a:srgbClr val="000066"/>
+                </a:solidFill>
+                <a:latin typeface="微軟正黑體" pitchFamily="34" charset="-120"/>
+                <a:ea typeface="微軟正黑體" pitchFamily="34" charset="-120"/>
+              </a:rPr>
+              <a:t>愛</a:t>
+            </a:r>
+            <a:endParaRPr lang="en-US" altLang="zh-TW" sz="6400" b="1" dirty="0">
+              <a:solidFill>
+                <a:srgbClr val="000066"/>
+              </a:solidFill>
+              <a:latin typeface="微軟正黑體" pitchFamily="34" charset="-120"/>
+              <a:ea typeface="微軟正黑體" pitchFamily="34" charset="-120"/>
+            </a:endParaRPr>
+          </a:p>
+          <a:p>
+            <a:pPr marL="0" indent="0" algn="ctr">
+              <a:buNone/>
+            </a:pPr>
+            <a:r>
+              <a:rPr lang="zh-TW" altLang="en-US" sz="6400" b="1" dirty="0">
+                <a:solidFill>
+                  <a:srgbClr val="000066"/>
+                </a:solidFill>
+                <a:latin typeface="微軟正黑體" pitchFamily="34" charset="-120"/>
+                <a:ea typeface="微軟正黑體" pitchFamily="34" charset="-120"/>
+              </a:rPr>
+              <a:t>改</a:t>
+            </a:r>
+            <a:r>
+              <a:rPr lang="zh-TW" altLang="en-US" sz="6400" b="1" dirty="0">
+                <a:solidFill>
+                  <a:srgbClr val="000066"/>
+                </a:solidFill>
+                <a:latin typeface="微軟正黑體" pitchFamily="34" charset="-120"/>
+                <a:ea typeface="微軟正黑體" pitchFamily="34" charset="-120"/>
+              </a:rPr>
+              <a:t>寫了我一生 </a:t>
+            </a:r>
+            <a:endParaRPr lang="en-US" altLang="zh-TW" sz="6400" b="1" dirty="0">
+              <a:solidFill>
+                <a:srgbClr val="000066"/>
+              </a:solidFill>
+              <a:latin typeface="微軟正黑體" pitchFamily="34" charset="-120"/>
+              <a:ea typeface="微軟正黑體" pitchFamily="34" charset="-120"/>
+            </a:endParaRPr>
+          </a:p>
+        </p:txBody>
+      </p:sp>
+    </p:spTree>
+    <p:extLst>
+      <p:ext uri="{BB962C8B-B14F-4D97-AF65-F5344CB8AC3E}">
+        <p14:creationId xmlns:p14="http://schemas.microsoft.com/office/powerpoint/2010/main" val="289178037"/>
+      </p:ext>
+    </p:extLst>
+  </p:cSld>
+  <p:clrMapOvr>
+    <a:masterClrMapping/>
+  </p:clrMapOvr>
+</p:sld>
+</file>
+
+<file path=ppt/slides/slide14.xml><?xml version="1.0" encoding="utf-8"?>
+<p:sld xmlns:a="http://schemas.openxmlformats.org/drawingml/2006/main" xmlns:r="http://schemas.openxmlformats.org/officeDocument/2006/relationships" xmlns:p="http://schemas.openxmlformats.org/presentationml/2006/main">
+  <p:cSld>
+    <p:spTree>
+      <p:nvGrpSpPr>
+        <p:cNvPr id="1" name=""/>
+        <p:cNvGrpSpPr/>
+        <p:nvPr/>
+      </p:nvGrpSpPr>
+      <p:grpSpPr>
+        <a:xfrm>
+          <a:off x="0" y="0"/>
+          <a:ext cx="0" cy="0"/>
+          <a:chOff x="0" y="0"/>
+          <a:chExt cx="0" cy="0"/>
+        </a:xfrm>
+      </p:grpSpPr>
+      <p:sp>
+        <p:nvSpPr>
+          <p:cNvPr id="5" name="內容版面配置區 4"/>
+          <p:cNvSpPr>
+            <a:spLocks noGrp="1"/>
+          </p:cNvSpPr>
+          <p:nvPr>
+            <p:ph idx="1"/>
+          </p:nvPr>
+        </p:nvSpPr>
+        <p:spPr>
+          <a:xfrm>
+            <a:off x="0" y="2084851"/>
+            <a:ext cx="12192000" cy="2404863"/>
+          </a:xfrm>
+        </p:spPr>
+        <p:txBody>
+          <a:bodyPr anchor="ctr">
+            <a:normAutofit/>
+          </a:bodyPr>
+          <a:lstStyle/>
+          <a:p>
+            <a:pPr marL="0" indent="0" algn="ctr">
+              <a:buNone/>
+            </a:pPr>
+            <a:r>
+              <a:rPr lang="zh-TW" altLang="en-US" sz="6400" b="1" dirty="0">
+                <a:solidFill>
+                  <a:srgbClr val="000066"/>
+                </a:solidFill>
+                <a:latin typeface="微軟正黑體" pitchFamily="34" charset="-120"/>
+                <a:ea typeface="微軟正黑體" pitchFamily="34" charset="-120"/>
+              </a:rPr>
+              <a:t>獻盡我心單單高舉</a:t>
+            </a:r>
+            <a:r>
+              <a:rPr lang="zh-TW" altLang="en-US" sz="6400" b="1" dirty="0">
+                <a:solidFill>
+                  <a:srgbClr val="000066"/>
+                </a:solidFill>
+                <a:latin typeface="微軟正黑體" pitchFamily="34" charset="-120"/>
+                <a:ea typeface="微軟正黑體" pitchFamily="34" charset="-120"/>
+              </a:rPr>
+              <a:t>祢</a:t>
+            </a:r>
+            <a:endParaRPr lang="en-US" altLang="zh-TW" sz="6400" b="1" dirty="0">
+              <a:solidFill>
+                <a:srgbClr val="000066"/>
+              </a:solidFill>
+              <a:latin typeface="微軟正黑體" pitchFamily="34" charset="-120"/>
+              <a:ea typeface="微軟正黑體" pitchFamily="34" charset="-120"/>
+            </a:endParaRPr>
+          </a:p>
+          <a:p>
+            <a:pPr marL="0" indent="0" algn="ctr">
+              <a:buNone/>
+            </a:pPr>
+            <a:r>
+              <a:rPr lang="zh-TW" altLang="en-US" sz="6400" b="1" dirty="0">
+                <a:solidFill>
+                  <a:srgbClr val="000066"/>
+                </a:solidFill>
+                <a:latin typeface="微軟正黑體" pitchFamily="34" charset="-120"/>
+                <a:ea typeface="微軟正黑體" pitchFamily="34" charset="-120"/>
+              </a:rPr>
+              <a:t>我</a:t>
+            </a:r>
+            <a:r>
+              <a:rPr lang="zh-TW" altLang="en-US" sz="6400" b="1" dirty="0">
+                <a:solidFill>
+                  <a:srgbClr val="000066"/>
+                </a:solidFill>
+                <a:latin typeface="微軟正黑體" pitchFamily="34" charset="-120"/>
+                <a:ea typeface="微軟正黑體" pitchFamily="34" charset="-120"/>
+              </a:rPr>
+              <a:t>願意一生跟主腳蹤方向</a:t>
+            </a:r>
+            <a:endParaRPr lang="en-US" altLang="zh-TW" sz="6400" b="1" dirty="0">
+              <a:solidFill>
+                <a:srgbClr val="000066"/>
+              </a:solidFill>
+              <a:latin typeface="微軟正黑體" pitchFamily="34" charset="-120"/>
+              <a:ea typeface="微軟正黑體" pitchFamily="34" charset="-120"/>
+            </a:endParaRPr>
+          </a:p>
+        </p:txBody>
+      </p:sp>
+    </p:spTree>
+    <p:extLst>
+      <p:ext uri="{BB962C8B-B14F-4D97-AF65-F5344CB8AC3E}">
+        <p14:creationId xmlns:p14="http://schemas.microsoft.com/office/powerpoint/2010/main" val="180185718"/>
+      </p:ext>
+    </p:extLst>
+  </p:cSld>
+  <p:clrMapOvr>
+    <a:masterClrMapping/>
+  </p:clrMapOvr>
+</p:sld>
+</file>
+
+<file path=ppt/slides/slide15.xml><?xml version="1.0" encoding="utf-8"?>
+<p:sld xmlns:a="http://schemas.openxmlformats.org/drawingml/2006/main" xmlns:r="http://schemas.openxmlformats.org/officeDocument/2006/relationships" xmlns:p="http://schemas.openxmlformats.org/presentationml/2006/main">
+  <p:cSld>
+    <p:spTree>
+      <p:nvGrpSpPr>
+        <p:cNvPr id="1" name=""/>
+        <p:cNvGrpSpPr/>
+        <p:nvPr/>
+      </p:nvGrpSpPr>
+      <p:grpSpPr>
+        <a:xfrm>
+          <a:off x="0" y="0"/>
+          <a:ext cx="0" cy="0"/>
+          <a:chOff x="0" y="0"/>
+          <a:chExt cx="0" cy="0"/>
+        </a:xfrm>
+      </p:grpSpPr>
+      <p:sp>
+        <p:nvSpPr>
+          <p:cNvPr id="5" name="內容版面配置區 4"/>
+          <p:cNvSpPr>
+            <a:spLocks noGrp="1"/>
+          </p:cNvSpPr>
+          <p:nvPr>
+            <p:ph idx="1"/>
+          </p:nvPr>
+        </p:nvSpPr>
+        <p:spPr>
+          <a:xfrm>
+            <a:off x="0" y="2084851"/>
+            <a:ext cx="12192000" cy="2404863"/>
+          </a:xfrm>
+        </p:spPr>
+        <p:txBody>
+          <a:bodyPr anchor="ctr">
+            <a:normAutofit/>
+          </a:bodyPr>
+          <a:lstStyle/>
+          <a:p>
+            <a:pPr marL="0" indent="0" algn="ctr">
+              <a:buNone/>
+            </a:pPr>
+            <a:r>
+              <a:rPr lang="zh-TW" altLang="en-US" sz="6400" b="1" dirty="0">
+                <a:solidFill>
+                  <a:srgbClr val="000066"/>
+                </a:solidFill>
+                <a:latin typeface="微軟正黑體" pitchFamily="34" charset="-120"/>
+                <a:ea typeface="微軟正黑體" pitchFamily="34" charset="-120"/>
+              </a:rPr>
+              <a:t>要像耶穌祢委身謙卑 </a:t>
+            </a:r>
+            <a:endParaRPr lang="en-US" altLang="zh-TW" sz="6400" b="1" dirty="0">
+              <a:solidFill>
+                <a:srgbClr val="000066"/>
+              </a:solidFill>
+              <a:latin typeface="微軟正黑體" pitchFamily="34" charset="-120"/>
+              <a:ea typeface="微軟正黑體" pitchFamily="34" charset="-120"/>
+            </a:endParaRPr>
+          </a:p>
+          <a:p>
+            <a:pPr marL="0" indent="0" algn="ctr">
+              <a:buNone/>
+            </a:pPr>
+            <a:r>
+              <a:rPr lang="zh-TW" altLang="en-US" sz="6400" b="1" dirty="0">
+                <a:solidFill>
+                  <a:srgbClr val="000066"/>
+                </a:solidFill>
+                <a:latin typeface="微軟正黑體" pitchFamily="34" charset="-120"/>
+                <a:ea typeface="微軟正黑體" pitchFamily="34" charset="-120"/>
+              </a:rPr>
+              <a:t>放低我的所有</a:t>
+            </a:r>
+            <a:endParaRPr lang="en-US" altLang="zh-TW" sz="6400" b="1" dirty="0">
+              <a:solidFill>
+                <a:srgbClr val="000066"/>
+              </a:solidFill>
+              <a:latin typeface="微軟正黑體" pitchFamily="34" charset="-120"/>
+              <a:ea typeface="微軟正黑體" pitchFamily="34" charset="-120"/>
+            </a:endParaRPr>
+          </a:p>
+        </p:txBody>
+      </p:sp>
+    </p:spTree>
+    <p:extLst>
+      <p:ext uri="{BB962C8B-B14F-4D97-AF65-F5344CB8AC3E}">
+        <p14:creationId xmlns:p14="http://schemas.microsoft.com/office/powerpoint/2010/main" val="2177361035"/>
+      </p:ext>
+    </p:extLst>
+  </p:cSld>
+  <p:clrMapOvr>
+    <a:masterClrMapping/>
+  </p:clrMapOvr>
+</p:sld>
+</file>
+
+<file path=ppt/slides/slide16.xml><?xml version="1.0" encoding="utf-8"?>
+<p:sld xmlns:a="http://schemas.openxmlformats.org/drawingml/2006/main" xmlns:r="http://schemas.openxmlformats.org/officeDocument/2006/relationships" xmlns:p="http://schemas.openxmlformats.org/presentationml/2006/main">
+  <p:cSld>
+    <p:spTree>
+      <p:nvGrpSpPr>
+        <p:cNvPr id="1" name=""/>
+        <p:cNvGrpSpPr/>
+        <p:nvPr/>
+      </p:nvGrpSpPr>
+      <p:grpSpPr>
+        <a:xfrm>
+          <a:off x="0" y="0"/>
+          <a:ext cx="0" cy="0"/>
+          <a:chOff x="0" y="0"/>
+          <a:chExt cx="0" cy="0"/>
+        </a:xfrm>
+      </p:grpSpPr>
+      <p:sp>
+        <p:nvSpPr>
+          <p:cNvPr id="5" name="內容版面配置區 4"/>
+          <p:cNvSpPr>
+            <a:spLocks noGrp="1"/>
+          </p:cNvSpPr>
+          <p:nvPr>
+            <p:ph idx="1"/>
+          </p:nvPr>
+        </p:nvSpPr>
+        <p:spPr>
+          <a:xfrm>
+            <a:off x="0" y="2084851"/>
+            <a:ext cx="12192000" cy="2404863"/>
+          </a:xfrm>
+        </p:spPr>
+        <p:txBody>
+          <a:bodyPr anchor="ctr">
+            <a:normAutofit/>
+          </a:bodyPr>
+          <a:lstStyle/>
+          <a:p>
+            <a:pPr marL="0" indent="0" algn="ctr">
+              <a:buNone/>
+            </a:pPr>
+            <a:r>
+              <a:rPr lang="zh-TW" altLang="en-US" sz="6400" b="1" dirty="0">
+                <a:solidFill>
+                  <a:srgbClr val="000066"/>
+                </a:solidFill>
+                <a:latin typeface="微軟正黑體" pitchFamily="34" charset="-120"/>
+                <a:ea typeface="微軟正黑體" pitchFamily="34" charset="-120"/>
+              </a:rPr>
+              <a:t>靠著祢寶血我得自</a:t>
+            </a:r>
+            <a:r>
+              <a:rPr lang="zh-TW" altLang="en-US" sz="6400" b="1" dirty="0">
+                <a:solidFill>
+                  <a:srgbClr val="000066"/>
+                </a:solidFill>
+                <a:latin typeface="微軟正黑體" pitchFamily="34" charset="-120"/>
+                <a:ea typeface="微軟正黑體" pitchFamily="34" charset="-120"/>
+              </a:rPr>
+              <a:t>由</a:t>
+            </a:r>
+            <a:endParaRPr lang="en-US" altLang="zh-TW" sz="6400" b="1" dirty="0">
+              <a:solidFill>
+                <a:srgbClr val="000066"/>
+              </a:solidFill>
+              <a:latin typeface="微軟正黑體" pitchFamily="34" charset="-120"/>
+              <a:ea typeface="微軟正黑體" pitchFamily="34" charset="-120"/>
+            </a:endParaRPr>
+          </a:p>
+          <a:p>
+            <a:pPr marL="0" indent="0" algn="ctr">
+              <a:buNone/>
+            </a:pPr>
+            <a:r>
+              <a:rPr lang="zh-TW" altLang="en-US" sz="6400" b="1" dirty="0">
+                <a:solidFill>
+                  <a:srgbClr val="000066"/>
+                </a:solidFill>
+                <a:latin typeface="微軟正黑體" pitchFamily="34" charset="-120"/>
+                <a:ea typeface="微軟正黑體" pitchFamily="34" charset="-120"/>
+              </a:rPr>
+              <a:t>靠</a:t>
+            </a:r>
+            <a:r>
+              <a:rPr lang="zh-TW" altLang="en-US" sz="6400" b="1" dirty="0">
+                <a:solidFill>
+                  <a:srgbClr val="000066"/>
+                </a:solidFill>
+                <a:latin typeface="微軟正黑體" pitchFamily="34" charset="-120"/>
+                <a:ea typeface="微軟正黑體" pitchFamily="34" charset="-120"/>
+              </a:rPr>
+              <a:t>著祢寶血救贖我得釋放</a:t>
+            </a:r>
+            <a:endParaRPr lang="en-US" altLang="zh-TW" sz="6400" b="1" dirty="0">
+              <a:solidFill>
+                <a:srgbClr val="000066"/>
+              </a:solidFill>
+              <a:latin typeface="微軟正黑體" pitchFamily="34" charset="-120"/>
+              <a:ea typeface="微軟正黑體" pitchFamily="34" charset="-120"/>
+            </a:endParaRPr>
+          </a:p>
+        </p:txBody>
+      </p:sp>
+    </p:spTree>
+    <p:extLst>
+      <p:ext uri="{BB962C8B-B14F-4D97-AF65-F5344CB8AC3E}">
+        <p14:creationId xmlns:p14="http://schemas.microsoft.com/office/powerpoint/2010/main" val="3702698722"/>
+      </p:ext>
+    </p:extLst>
+  </p:cSld>
+  <p:clrMapOvr>
+    <a:masterClrMapping/>
+  </p:clrMapOvr>
+</p:sld>
+</file>
+
+<file path=ppt/slides/slide17.xml><?xml version="1.0" encoding="utf-8"?>
+<p:sld xmlns:a="http://schemas.openxmlformats.org/drawingml/2006/main" xmlns:r="http://schemas.openxmlformats.org/officeDocument/2006/relationships" xmlns:p="http://schemas.openxmlformats.org/presentationml/2006/main">
+  <p:cSld>
+    <p:spTree>
+      <p:nvGrpSpPr>
+        <p:cNvPr id="1" name=""/>
+        <p:cNvGrpSpPr/>
+        <p:nvPr/>
+      </p:nvGrpSpPr>
+      <p:grpSpPr>
+        <a:xfrm>
+          <a:off x="0" y="0"/>
+          <a:ext cx="0" cy="0"/>
+          <a:chOff x="0" y="0"/>
+          <a:chExt cx="0" cy="0"/>
+        </a:xfrm>
+      </p:grpSpPr>
+      <p:sp>
+        <p:nvSpPr>
+          <p:cNvPr id="5" name="內容版面配置區 4"/>
+          <p:cNvSpPr>
+            <a:spLocks noGrp="1"/>
+          </p:cNvSpPr>
+          <p:nvPr>
+            <p:ph idx="1"/>
+          </p:nvPr>
+        </p:nvSpPr>
+        <p:spPr>
+          <a:xfrm>
+            <a:off x="0" y="2084851"/>
+            <a:ext cx="12192000" cy="2404863"/>
+          </a:xfrm>
+        </p:spPr>
+        <p:txBody>
+          <a:bodyPr anchor="ctr">
+            <a:normAutofit/>
+          </a:bodyPr>
+          <a:lstStyle/>
+          <a:p>
+            <a:pPr marL="0" indent="0" algn="ctr">
+              <a:buNone/>
+            </a:pPr>
+            <a:r>
+              <a:rPr lang="zh-TW" altLang="en-US" sz="6400" b="1" dirty="0">
+                <a:solidFill>
+                  <a:srgbClr val="000066"/>
+                </a:solidFill>
+                <a:latin typeface="微軟正黑體" pitchFamily="34" charset="-120"/>
+                <a:ea typeface="微軟正黑體" pitchFamily="34" charset="-120"/>
+              </a:rPr>
+              <a:t>祢十架甘心犧牲的</a:t>
+            </a:r>
+            <a:r>
+              <a:rPr lang="zh-TW" altLang="en-US" sz="6400" b="1" dirty="0">
+                <a:solidFill>
+                  <a:srgbClr val="000066"/>
+                </a:solidFill>
+                <a:latin typeface="微軟正黑體" pitchFamily="34" charset="-120"/>
+                <a:ea typeface="微軟正黑體" pitchFamily="34" charset="-120"/>
+              </a:rPr>
+              <a:t>愛</a:t>
+            </a:r>
+            <a:endParaRPr lang="en-US" altLang="zh-TW" sz="6400" b="1" dirty="0">
+              <a:solidFill>
+                <a:srgbClr val="000066"/>
+              </a:solidFill>
+              <a:latin typeface="微軟正黑體" pitchFamily="34" charset="-120"/>
+              <a:ea typeface="微軟正黑體" pitchFamily="34" charset="-120"/>
+            </a:endParaRPr>
+          </a:p>
+          <a:p>
+            <a:pPr marL="0" indent="0" algn="ctr">
+              <a:buNone/>
+            </a:pPr>
+            <a:r>
+              <a:rPr lang="zh-TW" altLang="en-US" sz="6400" b="1" dirty="0">
+                <a:solidFill>
+                  <a:srgbClr val="000066"/>
+                </a:solidFill>
+                <a:latin typeface="微軟正黑體" pitchFamily="34" charset="-120"/>
+                <a:ea typeface="微軟正黑體" pitchFamily="34" charset="-120"/>
+              </a:rPr>
+              <a:t>改</a:t>
+            </a:r>
+            <a:r>
+              <a:rPr lang="zh-TW" altLang="en-US" sz="6400" b="1" dirty="0">
+                <a:solidFill>
+                  <a:srgbClr val="000066"/>
+                </a:solidFill>
+                <a:latin typeface="微軟正黑體" pitchFamily="34" charset="-120"/>
+                <a:ea typeface="微軟正黑體" pitchFamily="34" charset="-120"/>
+              </a:rPr>
+              <a:t>寫我下半生 </a:t>
+            </a:r>
+            <a:endParaRPr lang="en-US" altLang="zh-TW" sz="6400" b="1" dirty="0">
+              <a:solidFill>
+                <a:srgbClr val="000066"/>
+              </a:solidFill>
+              <a:latin typeface="微軟正黑體" pitchFamily="34" charset="-120"/>
+              <a:ea typeface="微軟正黑體" pitchFamily="34" charset="-120"/>
+            </a:endParaRPr>
+          </a:p>
+        </p:txBody>
+      </p:sp>
+    </p:spTree>
+    <p:extLst>
+      <p:ext uri="{BB962C8B-B14F-4D97-AF65-F5344CB8AC3E}">
+        <p14:creationId xmlns:p14="http://schemas.microsoft.com/office/powerpoint/2010/main" val="1742955323"/>
+      </p:ext>
+    </p:extLst>
+  </p:cSld>
+  <p:clrMapOvr>
+    <a:masterClrMapping/>
+  </p:clrMapOvr>
+</p:sld>
+</file>
+
+<file path=ppt/slides/slide18.xml><?xml version="1.0" encoding="utf-8"?>
+<p:sld xmlns:a="http://schemas.openxmlformats.org/drawingml/2006/main" xmlns:r="http://schemas.openxmlformats.org/officeDocument/2006/relationships" xmlns:p="http://schemas.openxmlformats.org/presentationml/2006/main">
+  <p:cSld>
+    <p:spTree>
+      <p:nvGrpSpPr>
+        <p:cNvPr id="1" name=""/>
+        <p:cNvGrpSpPr/>
+        <p:nvPr/>
+      </p:nvGrpSpPr>
+      <p:grpSpPr>
+        <a:xfrm>
+          <a:off x="0" y="0"/>
+          <a:ext cx="0" cy="0"/>
+          <a:chOff x="0" y="0"/>
+          <a:chExt cx="0" cy="0"/>
+        </a:xfrm>
+      </p:grpSpPr>
+      <p:sp>
+        <p:nvSpPr>
+          <p:cNvPr id="5" name="內容版面配置區 4"/>
+          <p:cNvSpPr>
+            <a:spLocks noGrp="1"/>
+          </p:cNvSpPr>
+          <p:nvPr>
+            <p:ph idx="1"/>
+          </p:nvPr>
+        </p:nvSpPr>
+        <p:spPr>
+          <a:xfrm>
+            <a:off x="0" y="2084851"/>
+            <a:ext cx="12192000" cy="2404863"/>
+          </a:xfrm>
+        </p:spPr>
+        <p:txBody>
+          <a:bodyPr anchor="ctr">
+            <a:normAutofit/>
+          </a:bodyPr>
+          <a:lstStyle/>
+          <a:p>
+            <a:pPr marL="0" indent="0" algn="ctr">
+              <a:buNone/>
+            </a:pPr>
+            <a:r>
+              <a:rPr lang="zh-TW" altLang="en-US" sz="6400" b="1" dirty="0">
+                <a:solidFill>
+                  <a:srgbClr val="000066"/>
+                </a:solidFill>
+                <a:latin typeface="微軟正黑體" pitchFamily="34" charset="-120"/>
+                <a:ea typeface="微軟正黑體" pitchFamily="34" charset="-120"/>
+              </a:rPr>
+              <a:t>獻盡我心單單高舉</a:t>
+            </a:r>
+            <a:r>
+              <a:rPr lang="zh-TW" altLang="en-US" sz="6400" b="1" dirty="0">
+                <a:solidFill>
+                  <a:srgbClr val="000066"/>
+                </a:solidFill>
+                <a:latin typeface="微軟正黑體" pitchFamily="34" charset="-120"/>
+                <a:ea typeface="微軟正黑體" pitchFamily="34" charset="-120"/>
+              </a:rPr>
+              <a:t>祢</a:t>
+            </a:r>
+            <a:endParaRPr lang="en-US" altLang="zh-TW" sz="6400" b="1" dirty="0">
+              <a:solidFill>
+                <a:srgbClr val="000066"/>
+              </a:solidFill>
+              <a:latin typeface="微軟正黑體" pitchFamily="34" charset="-120"/>
+              <a:ea typeface="微軟正黑體" pitchFamily="34" charset="-120"/>
+            </a:endParaRPr>
+          </a:p>
+          <a:p>
+            <a:pPr marL="0" indent="0" algn="ctr">
+              <a:buNone/>
+            </a:pPr>
+            <a:r>
+              <a:rPr lang="zh-TW" altLang="en-US" sz="6400" b="1" dirty="0">
+                <a:solidFill>
+                  <a:srgbClr val="000066"/>
+                </a:solidFill>
+                <a:latin typeface="微軟正黑體" pitchFamily="34" charset="-120"/>
+                <a:ea typeface="微軟正黑體" pitchFamily="34" charset="-120"/>
+              </a:rPr>
+              <a:t>我</a:t>
+            </a:r>
+            <a:r>
+              <a:rPr lang="zh-TW" altLang="en-US" sz="6400" b="1" dirty="0">
+                <a:solidFill>
+                  <a:srgbClr val="000066"/>
+                </a:solidFill>
+                <a:latin typeface="微軟正黑體" pitchFamily="34" charset="-120"/>
+                <a:ea typeface="微軟正黑體" pitchFamily="34" charset="-120"/>
+              </a:rPr>
+              <a:t>願意一切順服祢的旨意</a:t>
+            </a:r>
+            <a:endParaRPr lang="en-US" altLang="zh-TW" sz="6400" b="1" dirty="0">
+              <a:solidFill>
+                <a:srgbClr val="000066"/>
+              </a:solidFill>
+              <a:latin typeface="微軟正黑體" pitchFamily="34" charset="-120"/>
+              <a:ea typeface="微軟正黑體" pitchFamily="34" charset="-120"/>
+            </a:endParaRPr>
+          </a:p>
+        </p:txBody>
+      </p:sp>
+    </p:spTree>
+    <p:extLst>
+      <p:ext uri="{BB962C8B-B14F-4D97-AF65-F5344CB8AC3E}">
+        <p14:creationId xmlns:p14="http://schemas.microsoft.com/office/powerpoint/2010/main" val="2906914336"/>
+      </p:ext>
+    </p:extLst>
+  </p:cSld>
+  <p:clrMapOvr>
+    <a:masterClrMapping/>
+  </p:clrMapOvr>
+</p:sld>
+</file>
+
+<file path=ppt/slides/slide19.xml><?xml version="1.0" encoding="utf-8"?>
+<p:sld xmlns:a="http://schemas.openxmlformats.org/drawingml/2006/main" xmlns:r="http://schemas.openxmlformats.org/officeDocument/2006/relationships" xmlns:p="http://schemas.openxmlformats.org/presentationml/2006/main">
+  <p:cSld>
+    <p:spTree>
+      <p:nvGrpSpPr>
+        <p:cNvPr id="1" name=""/>
+        <p:cNvGrpSpPr/>
+        <p:nvPr/>
+      </p:nvGrpSpPr>
+      <p:grpSpPr>
+        <a:xfrm>
+          <a:off x="0" y="0"/>
+          <a:ext cx="0" cy="0"/>
+          <a:chOff x="0" y="0"/>
+          <a:chExt cx="0" cy="0"/>
+        </a:xfrm>
+      </p:grpSpPr>
+      <p:sp>
+        <p:nvSpPr>
+          <p:cNvPr id="5" name="內容版面配置區 4"/>
+          <p:cNvSpPr>
+            <a:spLocks noGrp="1"/>
+          </p:cNvSpPr>
+          <p:nvPr>
+            <p:ph idx="1"/>
+          </p:nvPr>
+        </p:nvSpPr>
+        <p:spPr>
+          <a:xfrm>
+            <a:off x="0" y="2084851"/>
+            <a:ext cx="12192000" cy="2404863"/>
+          </a:xfrm>
+        </p:spPr>
+        <p:txBody>
+          <a:bodyPr anchor="ctr">
+            <a:normAutofit/>
+          </a:bodyPr>
+          <a:lstStyle/>
+          <a:p>
+            <a:pPr marL="0" indent="0" algn="ctr">
+              <a:buNone/>
+            </a:pPr>
+            <a:r>
+              <a:rPr lang="zh-TW" altLang="en-US" sz="6400" b="1" dirty="0">
+                <a:solidFill>
+                  <a:srgbClr val="000066"/>
+                </a:solidFill>
+                <a:latin typeface="微軟正黑體" pitchFamily="34" charset="-120"/>
+                <a:ea typeface="微軟正黑體" pitchFamily="34" charset="-120"/>
+              </a:rPr>
+              <a:t>要像耶穌祢委身謙卑 </a:t>
+            </a:r>
+            <a:endParaRPr lang="en-US" altLang="zh-TW" sz="6400" b="1" dirty="0">
+              <a:solidFill>
+                <a:srgbClr val="000066"/>
+              </a:solidFill>
+              <a:latin typeface="微軟正黑體" pitchFamily="34" charset="-120"/>
+              <a:ea typeface="微軟正黑體" pitchFamily="34" charset="-120"/>
+            </a:endParaRPr>
+          </a:p>
+          <a:p>
+            <a:pPr marL="0" indent="0" algn="ctr">
+              <a:buNone/>
+            </a:pPr>
+            <a:r>
+              <a:rPr lang="zh-TW" altLang="en-US" sz="6400" b="1" dirty="0">
+                <a:solidFill>
+                  <a:srgbClr val="000066"/>
+                </a:solidFill>
+                <a:latin typeface="微軟正黑體" pitchFamily="34" charset="-120"/>
+                <a:ea typeface="微軟正黑體" pitchFamily="34" charset="-120"/>
+              </a:rPr>
+              <a:t>放低我的所有</a:t>
+            </a:r>
+            <a:endParaRPr lang="en-US" altLang="zh-TW" sz="6400" b="1" dirty="0">
+              <a:solidFill>
+                <a:srgbClr val="000066"/>
+              </a:solidFill>
+              <a:latin typeface="微軟正黑體" pitchFamily="34" charset="-120"/>
+              <a:ea typeface="微軟正黑體" pitchFamily="34" charset="-120"/>
+            </a:endParaRPr>
+          </a:p>
+        </p:txBody>
+      </p:sp>
+    </p:spTree>
+    <p:extLst>
+      <p:ext uri="{BB962C8B-B14F-4D97-AF65-F5344CB8AC3E}">
+        <p14:creationId xmlns:p14="http://schemas.microsoft.com/office/powerpoint/2010/main" val="2417546981"/>
+      </p:ext>
+    </p:extLst>
+  </p:cSld>
+  <p:clrMapOvr>
+    <a:masterClrMapping/>
+  </p:clrMapOvr>
 </p:sld>
 </file>
 
@@ -3328,247 +4320,188 @@
       </p:grpSpPr>
       <p:sp>
         <p:nvSpPr>
-          <p:cNvPr id="2" name="標題 1"/>
-          <p:cNvSpPr>
-            <a:spLocks noGrp="1"/>
-          </p:cNvSpPr>
-          <p:nvPr>
-            <p:ph type="ctrTitle"/>
+          <p:cNvPr id="5" name="內容版面配置區 4"/>
+          <p:cNvSpPr>
+            <a:spLocks noGrp="1"/>
+          </p:cNvSpPr>
+          <p:nvPr>
+            <p:ph idx="1"/>
           </p:nvPr>
         </p:nvSpPr>
         <p:spPr>
           <a:xfrm>
-            <a:off x="642910" y="-285776"/>
-            <a:ext cx="7772400" cy="1470025"/>
+            <a:off x="0" y="2084851"/>
+            <a:ext cx="12192000" cy="2404863"/>
           </a:xfrm>
         </p:spPr>
         <p:txBody>
-          <a:bodyPr>
+          <a:bodyPr anchor="ctr">
             <a:normAutofit/>
           </a:bodyPr>
           <a:lstStyle/>
           <a:p>
-            <a:r>
-              <a:rPr lang="zh-TW" altLang="en-US" sz="3600" b="1" u="sng" dirty="0">
-                <a:solidFill>
-                  <a:srgbClr val="002060"/>
-                </a:solidFill>
-              </a:rPr>
-              <a:t>靠著祢寶血 </a:t>
-            </a:r>
-          </a:p>
-        </p:txBody>
-      </p:sp>
-      <p:sp>
-        <p:nvSpPr>
-          <p:cNvPr id="3" name="副標題 2"/>
-          <p:cNvSpPr>
-            <a:spLocks noGrp="1"/>
-          </p:cNvSpPr>
-          <p:nvPr>
-            <p:ph type="subTitle" idx="1"/>
-          </p:nvPr>
-        </p:nvSpPr>
-        <p:spPr>
-          <a:xfrm>
-            <a:off x="0" y="1176334"/>
-            <a:ext cx="9144000" cy="1752600"/>
-          </a:xfrm>
-        </p:spPr>
-        <p:txBody>
-          <a:bodyPr>
-            <a:noAutofit/>
-          </a:bodyPr>
-          <a:lstStyle/>
-          <a:p>
-            <a:r>
-              <a:rPr lang="zh-TW" altLang="en-US" sz="4400" b="1" dirty="0">
-                <a:solidFill>
-                  <a:srgbClr val="002060"/>
-                </a:solidFill>
-              </a:rPr>
-              <a:t>如何能重獲安穩 </a:t>
-            </a:r>
-            <a:endParaRPr lang="en-US" altLang="zh-TW" sz="4400" b="1" dirty="0" smtClean="0">
+            <a:pPr marL="0" indent="0" algn="ctr">
+              <a:buNone/>
+            </a:pPr>
+            <a:r>
+              <a:rPr lang="zh-TW" altLang="en-US" sz="6400" b="1" dirty="0">
+                <a:solidFill>
+                  <a:srgbClr val="000066"/>
+                </a:solidFill>
+                <a:latin typeface="微軟正黑體" pitchFamily="34" charset="-120"/>
+                <a:ea typeface="微軟正黑體" pitchFamily="34" charset="-120"/>
+              </a:rPr>
+              <a:t>如</a:t>
+            </a:r>
+            <a:r>
+              <a:rPr lang="zh-TW" altLang="en-US" sz="6400" b="1" dirty="0">
+                <a:solidFill>
+                  <a:srgbClr val="000066"/>
+                </a:solidFill>
+                <a:latin typeface="微軟正黑體" pitchFamily="34" charset="-120"/>
+                <a:ea typeface="微軟正黑體" pitchFamily="34" charset="-120"/>
+              </a:rPr>
+              <a:t>何能除掉我罪 </a:t>
+            </a:r>
+            <a:endParaRPr lang="en-US" altLang="zh-TW" sz="6400" b="1" dirty="0">
               <a:solidFill>
-                <a:srgbClr val="002060"/>
+                <a:srgbClr val="000066"/>
               </a:solidFill>
+              <a:latin typeface="微軟正黑體" pitchFamily="34" charset="-120"/>
+              <a:ea typeface="微軟正黑體" pitchFamily="34" charset="-120"/>
             </a:endParaRPr>
           </a:p>
           <a:p>
-            <a:r>
-              <a:rPr lang="zh-TW" altLang="en-US" sz="4400" b="1" dirty="0" smtClean="0">
-                <a:solidFill>
-                  <a:srgbClr val="002060"/>
-                </a:solidFill>
-              </a:rPr>
-              <a:t>靠</a:t>
-            </a:r>
-            <a:r>
-              <a:rPr lang="zh-TW" altLang="en-US" sz="4400" b="1" dirty="0">
-                <a:solidFill>
-                  <a:srgbClr val="002060"/>
-                </a:solidFill>
-              </a:rPr>
-              <a:t>我救主基督寶</a:t>
-            </a:r>
-            <a:r>
-              <a:rPr lang="zh-TW" altLang="en-US" sz="4400" b="1" dirty="0" smtClean="0">
-                <a:solidFill>
-                  <a:srgbClr val="002060"/>
-                </a:solidFill>
-              </a:rPr>
-              <a:t>血</a:t>
-            </a:r>
-            <a:endParaRPr lang="en-US" altLang="zh-TW" sz="4400" b="1" dirty="0" smtClean="0">
+            <a:pPr marL="0" indent="0" algn="ctr">
+              <a:buNone/>
+            </a:pPr>
+            <a:r>
+              <a:rPr lang="zh-TW" altLang="en-US" sz="6400" b="1" dirty="0">
+                <a:solidFill>
+                  <a:srgbClr val="000066"/>
+                </a:solidFill>
+                <a:latin typeface="微軟正黑體" pitchFamily="34" charset="-120"/>
+                <a:ea typeface="微軟正黑體" pitchFamily="34" charset="-120"/>
+              </a:rPr>
+              <a:t>靠我救主基督寶血</a:t>
+            </a:r>
+            <a:endParaRPr lang="en-US" altLang="zh-TW" sz="6400" b="1" dirty="0">
               <a:solidFill>
-                <a:srgbClr val="002060"/>
+                <a:srgbClr val="000066"/>
               </a:solidFill>
+              <a:latin typeface="微軟正黑體" pitchFamily="34" charset="-120"/>
+              <a:ea typeface="微軟正黑體" pitchFamily="34" charset="-120"/>
             </a:endParaRPr>
           </a:p>
-          <a:p>
-            <a:r>
-              <a:rPr lang="zh-TW" altLang="en-US" sz="4400" b="1" dirty="0" smtClean="0">
-                <a:solidFill>
-                  <a:srgbClr val="002060"/>
-                </a:solidFill>
-              </a:rPr>
-              <a:t>祈求</a:t>
-            </a:r>
-            <a:r>
-              <a:rPr lang="zh-TW" altLang="en-US" sz="4400" b="1" dirty="0">
-                <a:solidFill>
-                  <a:srgbClr val="002060"/>
-                </a:solidFill>
-              </a:rPr>
-              <a:t>完全被潔淨 </a:t>
-            </a:r>
-            <a:endParaRPr lang="en-US" altLang="zh-TW" sz="4400" b="1" dirty="0" smtClean="0">
-              <a:solidFill>
-                <a:srgbClr val="002060"/>
-              </a:solidFill>
-            </a:endParaRPr>
-          </a:p>
-          <a:p>
-            <a:r>
-              <a:rPr lang="zh-TW" altLang="en-US" sz="4400" b="1" dirty="0" smtClean="0">
-                <a:solidFill>
-                  <a:srgbClr val="002060"/>
-                </a:solidFill>
-              </a:rPr>
-              <a:t>靠</a:t>
-            </a:r>
-            <a:r>
-              <a:rPr lang="zh-TW" altLang="en-US" sz="4400" b="1" dirty="0">
-                <a:solidFill>
-                  <a:srgbClr val="002060"/>
-                </a:solidFill>
-              </a:rPr>
-              <a:t>我救主基督寶血</a:t>
-            </a:r>
-            <a:endParaRPr lang="en-US" altLang="zh-TW" sz="4400" b="1" dirty="0" smtClean="0">
-              <a:solidFill>
-                <a:srgbClr val="002060"/>
-              </a:solidFill>
-              <a:latin typeface="+mj-ea"/>
-              <a:ea typeface="+mj-ea"/>
-            </a:endParaRPr>
-          </a:p>
-          <a:p>
-            <a:r>
-              <a:rPr lang="zh-TW" altLang="en-US" sz="4400" b="1" dirty="0">
-                <a:solidFill>
-                  <a:srgbClr val="002060"/>
-                </a:solidFill>
-                <a:latin typeface="+mj-ea"/>
-                <a:ea typeface="+mj-ea"/>
-              </a:rPr>
-              <a:t>主被懸十架上 洒寶血全然為</a:t>
-            </a:r>
-            <a:r>
-              <a:rPr lang="zh-TW" altLang="en-US" sz="4400" b="1" dirty="0" smtClean="0">
-                <a:solidFill>
-                  <a:srgbClr val="002060"/>
-                </a:solidFill>
-                <a:latin typeface="+mj-ea"/>
-                <a:ea typeface="+mj-ea"/>
-              </a:rPr>
-              <a:t>我</a:t>
-            </a:r>
-            <a:endParaRPr lang="en-US" altLang="zh-TW" sz="4400" b="1" dirty="0" smtClean="0">
-              <a:solidFill>
-                <a:srgbClr val="002060"/>
-              </a:solidFill>
-              <a:latin typeface="+mj-ea"/>
-              <a:ea typeface="+mj-ea"/>
-            </a:endParaRPr>
-          </a:p>
-          <a:p>
-            <a:r>
-              <a:rPr lang="zh-TW" altLang="en-US" sz="4400" b="1" dirty="0" smtClean="0">
-                <a:solidFill>
-                  <a:srgbClr val="002060"/>
-                </a:solidFill>
-                <a:latin typeface="+mj-ea"/>
-                <a:ea typeface="+mj-ea"/>
-              </a:rPr>
-              <a:t>今使</a:t>
-            </a:r>
-            <a:r>
-              <a:rPr lang="zh-TW" altLang="en-US" sz="4400" b="1" dirty="0">
-                <a:solidFill>
-                  <a:srgbClr val="002060"/>
-                </a:solidFill>
-                <a:latin typeface="+mj-ea"/>
-                <a:ea typeface="+mj-ea"/>
-              </a:rPr>
-              <a:t>我像雪白 靠我救主基督寶血</a:t>
-            </a:r>
-          </a:p>
-        </p:txBody>
-      </p:sp>
-      <p:sp>
-        <p:nvSpPr>
-          <p:cNvPr id="4" name="文字方塊 3"/>
-          <p:cNvSpPr txBox="1"/>
-          <p:nvPr/>
-        </p:nvSpPr>
-        <p:spPr>
-          <a:xfrm>
-            <a:off x="8429652" y="142852"/>
-            <a:ext cx="614271" cy="461665"/>
-          </a:xfrm>
-          <a:prstGeom prst="rect">
-            <a:avLst/>
-          </a:prstGeom>
-          <a:noFill/>
-        </p:spPr>
-        <p:txBody>
-          <a:bodyPr wrap="none" rtlCol="0">
-            <a:spAutoFit/>
-          </a:bodyPr>
-          <a:lstStyle/>
-          <a:p>
-            <a:r>
-              <a:rPr lang="en-US" altLang="zh-TW" sz="2400" dirty="0" smtClean="0"/>
-              <a:t>2/3</a:t>
-            </a:r>
-            <a:endParaRPr lang="zh-TW" altLang="en-US" sz="2400" dirty="0"/>
-          </a:p>
         </p:txBody>
       </p:sp>
     </p:spTree>
+    <p:extLst>
+      <p:ext uri="{BB962C8B-B14F-4D97-AF65-F5344CB8AC3E}">
+        <p14:creationId xmlns:p14="http://schemas.microsoft.com/office/powerpoint/2010/main" val="2684613543"/>
+      </p:ext>
+    </p:extLst>
   </p:cSld>
   <p:clrMapOvr>
     <a:masterClrMapping/>
   </p:clrMapOvr>
-  <p:timing>
-    <p:tnLst>
-      <p:par>
-        <p:cTn id="1" dur="indefinite" restart="never" nodeType="tmRoot"/>
-      </p:par>
-    </p:tnLst>
-  </p:timing>
+</p:sld>
+</file>
+
+<file path=ppt/slides/slide20.xml><?xml version="1.0" encoding="utf-8"?>
+<p:sld xmlns:a="http://schemas.openxmlformats.org/drawingml/2006/main" xmlns:r="http://schemas.openxmlformats.org/officeDocument/2006/relationships" xmlns:p="http://schemas.openxmlformats.org/presentationml/2006/main">
+  <p:cSld>
+    <p:spTree>
+      <p:nvGrpSpPr>
+        <p:cNvPr id="1" name=""/>
+        <p:cNvGrpSpPr/>
+        <p:nvPr/>
+      </p:nvGrpSpPr>
+      <p:grpSpPr>
+        <a:xfrm>
+          <a:off x="0" y="0"/>
+          <a:ext cx="0" cy="0"/>
+          <a:chOff x="0" y="0"/>
+          <a:chExt cx="0" cy="0"/>
+        </a:xfrm>
+      </p:grpSpPr>
+      <p:sp>
+        <p:nvSpPr>
+          <p:cNvPr id="5" name="內容版面配置區 4"/>
+          <p:cNvSpPr>
+            <a:spLocks noGrp="1"/>
+          </p:cNvSpPr>
+          <p:nvPr>
+            <p:ph idx="1"/>
+          </p:nvPr>
+        </p:nvSpPr>
+        <p:spPr>
+          <a:xfrm>
+            <a:off x="0" y="2084851"/>
+            <a:ext cx="12192000" cy="2404863"/>
+          </a:xfrm>
+        </p:spPr>
+        <p:txBody>
+          <a:bodyPr anchor="ctr">
+            <a:normAutofit/>
+          </a:bodyPr>
+          <a:lstStyle/>
+          <a:p>
+            <a:pPr marL="0" indent="0" algn="ctr">
+              <a:buNone/>
+            </a:pPr>
+            <a:r>
+              <a:rPr lang="zh-TW" altLang="en-US" sz="6400" b="1" dirty="0">
+                <a:solidFill>
+                  <a:srgbClr val="000066"/>
+                </a:solidFill>
+                <a:latin typeface="微軟正黑體" pitchFamily="34" charset="-120"/>
+                <a:ea typeface="微軟正黑體" pitchFamily="34" charset="-120"/>
+              </a:rPr>
+              <a:t>我已完全被更新</a:t>
+            </a:r>
+            <a:endParaRPr lang="en-US" altLang="zh-TW" sz="6400" b="1" dirty="0">
+              <a:solidFill>
+                <a:srgbClr val="000066"/>
+              </a:solidFill>
+              <a:latin typeface="微軟正黑體" pitchFamily="34" charset="-120"/>
+              <a:ea typeface="微軟正黑體" pitchFamily="34" charset="-120"/>
+            </a:endParaRPr>
+          </a:p>
+          <a:p>
+            <a:pPr marL="0" indent="0" algn="ctr">
+              <a:buNone/>
+            </a:pPr>
+            <a:r>
+              <a:rPr lang="zh-TW" altLang="en-US" sz="6400" b="1" dirty="0">
+                <a:solidFill>
+                  <a:srgbClr val="000066"/>
+                </a:solidFill>
+                <a:latin typeface="微軟正黑體" pitchFamily="34" charset="-120"/>
+                <a:ea typeface="微軟正黑體" pitchFamily="34" charset="-120"/>
+              </a:rPr>
+              <a:t> 靠我救主基督寶血</a:t>
+            </a:r>
+            <a:endParaRPr lang="en-US" altLang="zh-TW" sz="6400" b="1" dirty="0">
+              <a:solidFill>
+                <a:srgbClr val="000066"/>
+              </a:solidFill>
+              <a:latin typeface="微軟正黑體" pitchFamily="34" charset="-120"/>
+              <a:ea typeface="微軟正黑體" pitchFamily="34" charset="-120"/>
+            </a:endParaRPr>
+          </a:p>
+        </p:txBody>
+      </p:sp>
+    </p:spTree>
+    <p:extLst>
+      <p:ext uri="{BB962C8B-B14F-4D97-AF65-F5344CB8AC3E}">
+        <p14:creationId xmlns:p14="http://schemas.microsoft.com/office/powerpoint/2010/main" val="4021783698"/>
+      </p:ext>
+    </p:extLst>
+  </p:cSld>
+  <p:clrMapOvr>
+    <a:masterClrMapping/>
+  </p:clrMapOvr>
 </p:sld>
 </file>
 
@@ -3591,215 +4524,81 @@
       </p:grpSpPr>
       <p:sp>
         <p:nvSpPr>
-          <p:cNvPr id="2" name="標題 1"/>
-          <p:cNvSpPr>
-            <a:spLocks noGrp="1"/>
-          </p:cNvSpPr>
-          <p:nvPr>
-            <p:ph type="ctrTitle"/>
+          <p:cNvPr id="5" name="內容版面配置區 4"/>
+          <p:cNvSpPr>
+            <a:spLocks noGrp="1"/>
+          </p:cNvSpPr>
+          <p:nvPr>
+            <p:ph idx="1"/>
           </p:nvPr>
         </p:nvSpPr>
         <p:spPr>
           <a:xfrm>
-            <a:off x="642910" y="-285776"/>
-            <a:ext cx="7772400" cy="1470025"/>
+            <a:off x="0" y="2084851"/>
+            <a:ext cx="12192000" cy="2404863"/>
           </a:xfrm>
         </p:spPr>
         <p:txBody>
-          <a:bodyPr>
+          <a:bodyPr anchor="ctr">
             <a:normAutofit/>
           </a:bodyPr>
           <a:lstStyle/>
           <a:p>
-            <a:r>
-              <a:rPr lang="zh-TW" altLang="en-US" sz="3600" b="1" u="sng" dirty="0">
-                <a:solidFill>
-                  <a:srgbClr val="002060"/>
-                </a:solidFill>
-              </a:rPr>
-              <a:t>靠著祢寶血 </a:t>
-            </a:r>
-          </a:p>
-        </p:txBody>
-      </p:sp>
-      <p:sp>
-        <p:nvSpPr>
-          <p:cNvPr id="3" name="副標題 2"/>
-          <p:cNvSpPr>
-            <a:spLocks noGrp="1"/>
-          </p:cNvSpPr>
-          <p:nvPr>
-            <p:ph type="subTitle" idx="1"/>
-          </p:nvPr>
-        </p:nvSpPr>
-        <p:spPr>
-          <a:xfrm>
-            <a:off x="0" y="928670"/>
-            <a:ext cx="9144000" cy="5681666"/>
-          </a:xfrm>
-        </p:spPr>
-        <p:txBody>
-          <a:bodyPr anchor="ctr">
-            <a:noAutofit/>
-          </a:bodyPr>
-          <a:lstStyle/>
-          <a:p>
-            <a:r>
-              <a:rPr lang="zh-TW" altLang="en-US" sz="5400" b="1" dirty="0" smtClean="0">
-                <a:solidFill>
-                  <a:srgbClr val="002060"/>
-                </a:solidFill>
-                <a:latin typeface="+mn-ea"/>
-              </a:rPr>
-              <a:t>賜予</a:t>
-            </a:r>
-            <a:r>
-              <a:rPr lang="zh-TW" altLang="en-US" sz="5400" b="1" dirty="0">
-                <a:solidFill>
-                  <a:srgbClr val="002060"/>
-                </a:solidFill>
-                <a:latin typeface="+mn-ea"/>
-              </a:rPr>
-              <a:t>我無盡豐盛 </a:t>
-            </a:r>
-            <a:endParaRPr lang="en-US" altLang="zh-TW" sz="5400" b="1" dirty="0" smtClean="0">
+            <a:pPr marL="0" indent="0" algn="ctr">
+              <a:buNone/>
+            </a:pPr>
+            <a:r>
+              <a:rPr lang="zh-TW" altLang="en-US" sz="6400" b="1" dirty="0">
+                <a:solidFill>
+                  <a:srgbClr val="000066"/>
+                </a:solidFill>
+                <a:latin typeface="微軟正黑體" pitchFamily="34" charset="-120"/>
+                <a:ea typeface="微軟正黑體" pitchFamily="34" charset="-120"/>
+              </a:rPr>
+              <a:t>如何能重造生命 </a:t>
+            </a:r>
+            <a:endParaRPr lang="en-US" altLang="zh-TW" sz="6400" b="1" dirty="0">
               <a:solidFill>
-                <a:srgbClr val="002060"/>
+                <a:srgbClr val="000066"/>
               </a:solidFill>
-              <a:latin typeface="+mn-ea"/>
+              <a:latin typeface="微軟正黑體" pitchFamily="34" charset="-120"/>
+              <a:ea typeface="微軟正黑體" pitchFamily="34" charset="-120"/>
             </a:endParaRPr>
           </a:p>
           <a:p>
-            <a:r>
-              <a:rPr lang="zh-TW" altLang="en-US" sz="5400" b="1" dirty="0" smtClean="0">
-                <a:solidFill>
-                  <a:srgbClr val="002060"/>
-                </a:solidFill>
-                <a:latin typeface="+mn-ea"/>
-              </a:rPr>
-              <a:t>靠</a:t>
-            </a:r>
-            <a:r>
-              <a:rPr lang="zh-TW" altLang="en-US" sz="5400" b="1" dirty="0">
-                <a:solidFill>
-                  <a:srgbClr val="002060"/>
-                </a:solidFill>
-                <a:latin typeface="+mn-ea"/>
-              </a:rPr>
-              <a:t>我救主基督寶</a:t>
-            </a:r>
-            <a:r>
-              <a:rPr lang="zh-TW" altLang="en-US" sz="5400" b="1" dirty="0" smtClean="0">
-                <a:solidFill>
-                  <a:srgbClr val="002060"/>
-                </a:solidFill>
-                <a:latin typeface="+mn-ea"/>
-              </a:rPr>
-              <a:t>血</a:t>
-            </a:r>
-            <a:endParaRPr lang="en-US" altLang="zh-TW" sz="5400" b="1" dirty="0" smtClean="0">
+            <a:pPr marL="0" indent="0" algn="ctr">
+              <a:buNone/>
+            </a:pPr>
+            <a:r>
+              <a:rPr lang="zh-TW" altLang="en-US" sz="6400" b="1" dirty="0">
+                <a:solidFill>
+                  <a:srgbClr val="000066"/>
+                </a:solidFill>
+                <a:latin typeface="微軟正黑體" pitchFamily="34" charset="-120"/>
+                <a:ea typeface="微軟正黑體" pitchFamily="34" charset="-120"/>
+              </a:rPr>
+              <a:t>靠我救主基督寶血</a:t>
+            </a:r>
+            <a:endParaRPr lang="en-US" altLang="zh-TW" sz="6400" b="1" dirty="0">
               <a:solidFill>
-                <a:srgbClr val="002060"/>
+                <a:srgbClr val="000066"/>
               </a:solidFill>
-              <a:latin typeface="+mn-ea"/>
+              <a:latin typeface="微軟正黑體" pitchFamily="34" charset="-120"/>
+              <a:ea typeface="微軟正黑體" pitchFamily="34" charset="-120"/>
             </a:endParaRPr>
           </a:p>
-          <a:p>
-            <a:r>
-              <a:rPr lang="zh-TW" altLang="en-US" sz="5400" b="1" dirty="0" smtClean="0">
-                <a:solidFill>
-                  <a:srgbClr val="002060"/>
-                </a:solidFill>
-                <a:latin typeface="+mn-ea"/>
-              </a:rPr>
-              <a:t>賜予</a:t>
-            </a:r>
-            <a:r>
-              <a:rPr lang="zh-TW" altLang="en-US" sz="5400" b="1" dirty="0">
-                <a:solidFill>
-                  <a:srgbClr val="002060"/>
-                </a:solidFill>
-                <a:latin typeface="+mn-ea"/>
-              </a:rPr>
-              <a:t>我能力盼望 </a:t>
-            </a:r>
-            <a:endParaRPr lang="en-US" altLang="zh-TW" sz="5400" b="1" dirty="0" smtClean="0">
-              <a:solidFill>
-                <a:srgbClr val="002060"/>
-              </a:solidFill>
-              <a:latin typeface="+mn-ea"/>
-            </a:endParaRPr>
-          </a:p>
-          <a:p>
-            <a:r>
-              <a:rPr lang="zh-TW" altLang="en-US" sz="5400" b="1" dirty="0" smtClean="0">
-                <a:solidFill>
-                  <a:srgbClr val="002060"/>
-                </a:solidFill>
-                <a:latin typeface="+mn-ea"/>
-              </a:rPr>
-              <a:t>靠</a:t>
-            </a:r>
-            <a:r>
-              <a:rPr lang="zh-TW" altLang="en-US" sz="5400" b="1" dirty="0">
-                <a:solidFill>
-                  <a:srgbClr val="002060"/>
-                </a:solidFill>
-                <a:latin typeface="+mn-ea"/>
-              </a:rPr>
-              <a:t>我救主基督寶血</a:t>
-            </a:r>
-            <a:endParaRPr lang="en-US" altLang="zh-TW" sz="5400" b="1" dirty="0" smtClean="0">
-              <a:solidFill>
-                <a:srgbClr val="002060"/>
-              </a:solidFill>
-              <a:latin typeface="+mn-ea"/>
-            </a:endParaRPr>
-          </a:p>
-        </p:txBody>
-      </p:sp>
-      <p:sp>
-        <p:nvSpPr>
-          <p:cNvPr id="4" name="文字方塊 3"/>
-          <p:cNvSpPr txBox="1"/>
-          <p:nvPr/>
-        </p:nvSpPr>
-        <p:spPr>
-          <a:xfrm>
-            <a:off x="8429652" y="142852"/>
-            <a:ext cx="614271" cy="461665"/>
-          </a:xfrm>
-          <a:prstGeom prst="rect">
-            <a:avLst/>
-          </a:prstGeom>
-          <a:noFill/>
-        </p:spPr>
-        <p:txBody>
-          <a:bodyPr wrap="none" rtlCol="0">
-            <a:spAutoFit/>
-          </a:bodyPr>
-          <a:lstStyle/>
-          <a:p>
-            <a:r>
-              <a:rPr lang="en-US" altLang="zh-TW" sz="2400" dirty="0" smtClean="0"/>
-              <a:t>3/3</a:t>
-            </a:r>
-            <a:endParaRPr lang="zh-TW" altLang="en-US" sz="2400" dirty="0"/>
-          </a:p>
         </p:txBody>
       </p:sp>
     </p:spTree>
+    <p:extLst>
+      <p:ext uri="{BB962C8B-B14F-4D97-AF65-F5344CB8AC3E}">
+        <p14:creationId xmlns:p14="http://schemas.microsoft.com/office/powerpoint/2010/main" val="2011898007"/>
+      </p:ext>
+    </p:extLst>
   </p:cSld>
   <p:clrMapOvr>
     <a:masterClrMapping/>
   </p:clrMapOvr>
-  <p:timing>
-    <p:tnLst>
-      <p:par>
-        <p:cTn id="1" dur="indefinite" restart="never" nodeType="tmRoot"/>
-      </p:par>
-    </p:tnLst>
-  </p:timing>
 </p:sld>
 </file>
 
@@ -3822,272 +4621,101 @@
       </p:grpSpPr>
       <p:sp>
         <p:nvSpPr>
-          <p:cNvPr id="2" name="標題 1"/>
-          <p:cNvSpPr>
-            <a:spLocks noGrp="1"/>
-          </p:cNvSpPr>
-          <p:nvPr>
-            <p:ph type="ctrTitle"/>
+          <p:cNvPr id="5" name="內容版面配置區 4"/>
+          <p:cNvSpPr>
+            <a:spLocks noGrp="1"/>
+          </p:cNvSpPr>
+          <p:nvPr>
+            <p:ph idx="1"/>
           </p:nvPr>
         </p:nvSpPr>
         <p:spPr>
           <a:xfrm>
-            <a:off x="642910" y="-285776"/>
-            <a:ext cx="7772400" cy="1470025"/>
+            <a:off x="0" y="2084851"/>
+            <a:ext cx="12192000" cy="2404863"/>
           </a:xfrm>
         </p:spPr>
         <p:txBody>
-          <a:bodyPr>
+          <a:bodyPr anchor="ctr">
             <a:normAutofit/>
           </a:bodyPr>
           <a:lstStyle/>
           <a:p>
-            <a:r>
-              <a:rPr lang="zh-TW" altLang="en-US" sz="3600" b="1" u="sng" dirty="0">
-                <a:solidFill>
-                  <a:srgbClr val="002060"/>
-                </a:solidFill>
-              </a:rPr>
-              <a:t>靠著祢寶血 </a:t>
-            </a:r>
-          </a:p>
-        </p:txBody>
-      </p:sp>
-      <p:sp>
-        <p:nvSpPr>
-          <p:cNvPr id="3" name="副標題 2"/>
-          <p:cNvSpPr>
-            <a:spLocks noGrp="1"/>
-          </p:cNvSpPr>
-          <p:nvPr>
-            <p:ph type="subTitle" idx="1"/>
-          </p:nvPr>
-        </p:nvSpPr>
-        <p:spPr>
-          <a:xfrm>
-            <a:off x="0" y="857232"/>
-            <a:ext cx="9144000" cy="1752600"/>
-          </a:xfrm>
-        </p:spPr>
-        <p:txBody>
-          <a:bodyPr wrap="none">
-            <a:noAutofit/>
-          </a:bodyPr>
-          <a:lstStyle/>
-          <a:p>
-            <a:r>
-              <a:rPr lang="zh-TW" altLang="en-US" sz="4400" b="1" dirty="0">
-                <a:solidFill>
-                  <a:srgbClr val="002060"/>
-                </a:solidFill>
-              </a:rPr>
-              <a:t>靠著祢寶血我得自由</a:t>
-            </a:r>
-            <a:r>
-              <a:rPr lang="zh-TW" altLang="en-US" sz="4400" b="1" dirty="0" smtClean="0">
-                <a:solidFill>
-                  <a:srgbClr val="002060"/>
-                </a:solidFill>
-              </a:rPr>
-              <a:t/>
-            </a:r>
-            <a:br>
-              <a:rPr lang="zh-TW" altLang="en-US" sz="4400" b="1" dirty="0" smtClean="0">
-                <a:solidFill>
-                  <a:srgbClr val="002060"/>
-                </a:solidFill>
-              </a:rPr>
-            </a:br>
-            <a:r>
-              <a:rPr lang="zh-TW" altLang="en-US" sz="4400" b="1" dirty="0">
-                <a:solidFill>
-                  <a:srgbClr val="002060"/>
-                </a:solidFill>
-              </a:rPr>
-              <a:t>靠著祢寶血救贖我得釋放</a:t>
-            </a:r>
-            <a:r>
-              <a:rPr lang="zh-TW" altLang="en-US" sz="4400" b="1" dirty="0" smtClean="0">
-                <a:solidFill>
-                  <a:srgbClr val="002060"/>
-                </a:solidFill>
-              </a:rPr>
-              <a:t/>
-            </a:r>
-            <a:br>
-              <a:rPr lang="zh-TW" altLang="en-US" sz="4400" b="1" dirty="0" smtClean="0">
-                <a:solidFill>
-                  <a:srgbClr val="002060"/>
-                </a:solidFill>
-              </a:rPr>
-            </a:br>
-            <a:r>
-              <a:rPr lang="zh-TW" altLang="en-US" sz="4400" b="1" dirty="0">
-                <a:solidFill>
-                  <a:srgbClr val="002060"/>
-                </a:solidFill>
-              </a:rPr>
-              <a:t>祢十架甘心犧牲的愛</a:t>
-            </a:r>
-            <a:r>
-              <a:rPr lang="zh-TW" altLang="en-US" sz="4400" b="1" dirty="0" smtClean="0">
-                <a:solidFill>
-                  <a:srgbClr val="002060"/>
-                </a:solidFill>
-              </a:rPr>
-              <a:t/>
-            </a:r>
-            <a:br>
-              <a:rPr lang="zh-TW" altLang="en-US" sz="4400" b="1" dirty="0" smtClean="0">
-                <a:solidFill>
-                  <a:srgbClr val="002060"/>
-                </a:solidFill>
-              </a:rPr>
-            </a:br>
-            <a:r>
-              <a:rPr lang="zh-TW" altLang="en-US" sz="4400" b="1" dirty="0">
-                <a:solidFill>
-                  <a:srgbClr val="002060"/>
-                </a:solidFill>
-              </a:rPr>
-              <a:t>改寫了我一生 </a:t>
-            </a:r>
-            <a:endParaRPr lang="en-US" altLang="zh-TW" sz="4400" b="1" dirty="0" smtClean="0">
+            <a:pPr marL="0" indent="0" algn="ctr">
+              <a:buNone/>
+            </a:pPr>
+            <a:r>
+              <a:rPr lang="zh-TW" altLang="en-US" sz="6400" b="1" dirty="0">
+                <a:solidFill>
+                  <a:srgbClr val="000066"/>
+                </a:solidFill>
+                <a:latin typeface="微軟正黑體" pitchFamily="34" charset="-120"/>
+                <a:ea typeface="微軟正黑體" pitchFamily="34" charset="-120"/>
+              </a:rPr>
+              <a:t>主被懸十架</a:t>
+            </a:r>
+            <a:r>
+              <a:rPr lang="zh-TW" altLang="en-US" sz="6400" b="1" dirty="0">
+                <a:solidFill>
+                  <a:srgbClr val="000066"/>
+                </a:solidFill>
+                <a:latin typeface="微軟正黑體" pitchFamily="34" charset="-120"/>
+                <a:ea typeface="微軟正黑體" pitchFamily="34" charset="-120"/>
+              </a:rPr>
+              <a:t>上</a:t>
+            </a:r>
+            <a:endParaRPr lang="en-US" altLang="zh-TW" sz="6400" b="1" dirty="0">
               <a:solidFill>
-                <a:srgbClr val="002060"/>
+                <a:srgbClr val="000066"/>
               </a:solidFill>
+              <a:latin typeface="微軟正黑體" pitchFamily="34" charset="-120"/>
+              <a:ea typeface="微軟正黑體" pitchFamily="34" charset="-120"/>
             </a:endParaRPr>
           </a:p>
           <a:p>
-            <a:r>
-              <a:rPr lang="zh-TW" altLang="en-US" sz="4400" b="1" dirty="0">
-                <a:solidFill>
-                  <a:srgbClr val="002060"/>
-                </a:solidFill>
-                <a:latin typeface="+mn-ea"/>
-              </a:rPr>
-              <a:t>獻盡我心單單高舉祢</a:t>
-            </a:r>
-            <a:r>
-              <a:rPr lang="zh-TW" altLang="en-US" sz="4400" b="1" dirty="0" smtClean="0">
-                <a:solidFill>
-                  <a:srgbClr val="002060"/>
-                </a:solidFill>
-                <a:latin typeface="+mn-ea"/>
-              </a:rPr>
-              <a:t/>
-            </a:r>
-            <a:br>
-              <a:rPr lang="zh-TW" altLang="en-US" sz="4400" b="1" dirty="0" smtClean="0">
-                <a:solidFill>
-                  <a:srgbClr val="002060"/>
-                </a:solidFill>
-                <a:latin typeface="+mn-ea"/>
-              </a:rPr>
-            </a:br>
-            <a:r>
-              <a:rPr lang="zh-TW" altLang="en-US" sz="4400" b="1" dirty="0">
-                <a:solidFill>
-                  <a:srgbClr val="002060"/>
-                </a:solidFill>
-                <a:latin typeface="+mn-ea"/>
-              </a:rPr>
-              <a:t>我願意一生跟主腳蹤方向 </a:t>
-            </a:r>
-            <a:endParaRPr lang="en-US" altLang="zh-TW" sz="4400" b="1" dirty="0" smtClean="0">
+            <a:pPr marL="0" indent="0" algn="ctr">
+              <a:buNone/>
+            </a:pPr>
+            <a:r>
+              <a:rPr lang="zh-TW" altLang="en-US" sz="6400" b="1" dirty="0">
+                <a:solidFill>
+                  <a:srgbClr val="000066"/>
+                </a:solidFill>
+                <a:latin typeface="微軟正黑體" pitchFamily="34" charset="-120"/>
+                <a:ea typeface="微軟正黑體" pitchFamily="34" charset="-120"/>
+              </a:rPr>
+              <a:t>洒</a:t>
+            </a:r>
+            <a:r>
+              <a:rPr lang="zh-TW" altLang="en-US" sz="6400" b="1" dirty="0">
+                <a:solidFill>
+                  <a:srgbClr val="000066"/>
+                </a:solidFill>
+                <a:latin typeface="微軟正黑體" pitchFamily="34" charset="-120"/>
+                <a:ea typeface="微軟正黑體" pitchFamily="34" charset="-120"/>
+              </a:rPr>
+              <a:t>寶血全然為我</a:t>
+            </a:r>
+            <a:endParaRPr lang="en-US" altLang="zh-TW" sz="6400" b="1" dirty="0">
               <a:solidFill>
-                <a:srgbClr val="002060"/>
+                <a:srgbClr val="000066"/>
               </a:solidFill>
-              <a:latin typeface="+mn-ea"/>
+              <a:latin typeface="微軟正黑體" pitchFamily="34" charset="-120"/>
+              <a:ea typeface="微軟正黑體" pitchFamily="34" charset="-120"/>
             </a:endParaRPr>
           </a:p>
-          <a:p>
-            <a:r>
-              <a:rPr lang="zh-TW" altLang="en-US" sz="4400" b="1" dirty="0">
-                <a:solidFill>
-                  <a:srgbClr val="002060"/>
-                </a:solidFill>
-                <a:latin typeface="+mn-ea"/>
-              </a:rPr>
-              <a:t>要像耶穌祢委身謙卑 </a:t>
-            </a:r>
-            <a:endParaRPr lang="en-US" altLang="zh-TW" sz="4400" b="1" dirty="0" smtClean="0">
-              <a:solidFill>
-                <a:srgbClr val="002060"/>
-              </a:solidFill>
-              <a:latin typeface="+mn-ea"/>
-            </a:endParaRPr>
-          </a:p>
-          <a:p>
-            <a:r>
-              <a:rPr lang="zh-TW" altLang="en-US" sz="4400" b="1" dirty="0" smtClean="0">
-                <a:solidFill>
-                  <a:srgbClr val="002060"/>
-                </a:solidFill>
-                <a:latin typeface="+mn-ea"/>
-              </a:rPr>
-              <a:t>放</a:t>
-            </a:r>
-            <a:r>
-              <a:rPr lang="zh-TW" altLang="en-US" sz="4400" b="1" dirty="0">
-                <a:solidFill>
-                  <a:srgbClr val="002060"/>
-                </a:solidFill>
-                <a:latin typeface="+mn-ea"/>
-              </a:rPr>
-              <a:t>低我的所有</a:t>
-            </a:r>
-            <a:endParaRPr lang="en-US" altLang="zh-TW" sz="4400" b="1" dirty="0" smtClean="0">
-              <a:solidFill>
-                <a:srgbClr val="002060"/>
-              </a:solidFill>
-              <a:latin typeface="+mn-ea"/>
-            </a:endParaRPr>
-          </a:p>
-        </p:txBody>
-      </p:sp>
-      <p:sp>
-        <p:nvSpPr>
-          <p:cNvPr id="4" name="文字方塊 3"/>
-          <p:cNvSpPr txBox="1"/>
-          <p:nvPr/>
-        </p:nvSpPr>
-        <p:spPr>
-          <a:xfrm>
-            <a:off x="8429652" y="142852"/>
-            <a:ext cx="614271" cy="461665"/>
-          </a:xfrm>
-          <a:prstGeom prst="rect">
-            <a:avLst/>
-          </a:prstGeom>
-          <a:noFill/>
-        </p:spPr>
-        <p:txBody>
-          <a:bodyPr wrap="none" rtlCol="0">
-            <a:spAutoFit/>
-          </a:bodyPr>
-          <a:lstStyle/>
-          <a:p>
-            <a:r>
-              <a:rPr lang="en-US" altLang="zh-TW" sz="2400" dirty="0" smtClean="0"/>
-              <a:t>4/3</a:t>
-            </a:r>
-            <a:endParaRPr lang="zh-TW" altLang="en-US" sz="2400" dirty="0"/>
-          </a:p>
         </p:txBody>
       </p:sp>
     </p:spTree>
+    <p:extLst>
+      <p:ext uri="{BB962C8B-B14F-4D97-AF65-F5344CB8AC3E}">
+        <p14:creationId xmlns:p14="http://schemas.microsoft.com/office/powerpoint/2010/main" val="2539556177"/>
+      </p:ext>
+    </p:extLst>
   </p:cSld>
   <p:clrMapOvr>
     <a:masterClrMapping/>
   </p:clrMapOvr>
-  <p:timing>
-    <p:tnLst>
-      <p:par>
-        <p:cTn id="1" dur="indefinite" restart="never" nodeType="tmRoot"/>
-      </p:par>
-    </p:tnLst>
-  </p:timing>
 </p:sld>
 </file>
 
@@ -4110,280 +4738,94 @@
       </p:grpSpPr>
       <p:sp>
         <p:nvSpPr>
-          <p:cNvPr id="2" name="標題 1"/>
-          <p:cNvSpPr>
-            <a:spLocks noGrp="1"/>
-          </p:cNvSpPr>
-          <p:nvPr>
-            <p:ph type="ctrTitle"/>
+          <p:cNvPr id="5" name="內容版面配置區 4"/>
+          <p:cNvSpPr>
+            <a:spLocks noGrp="1"/>
+          </p:cNvSpPr>
+          <p:nvPr>
+            <p:ph idx="1"/>
           </p:nvPr>
         </p:nvSpPr>
         <p:spPr>
           <a:xfrm>
-            <a:off x="642910" y="-285776"/>
-            <a:ext cx="7772400" cy="1470025"/>
+            <a:off x="0" y="2084851"/>
+            <a:ext cx="12192000" cy="2404863"/>
           </a:xfrm>
         </p:spPr>
         <p:txBody>
-          <a:bodyPr>
+          <a:bodyPr anchor="ctr">
             <a:normAutofit/>
           </a:bodyPr>
           <a:lstStyle/>
           <a:p>
-            <a:r>
-              <a:rPr lang="zh-TW" altLang="en-US" sz="3600" b="1" u="sng" dirty="0">
-                <a:solidFill>
-                  <a:srgbClr val="002060"/>
-                </a:solidFill>
-              </a:rPr>
-              <a:t>靠著祢寶血 </a:t>
-            </a:r>
-          </a:p>
-        </p:txBody>
-      </p:sp>
-      <p:sp>
-        <p:nvSpPr>
-          <p:cNvPr id="3" name="副標題 2"/>
-          <p:cNvSpPr>
-            <a:spLocks noGrp="1"/>
-          </p:cNvSpPr>
-          <p:nvPr>
-            <p:ph type="subTitle" idx="1"/>
-          </p:nvPr>
-        </p:nvSpPr>
-        <p:spPr>
-          <a:xfrm>
-            <a:off x="0" y="857232"/>
-            <a:ext cx="9144000" cy="1752600"/>
-          </a:xfrm>
-        </p:spPr>
-        <p:txBody>
-          <a:bodyPr wrap="none">
-            <a:noAutofit/>
-          </a:bodyPr>
-          <a:lstStyle/>
-          <a:p>
-            <a:r>
-              <a:rPr lang="zh-TW" altLang="en-US" sz="4400" b="1" dirty="0">
-                <a:solidFill>
-                  <a:srgbClr val="002060"/>
-                </a:solidFill>
-              </a:rPr>
-              <a:t>靠著祢寶血我得自由</a:t>
-            </a:r>
-            <a:r>
-              <a:rPr lang="zh-TW" altLang="en-US" sz="4400" b="1" dirty="0" smtClean="0">
-                <a:solidFill>
-                  <a:srgbClr val="002060"/>
-                </a:solidFill>
-              </a:rPr>
-              <a:t/>
-            </a:r>
-            <a:br>
-              <a:rPr lang="zh-TW" altLang="en-US" sz="4400" b="1" dirty="0" smtClean="0">
-                <a:solidFill>
-                  <a:srgbClr val="002060"/>
-                </a:solidFill>
-              </a:rPr>
-            </a:br>
-            <a:r>
-              <a:rPr lang="zh-TW" altLang="en-US" sz="4400" b="1" dirty="0">
-                <a:solidFill>
-                  <a:srgbClr val="002060"/>
-                </a:solidFill>
-              </a:rPr>
-              <a:t>靠著祢寶血救贖我得釋放</a:t>
-            </a:r>
-            <a:r>
-              <a:rPr lang="zh-TW" altLang="en-US" sz="4400" b="1" dirty="0" smtClean="0">
-                <a:solidFill>
-                  <a:srgbClr val="002060"/>
-                </a:solidFill>
-              </a:rPr>
-              <a:t/>
-            </a:r>
-            <a:br>
-              <a:rPr lang="zh-TW" altLang="en-US" sz="4400" b="1" dirty="0" smtClean="0">
-                <a:solidFill>
-                  <a:srgbClr val="002060"/>
-                </a:solidFill>
-              </a:rPr>
-            </a:br>
-            <a:r>
-              <a:rPr lang="zh-TW" altLang="en-US" sz="4400" b="1" dirty="0">
-                <a:solidFill>
-                  <a:srgbClr val="002060"/>
-                </a:solidFill>
-              </a:rPr>
-              <a:t>祢十架甘心犧牲的愛</a:t>
-            </a:r>
-            <a:r>
-              <a:rPr lang="zh-TW" altLang="en-US" sz="4400" b="1" dirty="0" smtClean="0">
-                <a:solidFill>
-                  <a:srgbClr val="002060"/>
-                </a:solidFill>
-              </a:rPr>
-              <a:t/>
-            </a:r>
-            <a:br>
-              <a:rPr lang="zh-TW" altLang="en-US" sz="4400" b="1" dirty="0" smtClean="0">
-                <a:solidFill>
-                  <a:srgbClr val="002060"/>
-                </a:solidFill>
-              </a:rPr>
-            </a:br>
-            <a:r>
-              <a:rPr lang="zh-TW" altLang="en-US" sz="4400" b="1" dirty="0">
-                <a:solidFill>
-                  <a:srgbClr val="002060"/>
-                </a:solidFill>
-              </a:rPr>
-              <a:t>改寫我下半生 </a:t>
-            </a:r>
-            <a:endParaRPr lang="en-US" altLang="zh-TW" sz="4400" b="1" dirty="0" smtClean="0">
+            <a:pPr marL="0" indent="0" algn="ctr">
+              <a:buNone/>
+            </a:pPr>
+            <a:r>
+              <a:rPr lang="zh-TW" altLang="en-US" sz="6400" b="1" dirty="0">
+                <a:solidFill>
+                  <a:srgbClr val="000066"/>
+                </a:solidFill>
+                <a:latin typeface="微軟正黑體" pitchFamily="34" charset="-120"/>
+                <a:ea typeface="微軟正黑體" pitchFamily="34" charset="-120"/>
+              </a:rPr>
+              <a:t>今使我像雪</a:t>
+            </a:r>
+            <a:r>
+              <a:rPr lang="zh-TW" altLang="en-US" sz="6400" b="1" dirty="0">
+                <a:solidFill>
+                  <a:srgbClr val="000066"/>
+                </a:solidFill>
+                <a:latin typeface="微軟正黑體" pitchFamily="34" charset="-120"/>
+                <a:ea typeface="微軟正黑體" pitchFamily="34" charset="-120"/>
+              </a:rPr>
+              <a:t>白</a:t>
+            </a:r>
+            <a:endParaRPr lang="en-US" altLang="zh-TW" sz="6400" b="1" dirty="0">
               <a:solidFill>
-                <a:srgbClr val="002060"/>
+                <a:srgbClr val="000066"/>
               </a:solidFill>
+              <a:latin typeface="微軟正黑體" pitchFamily="34" charset="-120"/>
+              <a:ea typeface="微軟正黑體" pitchFamily="34" charset="-120"/>
             </a:endParaRPr>
           </a:p>
           <a:p>
-            <a:r>
-              <a:rPr lang="zh-TW" altLang="en-US" sz="4400" b="1" dirty="0">
-                <a:solidFill>
-                  <a:srgbClr val="002060"/>
-                </a:solidFill>
-                <a:latin typeface="+mn-ea"/>
-              </a:rPr>
-              <a:t>獻盡我心單單高舉祢</a:t>
-            </a:r>
-            <a:r>
-              <a:rPr lang="zh-TW" altLang="en-US" sz="4400" b="1" dirty="0" smtClean="0">
-                <a:solidFill>
-                  <a:srgbClr val="002060"/>
-                </a:solidFill>
-                <a:latin typeface="+mn-ea"/>
-              </a:rPr>
-              <a:t/>
-            </a:r>
-            <a:br>
-              <a:rPr lang="zh-TW" altLang="en-US" sz="4400" b="1" dirty="0" smtClean="0">
-                <a:solidFill>
-                  <a:srgbClr val="002060"/>
-                </a:solidFill>
-                <a:latin typeface="+mn-ea"/>
-              </a:rPr>
-            </a:br>
-            <a:r>
-              <a:rPr lang="zh-TW" altLang="en-US" sz="4400" b="1" dirty="0">
-                <a:solidFill>
-                  <a:srgbClr val="002060"/>
-                </a:solidFill>
-              </a:rPr>
-              <a:t>我願意一切順服祢的旨意</a:t>
-            </a:r>
-            <a:r>
-              <a:rPr lang="zh-TW" altLang="en-US" sz="4400" b="1" dirty="0">
-                <a:solidFill>
-                  <a:srgbClr val="002060"/>
-                </a:solidFill>
-                <a:latin typeface="+mn-ea"/>
-              </a:rPr>
-              <a:t> </a:t>
-            </a:r>
-            <a:endParaRPr lang="en-US" altLang="zh-TW" sz="4400" b="1" dirty="0" smtClean="0">
-              <a:solidFill>
-                <a:srgbClr val="002060"/>
-              </a:solidFill>
-              <a:latin typeface="+mn-ea"/>
-            </a:endParaRPr>
-          </a:p>
-          <a:p>
-            <a:r>
-              <a:rPr lang="zh-TW" altLang="en-US" sz="4400" b="1" dirty="0">
-                <a:solidFill>
-                  <a:srgbClr val="002060"/>
-                </a:solidFill>
-                <a:latin typeface="+mn-ea"/>
-              </a:rPr>
-              <a:t>要像耶穌祢委身謙卑 </a:t>
-            </a:r>
-            <a:endParaRPr lang="en-US" altLang="zh-TW" sz="4400" b="1" dirty="0" smtClean="0">
-              <a:solidFill>
-                <a:srgbClr val="002060"/>
-              </a:solidFill>
-              <a:latin typeface="+mn-ea"/>
-            </a:endParaRPr>
-          </a:p>
-          <a:p>
-            <a:r>
-              <a:rPr lang="zh-TW" altLang="en-US" sz="4400" b="1" dirty="0" smtClean="0">
-                <a:solidFill>
-                  <a:srgbClr val="002060"/>
-                </a:solidFill>
-                <a:latin typeface="+mn-ea"/>
-              </a:rPr>
-              <a:t>放</a:t>
-            </a:r>
-            <a:r>
-              <a:rPr lang="zh-TW" altLang="en-US" sz="4400" b="1" dirty="0">
-                <a:solidFill>
-                  <a:srgbClr val="002060"/>
-                </a:solidFill>
-                <a:latin typeface="+mn-ea"/>
-              </a:rPr>
-              <a:t>低我的所有</a:t>
-            </a:r>
-            <a:endParaRPr lang="en-US" altLang="zh-TW" sz="4400" b="1" dirty="0" smtClean="0">
-              <a:solidFill>
-                <a:srgbClr val="002060"/>
-              </a:solidFill>
-              <a:latin typeface="+mn-ea"/>
-            </a:endParaRPr>
-          </a:p>
-        </p:txBody>
-      </p:sp>
-      <p:sp>
-        <p:nvSpPr>
-          <p:cNvPr id="4" name="文字方塊 3"/>
-          <p:cNvSpPr txBox="1"/>
-          <p:nvPr/>
-        </p:nvSpPr>
-        <p:spPr>
-          <a:xfrm>
-            <a:off x="8429652" y="142852"/>
-            <a:ext cx="614271" cy="461665"/>
-          </a:xfrm>
-          <a:prstGeom prst="rect">
-            <a:avLst/>
-          </a:prstGeom>
-          <a:noFill/>
-        </p:spPr>
-        <p:txBody>
-          <a:bodyPr wrap="none" rtlCol="0">
-            <a:spAutoFit/>
-          </a:bodyPr>
-          <a:lstStyle/>
-          <a:p>
-            <a:r>
-              <a:rPr lang="en-US" altLang="zh-TW" sz="2400" dirty="0" smtClean="0"/>
-              <a:t>4/3</a:t>
-            </a:r>
-            <a:endParaRPr lang="zh-TW" altLang="en-US" sz="2400" dirty="0"/>
+            <a:pPr marL="0" indent="0" algn="ctr">
+              <a:buNone/>
+            </a:pPr>
+            <a:r>
+              <a:rPr lang="zh-TW" altLang="en-US" sz="6400" b="1" dirty="0">
+                <a:solidFill>
+                  <a:srgbClr val="000066"/>
+                </a:solidFill>
+                <a:latin typeface="微軟正黑體" pitchFamily="34" charset="-120"/>
+                <a:ea typeface="微軟正黑體" pitchFamily="34" charset="-120"/>
+              </a:rPr>
+              <a:t>靠</a:t>
+            </a:r>
+            <a:r>
+              <a:rPr lang="zh-TW" altLang="en-US" sz="6400" b="1" dirty="0">
+                <a:solidFill>
+                  <a:srgbClr val="000066"/>
+                </a:solidFill>
+                <a:latin typeface="微軟正黑體" pitchFamily="34" charset="-120"/>
+                <a:ea typeface="微軟正黑體" pitchFamily="34" charset="-120"/>
+              </a:rPr>
+              <a:t>我救主基督寶血</a:t>
+            </a:r>
           </a:p>
         </p:txBody>
       </p:sp>
     </p:spTree>
+    <p:extLst>
+      <p:ext uri="{BB962C8B-B14F-4D97-AF65-F5344CB8AC3E}">
+        <p14:creationId xmlns:p14="http://schemas.microsoft.com/office/powerpoint/2010/main" val="834244651"/>
+      </p:ext>
+    </p:extLst>
   </p:cSld>
   <p:clrMapOvr>
     <a:masterClrMapping/>
   </p:clrMapOvr>
-  <p:timing>
-    <p:tnLst>
-      <p:par>
-        <p:cTn id="1" dur="indefinite" restart="never" nodeType="tmRoot"/>
-      </p:par>
-    </p:tnLst>
-  </p:timing>
 </p:sld>
 </file>
 
@@ -4406,162 +4848,430 @@
       </p:grpSpPr>
       <p:sp>
         <p:nvSpPr>
-          <p:cNvPr id="2" name="標題 1"/>
-          <p:cNvSpPr>
-            <a:spLocks noGrp="1"/>
-          </p:cNvSpPr>
-          <p:nvPr>
-            <p:ph type="ctrTitle"/>
+          <p:cNvPr id="5" name="內容版面配置區 4"/>
+          <p:cNvSpPr>
+            <a:spLocks noGrp="1"/>
+          </p:cNvSpPr>
+          <p:nvPr>
+            <p:ph idx="1"/>
           </p:nvPr>
         </p:nvSpPr>
         <p:spPr>
           <a:xfrm>
-            <a:off x="642910" y="-285776"/>
-            <a:ext cx="7772400" cy="1470025"/>
+            <a:off x="0" y="2084851"/>
+            <a:ext cx="12192000" cy="2404863"/>
           </a:xfrm>
         </p:spPr>
         <p:txBody>
-          <a:bodyPr>
+          <a:bodyPr anchor="ctr">
             <a:normAutofit/>
           </a:bodyPr>
           <a:lstStyle/>
           <a:p>
-            <a:r>
-              <a:rPr lang="zh-TW" altLang="en-US" sz="3600" b="1" u="sng" dirty="0">
-                <a:solidFill>
-                  <a:srgbClr val="002060"/>
-                </a:solidFill>
-              </a:rPr>
-              <a:t>靠著祢寶血 </a:t>
-            </a:r>
-          </a:p>
-        </p:txBody>
-      </p:sp>
-      <p:sp>
-        <p:nvSpPr>
-          <p:cNvPr id="3" name="副標題 2"/>
-          <p:cNvSpPr>
-            <a:spLocks noGrp="1"/>
-          </p:cNvSpPr>
-          <p:nvPr>
-            <p:ph type="subTitle" idx="1"/>
-          </p:nvPr>
-        </p:nvSpPr>
-        <p:spPr>
-          <a:xfrm>
-            <a:off x="0" y="928670"/>
-            <a:ext cx="9144000" cy="5681666"/>
-          </a:xfrm>
-        </p:spPr>
-        <p:txBody>
-          <a:bodyPr anchor="ctr">
-            <a:noAutofit/>
-          </a:bodyPr>
-          <a:lstStyle/>
-          <a:p>
-            <a:r>
-              <a:rPr lang="zh-TW" altLang="en-US" sz="5400" b="1" dirty="0" smtClean="0">
-                <a:solidFill>
-                  <a:srgbClr val="002060"/>
-                </a:solidFill>
-              </a:rPr>
-              <a:t>我已完全</a:t>
-            </a:r>
-            <a:r>
-              <a:rPr lang="zh-TW" altLang="en-US" sz="5400" b="1" dirty="0">
-                <a:solidFill>
-                  <a:srgbClr val="002060"/>
-                </a:solidFill>
-              </a:rPr>
-              <a:t>被</a:t>
-            </a:r>
-            <a:r>
-              <a:rPr lang="zh-TW" altLang="en-US" sz="5400" b="1" dirty="0" smtClean="0">
-                <a:solidFill>
-                  <a:srgbClr val="002060"/>
-                </a:solidFill>
-              </a:rPr>
-              <a:t>更新</a:t>
-            </a:r>
-            <a:endParaRPr lang="en-US" altLang="zh-TW" sz="5400" b="1" dirty="0" smtClean="0">
+            <a:pPr marL="0" indent="0" algn="ctr">
+              <a:buNone/>
+            </a:pPr>
+            <a:r>
+              <a:rPr lang="zh-TW" altLang="en-US" sz="6400" b="1" dirty="0">
+                <a:solidFill>
+                  <a:srgbClr val="000066"/>
+                </a:solidFill>
+                <a:latin typeface="微軟正黑體" pitchFamily="34" charset="-120"/>
+                <a:ea typeface="微軟正黑體" pitchFamily="34" charset="-120"/>
+              </a:rPr>
+              <a:t>如何能重獲安穩 </a:t>
+            </a:r>
+            <a:endParaRPr lang="en-US" altLang="zh-TW" sz="6400" b="1" dirty="0">
               <a:solidFill>
-                <a:srgbClr val="002060"/>
+                <a:srgbClr val="000066"/>
               </a:solidFill>
+              <a:latin typeface="微軟正黑體" pitchFamily="34" charset="-120"/>
+              <a:ea typeface="微軟正黑體" pitchFamily="34" charset="-120"/>
             </a:endParaRPr>
           </a:p>
           <a:p>
-            <a:r>
-              <a:rPr lang="zh-TW" altLang="en-US" sz="5400" b="1" dirty="0" smtClean="0">
-                <a:solidFill>
-                  <a:srgbClr val="002060"/>
-                </a:solidFill>
-              </a:rPr>
-              <a:t> </a:t>
-            </a:r>
-            <a:r>
-              <a:rPr lang="zh-TW" altLang="en-US" sz="5400" b="1" dirty="0">
-                <a:solidFill>
-                  <a:srgbClr val="002060"/>
-                </a:solidFill>
+            <a:pPr marL="0" indent="0" algn="ctr">
+              <a:buNone/>
+            </a:pPr>
+            <a:r>
+              <a:rPr lang="zh-TW" altLang="en-US" sz="6400" b="1" dirty="0">
+                <a:solidFill>
+                  <a:srgbClr val="000066"/>
+                </a:solidFill>
+                <a:latin typeface="微軟正黑體" pitchFamily="34" charset="-120"/>
+                <a:ea typeface="微軟正黑體" pitchFamily="34" charset="-120"/>
               </a:rPr>
               <a:t>靠我救主基督寶血</a:t>
             </a:r>
-            <a:endParaRPr lang="en-US" altLang="zh-TW" sz="5400" b="1" dirty="0" smtClean="0">
+            <a:endParaRPr lang="en-US" altLang="zh-TW" sz="6400" b="1" dirty="0">
               <a:solidFill>
-                <a:srgbClr val="002060"/>
+                <a:srgbClr val="000066"/>
               </a:solidFill>
-              <a:latin typeface="+mn-ea"/>
+              <a:latin typeface="微軟正黑體" pitchFamily="34" charset="-120"/>
+              <a:ea typeface="微軟正黑體" pitchFamily="34" charset="-120"/>
             </a:endParaRPr>
           </a:p>
         </p:txBody>
       </p:sp>
-      <p:sp>
-        <p:nvSpPr>
-          <p:cNvPr id="4" name="文字方塊 3"/>
-          <p:cNvSpPr txBox="1"/>
-          <p:nvPr/>
-        </p:nvSpPr>
-        <p:spPr>
-          <a:xfrm>
-            <a:off x="8429652" y="142852"/>
-            <a:ext cx="614271" cy="461665"/>
-          </a:xfrm>
-          <a:prstGeom prst="rect">
-            <a:avLst/>
-          </a:prstGeom>
-          <a:noFill/>
-        </p:spPr>
-        <p:txBody>
-          <a:bodyPr wrap="none" rtlCol="0">
-            <a:spAutoFit/>
-          </a:bodyPr>
-          <a:lstStyle/>
-          <a:p>
-            <a:r>
-              <a:rPr lang="en-US" altLang="zh-TW" sz="2400" dirty="0" smtClean="0"/>
-              <a:t>3/3</a:t>
-            </a:r>
-            <a:endParaRPr lang="zh-TW" altLang="en-US" sz="2400" dirty="0"/>
-          </a:p>
-        </p:txBody>
-      </p:sp>
     </p:spTree>
+    <p:extLst>
+      <p:ext uri="{BB962C8B-B14F-4D97-AF65-F5344CB8AC3E}">
+        <p14:creationId xmlns:p14="http://schemas.microsoft.com/office/powerpoint/2010/main" val="3362232488"/>
+      </p:ext>
+    </p:extLst>
   </p:cSld>
   <p:clrMapOvr>
     <a:masterClrMapping/>
   </p:clrMapOvr>
-  <p:timing>
-    <p:tnLst>
-      <p:par>
-        <p:cTn id="1" dur="indefinite" restart="never" nodeType="tmRoot"/>
-      </p:par>
-    </p:tnLst>
-  </p:timing>
+</p:sld>
+</file>
+
+<file path=ppt/slides/slide7.xml><?xml version="1.0" encoding="utf-8"?>
+<p:sld xmlns:a="http://schemas.openxmlformats.org/drawingml/2006/main" xmlns:r="http://schemas.openxmlformats.org/officeDocument/2006/relationships" xmlns:p="http://schemas.openxmlformats.org/presentationml/2006/main">
+  <p:cSld>
+    <p:spTree>
+      <p:nvGrpSpPr>
+        <p:cNvPr id="1" name=""/>
+        <p:cNvGrpSpPr/>
+        <p:nvPr/>
+      </p:nvGrpSpPr>
+      <p:grpSpPr>
+        <a:xfrm>
+          <a:off x="0" y="0"/>
+          <a:ext cx="0" cy="0"/>
+          <a:chOff x="0" y="0"/>
+          <a:chExt cx="0" cy="0"/>
+        </a:xfrm>
+      </p:grpSpPr>
+      <p:sp>
+        <p:nvSpPr>
+          <p:cNvPr id="5" name="內容版面配置區 4"/>
+          <p:cNvSpPr>
+            <a:spLocks noGrp="1"/>
+          </p:cNvSpPr>
+          <p:nvPr>
+            <p:ph idx="1"/>
+          </p:nvPr>
+        </p:nvSpPr>
+        <p:spPr>
+          <a:xfrm>
+            <a:off x="0" y="2084851"/>
+            <a:ext cx="12192000" cy="2404863"/>
+          </a:xfrm>
+        </p:spPr>
+        <p:txBody>
+          <a:bodyPr anchor="ctr">
+            <a:normAutofit/>
+          </a:bodyPr>
+          <a:lstStyle/>
+          <a:p>
+            <a:pPr marL="0" indent="0" algn="ctr">
+              <a:buNone/>
+            </a:pPr>
+            <a:r>
+              <a:rPr lang="zh-TW" altLang="en-US" sz="6400" b="1" dirty="0">
+                <a:solidFill>
+                  <a:srgbClr val="000066"/>
+                </a:solidFill>
+                <a:latin typeface="微軟正黑體" pitchFamily="34" charset="-120"/>
+                <a:ea typeface="微軟正黑體" pitchFamily="34" charset="-120"/>
+              </a:rPr>
+              <a:t>祈求完全被潔</a:t>
+            </a:r>
+            <a:r>
+              <a:rPr lang="zh-TW" altLang="en-US" sz="6400" b="1" dirty="0">
+                <a:solidFill>
+                  <a:srgbClr val="000066"/>
+                </a:solidFill>
+                <a:latin typeface="微軟正黑體" pitchFamily="34" charset="-120"/>
+                <a:ea typeface="微軟正黑體" pitchFamily="34" charset="-120"/>
+              </a:rPr>
+              <a:t>淨</a:t>
+            </a:r>
+            <a:endParaRPr lang="en-US" altLang="zh-TW" sz="6400" b="1" dirty="0">
+              <a:solidFill>
+                <a:srgbClr val="000066"/>
+              </a:solidFill>
+              <a:latin typeface="微軟正黑體" pitchFamily="34" charset="-120"/>
+              <a:ea typeface="微軟正黑體" pitchFamily="34" charset="-120"/>
+            </a:endParaRPr>
+          </a:p>
+          <a:p>
+            <a:pPr marL="0" indent="0" algn="ctr">
+              <a:buNone/>
+            </a:pPr>
+            <a:r>
+              <a:rPr lang="zh-TW" altLang="en-US" sz="6400" b="1" dirty="0">
+                <a:solidFill>
+                  <a:srgbClr val="000066"/>
+                </a:solidFill>
+                <a:latin typeface="微軟正黑體" pitchFamily="34" charset="-120"/>
+                <a:ea typeface="微軟正黑體" pitchFamily="34" charset="-120"/>
+              </a:rPr>
+              <a:t>靠</a:t>
+            </a:r>
+            <a:r>
+              <a:rPr lang="zh-TW" altLang="en-US" sz="6400" b="1" dirty="0">
+                <a:solidFill>
+                  <a:srgbClr val="000066"/>
+                </a:solidFill>
+                <a:latin typeface="微軟正黑體" pitchFamily="34" charset="-120"/>
+                <a:ea typeface="微軟正黑體" pitchFamily="34" charset="-120"/>
+              </a:rPr>
+              <a:t>我救主基督寶血</a:t>
+            </a:r>
+            <a:endParaRPr lang="en-US" altLang="zh-TW" sz="6400" b="1" dirty="0">
+              <a:solidFill>
+                <a:srgbClr val="000066"/>
+              </a:solidFill>
+              <a:latin typeface="微軟正黑體" pitchFamily="34" charset="-120"/>
+              <a:ea typeface="微軟正黑體" pitchFamily="34" charset="-120"/>
+            </a:endParaRPr>
+          </a:p>
+        </p:txBody>
+      </p:sp>
+    </p:spTree>
+    <p:extLst>
+      <p:ext uri="{BB962C8B-B14F-4D97-AF65-F5344CB8AC3E}">
+        <p14:creationId xmlns:p14="http://schemas.microsoft.com/office/powerpoint/2010/main" val="1087967720"/>
+      </p:ext>
+    </p:extLst>
+  </p:cSld>
+  <p:clrMapOvr>
+    <a:masterClrMapping/>
+  </p:clrMapOvr>
+</p:sld>
+</file>
+
+<file path=ppt/slides/slide8.xml><?xml version="1.0" encoding="utf-8"?>
+<p:sld xmlns:a="http://schemas.openxmlformats.org/drawingml/2006/main" xmlns:r="http://schemas.openxmlformats.org/officeDocument/2006/relationships" xmlns:p="http://schemas.openxmlformats.org/presentationml/2006/main">
+  <p:cSld>
+    <p:spTree>
+      <p:nvGrpSpPr>
+        <p:cNvPr id="1" name=""/>
+        <p:cNvGrpSpPr/>
+        <p:nvPr/>
+      </p:nvGrpSpPr>
+      <p:grpSpPr>
+        <a:xfrm>
+          <a:off x="0" y="0"/>
+          <a:ext cx="0" cy="0"/>
+          <a:chOff x="0" y="0"/>
+          <a:chExt cx="0" cy="0"/>
+        </a:xfrm>
+      </p:grpSpPr>
+      <p:sp>
+        <p:nvSpPr>
+          <p:cNvPr id="5" name="內容版面配置區 4"/>
+          <p:cNvSpPr>
+            <a:spLocks noGrp="1"/>
+          </p:cNvSpPr>
+          <p:nvPr>
+            <p:ph idx="1"/>
+          </p:nvPr>
+        </p:nvSpPr>
+        <p:spPr>
+          <a:xfrm>
+            <a:off x="0" y="2084851"/>
+            <a:ext cx="12192000" cy="2404863"/>
+          </a:xfrm>
+        </p:spPr>
+        <p:txBody>
+          <a:bodyPr anchor="ctr">
+            <a:normAutofit/>
+          </a:bodyPr>
+          <a:lstStyle/>
+          <a:p>
+            <a:pPr marL="0" indent="0" algn="ctr">
+              <a:buNone/>
+            </a:pPr>
+            <a:r>
+              <a:rPr lang="zh-TW" altLang="en-US" sz="6400" b="1" dirty="0">
+                <a:solidFill>
+                  <a:srgbClr val="000066"/>
+                </a:solidFill>
+                <a:latin typeface="微軟正黑體" pitchFamily="34" charset="-120"/>
+                <a:ea typeface="微軟正黑體" pitchFamily="34" charset="-120"/>
+              </a:rPr>
+              <a:t>主被懸十架</a:t>
+            </a:r>
+            <a:r>
+              <a:rPr lang="zh-TW" altLang="en-US" sz="6400" b="1" dirty="0">
+                <a:solidFill>
+                  <a:srgbClr val="000066"/>
+                </a:solidFill>
+                <a:latin typeface="微軟正黑體" pitchFamily="34" charset="-120"/>
+                <a:ea typeface="微軟正黑體" pitchFamily="34" charset="-120"/>
+              </a:rPr>
+              <a:t>上</a:t>
+            </a:r>
+            <a:endParaRPr lang="en-US" altLang="zh-TW" sz="6400" b="1" dirty="0">
+              <a:solidFill>
+                <a:srgbClr val="000066"/>
+              </a:solidFill>
+              <a:latin typeface="微軟正黑體" pitchFamily="34" charset="-120"/>
+              <a:ea typeface="微軟正黑體" pitchFamily="34" charset="-120"/>
+            </a:endParaRPr>
+          </a:p>
+          <a:p>
+            <a:pPr marL="0" indent="0" algn="ctr">
+              <a:buNone/>
+            </a:pPr>
+            <a:r>
+              <a:rPr lang="zh-TW" altLang="en-US" sz="6400" b="1" dirty="0">
+                <a:solidFill>
+                  <a:srgbClr val="000066"/>
+                </a:solidFill>
+                <a:latin typeface="微軟正黑體" pitchFamily="34" charset="-120"/>
+                <a:ea typeface="微軟正黑體" pitchFamily="34" charset="-120"/>
+              </a:rPr>
+              <a:t>洒</a:t>
+            </a:r>
+            <a:r>
+              <a:rPr lang="zh-TW" altLang="en-US" sz="6400" b="1" dirty="0">
+                <a:solidFill>
+                  <a:srgbClr val="000066"/>
+                </a:solidFill>
+                <a:latin typeface="微軟正黑體" pitchFamily="34" charset="-120"/>
+                <a:ea typeface="微軟正黑體" pitchFamily="34" charset="-120"/>
+              </a:rPr>
+              <a:t>寶血全然為我</a:t>
+            </a:r>
+            <a:endParaRPr lang="en-US" altLang="zh-TW" sz="6400" b="1" dirty="0">
+              <a:solidFill>
+                <a:srgbClr val="000066"/>
+              </a:solidFill>
+              <a:latin typeface="微軟正黑體" pitchFamily="34" charset="-120"/>
+              <a:ea typeface="微軟正黑體" pitchFamily="34" charset="-120"/>
+            </a:endParaRPr>
+          </a:p>
+        </p:txBody>
+      </p:sp>
+    </p:spTree>
+    <p:extLst>
+      <p:ext uri="{BB962C8B-B14F-4D97-AF65-F5344CB8AC3E}">
+        <p14:creationId xmlns:p14="http://schemas.microsoft.com/office/powerpoint/2010/main" val="3076241502"/>
+      </p:ext>
+    </p:extLst>
+  </p:cSld>
+  <p:clrMapOvr>
+    <a:masterClrMapping/>
+  </p:clrMapOvr>
+</p:sld>
+</file>
+
+<file path=ppt/slides/slide9.xml><?xml version="1.0" encoding="utf-8"?>
+<p:sld xmlns:a="http://schemas.openxmlformats.org/drawingml/2006/main" xmlns:r="http://schemas.openxmlformats.org/officeDocument/2006/relationships" xmlns:p="http://schemas.openxmlformats.org/presentationml/2006/main">
+  <p:cSld>
+    <p:spTree>
+      <p:nvGrpSpPr>
+        <p:cNvPr id="1" name=""/>
+        <p:cNvGrpSpPr/>
+        <p:nvPr/>
+      </p:nvGrpSpPr>
+      <p:grpSpPr>
+        <a:xfrm>
+          <a:off x="0" y="0"/>
+          <a:ext cx="0" cy="0"/>
+          <a:chOff x="0" y="0"/>
+          <a:chExt cx="0" cy="0"/>
+        </a:xfrm>
+      </p:grpSpPr>
+      <p:sp>
+        <p:nvSpPr>
+          <p:cNvPr id="5" name="內容版面配置區 4"/>
+          <p:cNvSpPr>
+            <a:spLocks noGrp="1"/>
+          </p:cNvSpPr>
+          <p:nvPr>
+            <p:ph idx="1"/>
+          </p:nvPr>
+        </p:nvSpPr>
+        <p:spPr>
+          <a:xfrm>
+            <a:off x="0" y="2084851"/>
+            <a:ext cx="12192000" cy="2404863"/>
+          </a:xfrm>
+        </p:spPr>
+        <p:txBody>
+          <a:bodyPr anchor="ctr">
+            <a:normAutofit/>
+          </a:bodyPr>
+          <a:lstStyle/>
+          <a:p>
+            <a:pPr marL="0" indent="0" algn="ctr">
+              <a:buNone/>
+            </a:pPr>
+            <a:r>
+              <a:rPr lang="zh-TW" altLang="en-US" sz="6400" b="1" dirty="0">
+                <a:solidFill>
+                  <a:srgbClr val="000066"/>
+                </a:solidFill>
+                <a:latin typeface="微軟正黑體" pitchFamily="34" charset="-120"/>
+                <a:ea typeface="微軟正黑體" pitchFamily="34" charset="-120"/>
+              </a:rPr>
+              <a:t>今使我像雪</a:t>
+            </a:r>
+            <a:r>
+              <a:rPr lang="zh-TW" altLang="en-US" sz="6400" b="1" dirty="0">
+                <a:solidFill>
+                  <a:srgbClr val="000066"/>
+                </a:solidFill>
+                <a:latin typeface="微軟正黑體" pitchFamily="34" charset="-120"/>
+                <a:ea typeface="微軟正黑體" pitchFamily="34" charset="-120"/>
+              </a:rPr>
+              <a:t>白</a:t>
+            </a:r>
+            <a:endParaRPr lang="en-US" altLang="zh-TW" sz="6400" b="1" dirty="0">
+              <a:solidFill>
+                <a:srgbClr val="000066"/>
+              </a:solidFill>
+              <a:latin typeface="微軟正黑體" pitchFamily="34" charset="-120"/>
+              <a:ea typeface="微軟正黑體" pitchFamily="34" charset="-120"/>
+            </a:endParaRPr>
+          </a:p>
+          <a:p>
+            <a:pPr marL="0" indent="0" algn="ctr">
+              <a:buNone/>
+            </a:pPr>
+            <a:r>
+              <a:rPr lang="zh-TW" altLang="en-US" sz="6400" b="1" dirty="0">
+                <a:solidFill>
+                  <a:srgbClr val="000066"/>
+                </a:solidFill>
+                <a:latin typeface="微軟正黑體" pitchFamily="34" charset="-120"/>
+                <a:ea typeface="微軟正黑體" pitchFamily="34" charset="-120"/>
+              </a:rPr>
+              <a:t>靠</a:t>
+            </a:r>
+            <a:r>
+              <a:rPr lang="zh-TW" altLang="en-US" sz="6400" b="1" dirty="0">
+                <a:solidFill>
+                  <a:srgbClr val="000066"/>
+                </a:solidFill>
+                <a:latin typeface="微軟正黑體" pitchFamily="34" charset="-120"/>
+                <a:ea typeface="微軟正黑體" pitchFamily="34" charset="-120"/>
+              </a:rPr>
+              <a:t>我救主基督寶血</a:t>
+            </a:r>
+          </a:p>
+        </p:txBody>
+      </p:sp>
+    </p:spTree>
+    <p:extLst>
+      <p:ext uri="{BB962C8B-B14F-4D97-AF65-F5344CB8AC3E}">
+        <p14:creationId xmlns:p14="http://schemas.microsoft.com/office/powerpoint/2010/main" val="3442894148"/>
+      </p:ext>
+    </p:extLst>
+  </p:cSld>
+  <p:clrMapOvr>
+    <a:masterClrMapping/>
+  </p:clrMapOvr>
 </p:sld>
 </file>
 
 <file path=ppt/theme/theme1.xml><?xml version="1.0" encoding="utf-8"?>
-<a:theme xmlns:a="http://schemas.openxmlformats.org/drawingml/2006/main" name="Office 佈景主題">
+<a:theme xmlns:a="http://schemas.openxmlformats.org/drawingml/2006/main" name="Theme1">
   <a:themeElements>
     <a:clrScheme name="Office">
       <a:dk1>
@@ -4840,5 +5550,10 @@
   </a:themeElements>
   <a:objectDefaults/>
   <a:extraClrSchemeLst/>
+  <a:extLst>
+    <a:ext uri="{05A4C25C-085E-4340-85A3-A5531E510DB2}">
+      <thm15:themeFamily xmlns:thm15="http://schemas.microsoft.com/office/thememl/2012/main" name="Theme1" id="{1A8DE197-990E-4893-BF04-3823FBB50F9A}" vid="{430B7048-5A04-4BDB-939A-C7E865DB887B}"/>
+    </a:ext>
+  </a:extLst>
 </a:theme>
 </file>